--- a/TileFormats/VectorData/figures/figues.pptx
+++ b/TileFormats/VectorData/figures/figues.pptx
@@ -6,7 +6,10 @@
   </p:sldMasterIdLst>
   <p:sldIdLst>
     <p:sldId id="256" r:id="rId2"/>
-    <p:sldId id="257" r:id="rId3"/>
+    <p:sldId id="258" r:id="rId3"/>
+    <p:sldId id="259" r:id="rId4"/>
+    <p:sldId id="260" r:id="rId5"/>
+    <p:sldId id="257" r:id="rId6"/>
   </p:sldIdLst>
   <p:sldSz cx="10972800" cy="6858000"/>
   <p:notesSz cx="6858000" cy="9144000"/>
@@ -305,7 +308,7 @@
           <a:p>
             <a:fld id="{E44376AC-B3C2-8643-B9A3-A6905164CDF3}" type="datetimeFigureOut">
               <a:rPr lang="en-US" smtClean="0"/>
-              <a:t>6/5/2017</a:t>
+              <a:t>6/28/2017</a:t>
             </a:fld>
             <a:endParaRPr lang="en-US"/>
           </a:p>
@@ -475,7 +478,7 @@
           <a:p>
             <a:fld id="{E44376AC-B3C2-8643-B9A3-A6905164CDF3}" type="datetimeFigureOut">
               <a:rPr lang="en-US" smtClean="0"/>
-              <a:t>6/5/2017</a:t>
+              <a:t>6/28/2017</a:t>
             </a:fld>
             <a:endParaRPr lang="en-US"/>
           </a:p>
@@ -655,7 +658,7 @@
           <a:p>
             <a:fld id="{E44376AC-B3C2-8643-B9A3-A6905164CDF3}" type="datetimeFigureOut">
               <a:rPr lang="en-US" smtClean="0"/>
-              <a:t>6/5/2017</a:t>
+              <a:t>6/28/2017</a:t>
             </a:fld>
             <a:endParaRPr lang="en-US"/>
           </a:p>
@@ -825,7 +828,7 @@
           <a:p>
             <a:fld id="{E44376AC-B3C2-8643-B9A3-A6905164CDF3}" type="datetimeFigureOut">
               <a:rPr lang="en-US" smtClean="0"/>
-              <a:t>6/5/2017</a:t>
+              <a:t>6/28/2017</a:t>
             </a:fld>
             <a:endParaRPr lang="en-US"/>
           </a:p>
@@ -1071,7 +1074,7 @@
           <a:p>
             <a:fld id="{E44376AC-B3C2-8643-B9A3-A6905164CDF3}" type="datetimeFigureOut">
               <a:rPr lang="en-US" smtClean="0"/>
-              <a:t>6/5/2017</a:t>
+              <a:t>6/28/2017</a:t>
             </a:fld>
             <a:endParaRPr lang="en-US"/>
           </a:p>
@@ -1359,7 +1362,7 @@
           <a:p>
             <a:fld id="{E44376AC-B3C2-8643-B9A3-A6905164CDF3}" type="datetimeFigureOut">
               <a:rPr lang="en-US" smtClean="0"/>
-              <a:t>6/5/2017</a:t>
+              <a:t>6/28/2017</a:t>
             </a:fld>
             <a:endParaRPr lang="en-US"/>
           </a:p>
@@ -1781,7 +1784,7 @@
           <a:p>
             <a:fld id="{E44376AC-B3C2-8643-B9A3-A6905164CDF3}" type="datetimeFigureOut">
               <a:rPr lang="en-US" smtClean="0"/>
-              <a:t>6/5/2017</a:t>
+              <a:t>6/28/2017</a:t>
             </a:fld>
             <a:endParaRPr lang="en-US"/>
           </a:p>
@@ -1899,7 +1902,7 @@
           <a:p>
             <a:fld id="{E44376AC-B3C2-8643-B9A3-A6905164CDF3}" type="datetimeFigureOut">
               <a:rPr lang="en-US" smtClean="0"/>
-              <a:t>6/5/2017</a:t>
+              <a:t>6/28/2017</a:t>
             </a:fld>
             <a:endParaRPr lang="en-US"/>
           </a:p>
@@ -1994,7 +1997,7 @@
           <a:p>
             <a:fld id="{E44376AC-B3C2-8643-B9A3-A6905164CDF3}" type="datetimeFigureOut">
               <a:rPr lang="en-US" smtClean="0"/>
-              <a:t>6/5/2017</a:t>
+              <a:t>6/28/2017</a:t>
             </a:fld>
             <a:endParaRPr lang="en-US"/>
           </a:p>
@@ -2271,7 +2274,7 @@
           <a:p>
             <a:fld id="{E44376AC-B3C2-8643-B9A3-A6905164CDF3}" type="datetimeFigureOut">
               <a:rPr lang="en-US" smtClean="0"/>
-              <a:t>6/5/2017</a:t>
+              <a:t>6/28/2017</a:t>
             </a:fld>
             <a:endParaRPr lang="en-US"/>
           </a:p>
@@ -2524,7 +2527,7 @@
           <a:p>
             <a:fld id="{E44376AC-B3C2-8643-B9A3-A6905164CDF3}" type="datetimeFigureOut">
               <a:rPr lang="en-US" smtClean="0"/>
-              <a:t>6/5/2017</a:t>
+              <a:t>6/28/2017</a:t>
             </a:fld>
             <a:endParaRPr lang="en-US"/>
           </a:p>
@@ -2737,7 +2740,7 @@
           <a:p>
             <a:fld id="{E44376AC-B3C2-8643-B9A3-A6905164CDF3}" type="datetimeFigureOut">
               <a:rPr lang="en-US" smtClean="0"/>
-              <a:t>6/5/2017</a:t>
+              <a:t>6/28/2017</a:t>
             </a:fld>
             <a:endParaRPr lang="en-US"/>
           </a:p>
@@ -3289,10 +3292,6 @@
               </a:rPr>
               <a:t>indices</a:t>
             </a:r>
-            <a:endParaRPr lang="en-US" sz="1050" dirty="0" smtClean="0">
-              <a:latin typeface="Courier New"/>
-              <a:cs typeface="Courier New"/>
-            </a:endParaRPr>
           </a:p>
           <a:p>
             <a:pPr algn="ctr"/>
@@ -3372,21 +3371,7 @@
                 <a:latin typeface="Courier New"/>
                 <a:cs typeface="Courier New"/>
               </a:rPr>
-              <a:t>44</a:t>
-            </a:r>
-            <a:r>
-              <a:rPr lang="en-US" sz="1000" dirty="0" smtClean="0">
-                <a:latin typeface="Courier New"/>
-                <a:cs typeface="Courier New"/>
-              </a:rPr>
-              <a:t>-byte </a:t>
-            </a:r>
-            <a:r>
-              <a:rPr lang="en-US" sz="1000" dirty="0" smtClean="0">
-                <a:latin typeface="Courier New"/>
-                <a:cs typeface="Courier New"/>
-              </a:rPr>
-              <a:t>header (first 20 bytes)</a:t>
+              <a:t>44-byte header (first 20 bytes)</a:t>
             </a:r>
             <a:endParaRPr lang="en-US" sz="1000" dirty="0">
               <a:latin typeface="Courier New"/>
@@ -3490,7 +3475,7 @@
             <a:solidFill>
               <a:schemeClr val="tx1"/>
             </a:solidFill>
-            <a:prstDash val="lgDash"/>
+            <a:prstDash val="solid"/>
           </a:ln>
         </p:spPr>
         <p:txBody>
@@ -3849,7 +3834,7 @@
         <p:spPr>
           <a:xfrm>
             <a:off x="220177" y="1540274"/>
-            <a:ext cx="7904211" cy="0"/>
+            <a:ext cx="8442820" cy="0"/>
           </a:xfrm>
           <a:prstGeom prst="straightConnector1">
             <a:avLst/>
@@ -3885,7 +3870,7 @@
         </p:nvSpPr>
         <p:spPr>
           <a:xfrm>
-            <a:off x="2982593" y="1278302"/>
+            <a:off x="3199962" y="1245089"/>
             <a:ext cx="2492991" cy="246221"/>
           </a:xfrm>
           <a:prstGeom prst="rect">
@@ -3909,42 +3894,7 @@
                 <a:latin typeface="Courier New"/>
                 <a:cs typeface="Courier New"/>
               </a:rPr>
-              <a:t>44</a:t>
-            </a:r>
-            <a:r>
-              <a:rPr lang="en-US" sz="1000" dirty="0" smtClean="0">
-                <a:latin typeface="Courier New"/>
-                <a:cs typeface="Courier New"/>
-              </a:rPr>
-              <a:t>-byte </a:t>
-            </a:r>
-            <a:r>
-              <a:rPr lang="en-US" sz="1000" dirty="0" smtClean="0">
-                <a:latin typeface="Courier New"/>
-                <a:cs typeface="Courier New"/>
-              </a:rPr>
-              <a:t>header (next </a:t>
-            </a:r>
-            <a:r>
-              <a:rPr lang="en-US" sz="1000" dirty="0" smtClean="0">
-                <a:latin typeface="Courier New"/>
-                <a:cs typeface="Courier New"/>
-              </a:rPr>
-              <a:t>16</a:t>
-            </a:r>
-            <a:r>
-              <a:rPr lang="en-US" sz="1000" dirty="0" smtClean="0">
-                <a:latin typeface="Courier New"/>
-                <a:cs typeface="Courier New"/>
-              </a:rPr>
-              <a:t> </a:t>
-            </a:r>
-            <a:r>
-              <a:rPr lang="en-US" sz="1000" dirty="0" smtClean="0">
-                <a:latin typeface="Courier New"/>
-                <a:cs typeface="Courier New"/>
-              </a:rPr>
-              <a:t>bytes)</a:t>
+              <a:t>44-byte header (next 16 bytes)</a:t>
             </a:r>
             <a:endParaRPr lang="en-US" sz="1000" dirty="0">
               <a:latin typeface="Courier New"/>
@@ -4113,7 +4063,7 @@
         </p:nvSpPr>
         <p:spPr>
           <a:xfrm>
-            <a:off x="8124388" y="1900422"/>
+            <a:off x="8662997" y="1937390"/>
             <a:ext cx="269625" cy="430887"/>
           </a:xfrm>
           <a:prstGeom prst="rect">
@@ -4157,7 +4107,7 @@
         <p:spPr>
           <a:xfrm>
             <a:off x="4446458" y="1858284"/>
-            <a:ext cx="1492716" cy="400110"/>
+            <a:ext cx="2031325" cy="400110"/>
           </a:xfrm>
           <a:prstGeom prst="rect">
             <a:avLst/>
@@ -4181,7 +4131,7 @@
                 <a:latin typeface="Courier New"/>
                 <a:cs typeface="Courier New"/>
               </a:rPr>
-              <a:t>indicesByteLength</a:t>
+              <a:t>polygonIndicesByteLength</a:t>
             </a:r>
             <a:endParaRPr lang="en-US" sz="1000" dirty="0" smtClean="0">
               <a:latin typeface="Courier New"/>
@@ -4232,7 +4182,7 @@
         </p:nvSpPr>
         <p:spPr>
           <a:xfrm>
-            <a:off x="5939174" y="1858284"/>
+            <a:off x="6477783" y="1858284"/>
             <a:ext cx="2185214" cy="400110"/>
           </a:xfrm>
           <a:prstGeom prst="rect">
@@ -4257,14 +4207,7 @@
                 <a:latin typeface="Courier New"/>
                 <a:cs typeface="Courier New"/>
               </a:rPr>
-              <a:t>polygonPositions</a:t>
-            </a:r>
-            <a:r>
-              <a:rPr lang="en-US" sz="1000" dirty="0" err="1" smtClean="0">
-                <a:latin typeface="Courier New"/>
-                <a:cs typeface="Courier New"/>
-              </a:rPr>
-              <a:t>ByteLength</a:t>
+              <a:t>polygonPositionsByteLength</a:t>
             </a:r>
             <a:endParaRPr lang="en-US" sz="1000" dirty="0" smtClean="0">
               <a:latin typeface="Courier New"/>
@@ -4340,14 +4283,7 @@
                 <a:latin typeface="Courier New"/>
                 <a:cs typeface="Courier New"/>
               </a:rPr>
-              <a:t>polylinePositions</a:t>
-            </a:r>
-            <a:r>
-              <a:rPr lang="en-US" sz="1000" dirty="0" err="1" smtClean="0">
-                <a:latin typeface="Courier New"/>
-                <a:cs typeface="Courier New"/>
-              </a:rPr>
-              <a:t>ByteLength</a:t>
+              <a:t>polylinePositionsByteLength</a:t>
             </a:r>
             <a:endParaRPr lang="en-US" sz="1000" dirty="0" smtClean="0">
               <a:latin typeface="Courier New"/>
@@ -4423,14 +4359,7 @@
                 <a:latin typeface="Courier New"/>
                 <a:cs typeface="Courier New"/>
               </a:rPr>
-              <a:t>pointPositions</a:t>
-            </a:r>
-            <a:r>
-              <a:rPr lang="en-US" sz="1000" dirty="0" err="1" smtClean="0">
-                <a:latin typeface="Courier New"/>
-                <a:cs typeface="Courier New"/>
-              </a:rPr>
-              <a:t>ByteLength</a:t>
+              <a:t>pointPositionsByteLength</a:t>
             </a:r>
             <a:endParaRPr lang="en-US" sz="1000" dirty="0" smtClean="0">
               <a:latin typeface="Courier New"/>
@@ -4542,42 +4471,21 @@
                 <a:latin typeface="Courier New"/>
                 <a:cs typeface="Courier New"/>
               </a:rPr>
-              <a:t>44</a:t>
+              <a:t>44-byte header (next </a:t>
+            </a:r>
+            <a:r>
+              <a:rPr lang="en-US" sz="1000" dirty="0">
+                <a:latin typeface="Courier New"/>
+                <a:cs typeface="Courier New"/>
+              </a:rPr>
+              <a:t>8</a:t>
             </a:r>
             <a:r>
               <a:rPr lang="en-US" sz="1000" dirty="0" smtClean="0">
                 <a:latin typeface="Courier New"/>
                 <a:cs typeface="Courier New"/>
               </a:rPr>
-              <a:t>-byte </a:t>
-            </a:r>
-            <a:r>
-              <a:rPr lang="en-US" sz="1000" dirty="0" smtClean="0">
-                <a:latin typeface="Courier New"/>
-                <a:cs typeface="Courier New"/>
-              </a:rPr>
-              <a:t>header (next </a:t>
-            </a:r>
-            <a:r>
-              <a:rPr lang="en-US" sz="1000" dirty="0">
-                <a:latin typeface="Courier New"/>
-                <a:cs typeface="Courier New"/>
-              </a:rPr>
-              <a:t>8</a:t>
-            </a:r>
-            <a:r>
-              <a:rPr lang="en-US" sz="1000" dirty="0" smtClean="0">
-                <a:latin typeface="Courier New"/>
-                <a:cs typeface="Courier New"/>
-              </a:rPr>
-              <a:t> </a:t>
-            </a:r>
-            <a:r>
-              <a:rPr lang="en-US" sz="1000" dirty="0" smtClean="0">
-                <a:latin typeface="Courier New"/>
-                <a:cs typeface="Courier New"/>
-              </a:rPr>
-              <a:t>bytes)</a:t>
+              <a:t> bytes)</a:t>
             </a:r>
             <a:endParaRPr lang="en-US" sz="1000" dirty="0">
               <a:latin typeface="Courier New"/>
@@ -4665,10 +4573,6 @@
               </a:rPr>
               <a:t>positions</a:t>
             </a:r>
-            <a:endParaRPr lang="en-US" sz="1050" dirty="0" smtClean="0">
-              <a:latin typeface="Courier New"/>
-              <a:cs typeface="Courier New"/>
-            </a:endParaRPr>
           </a:p>
           <a:p>
             <a:pPr algn="ctr"/>
@@ -4716,16 +4620,158 @@
           <a:chExt cx="0" cy="0"/>
         </a:xfrm>
       </p:grpSpPr>
+      <p:sp>
+        <p:nvSpPr>
+          <p:cNvPr id="4" name="TextBox 3"/>
+          <p:cNvSpPr txBox="1"/>
+          <p:nvPr/>
+        </p:nvSpPr>
+        <p:spPr>
+          <a:xfrm>
+            <a:off x="2367038" y="670241"/>
+            <a:ext cx="1466407" cy="415498"/>
+          </a:xfrm>
+          <a:prstGeom prst="rect">
+            <a:avLst/>
+          </a:prstGeom>
+          <a:noFill/>
+          <a:ln w="12700" cmpd="sng">
+            <a:solidFill>
+              <a:schemeClr val="tx1"/>
+            </a:solidFill>
+            <a:prstDash val="solid"/>
+          </a:ln>
+        </p:spPr>
+        <p:txBody>
+          <a:bodyPr wrap="square" rtlCol="0">
+            <a:spAutoFit/>
+          </a:bodyPr>
+          <a:lstStyle/>
+          <a:p>
+            <a:pPr algn="ctr"/>
+            <a:r>
+              <a:rPr lang="en-US" sz="1050" dirty="0" smtClean="0">
+                <a:latin typeface="Courier New"/>
+                <a:cs typeface="Courier New"/>
+              </a:rPr>
+              <a:t>indices</a:t>
+            </a:r>
+          </a:p>
+          <a:p>
+            <a:pPr algn="ctr"/>
+            <a:endParaRPr lang="en-US" sz="1050" dirty="0" smtClean="0">
+              <a:latin typeface="Courier New"/>
+              <a:cs typeface="Courier New"/>
+            </a:endParaRPr>
+          </a:p>
+        </p:txBody>
+      </p:sp>
+      <p:sp>
+        <p:nvSpPr>
+          <p:cNvPr id="5" name="TextBox 4"/>
+          <p:cNvSpPr txBox="1"/>
+          <p:nvPr/>
+        </p:nvSpPr>
+        <p:spPr>
+          <a:xfrm>
+            <a:off x="1380872" y="670241"/>
+            <a:ext cx="986167" cy="415498"/>
+          </a:xfrm>
+          <a:prstGeom prst="rect">
+            <a:avLst/>
+          </a:prstGeom>
+          <a:noFill/>
+          <a:ln w="12700" cmpd="sng">
+            <a:solidFill>
+              <a:schemeClr val="tx1"/>
+            </a:solidFill>
+            <a:prstDash val="solid"/>
+          </a:ln>
+        </p:spPr>
+        <p:txBody>
+          <a:bodyPr wrap="none" rtlCol="0">
+            <a:spAutoFit/>
+          </a:bodyPr>
+          <a:lstStyle/>
+          <a:p>
+            <a:pPr algn="ctr"/>
+            <a:r>
+              <a:rPr lang="en-US" sz="1050" dirty="0" smtClean="0">
+                <a:latin typeface="Courier New"/>
+                <a:cs typeface="Courier New"/>
+              </a:rPr>
+              <a:t>batchTable</a:t>
+            </a:r>
+          </a:p>
+          <a:p>
+            <a:pPr algn="ctr"/>
+            <a:endParaRPr lang="en-US" sz="1050" dirty="0">
+              <a:latin typeface="Courier New"/>
+              <a:cs typeface="Courier New"/>
+            </a:endParaRPr>
+          </a:p>
+        </p:txBody>
+      </p:sp>
+      <p:sp>
+        <p:nvSpPr>
+          <p:cNvPr id="6" name="TextBox 5"/>
+          <p:cNvSpPr txBox="1"/>
+          <p:nvPr/>
+        </p:nvSpPr>
+        <p:spPr>
+          <a:xfrm>
+            <a:off x="234404" y="670241"/>
+            <a:ext cx="1146468" cy="415498"/>
+          </a:xfrm>
+          <a:prstGeom prst="rect">
+            <a:avLst/>
+          </a:prstGeom>
+          <a:noFill/>
+          <a:ln w="12700" cmpd="sng">
+            <a:solidFill>
+              <a:schemeClr val="tx1"/>
+            </a:solidFill>
+            <a:prstDash val="solid"/>
+          </a:ln>
+        </p:spPr>
+        <p:txBody>
+          <a:bodyPr wrap="none" rtlCol="0">
+            <a:spAutoFit/>
+          </a:bodyPr>
+          <a:lstStyle/>
+          <a:p>
+            <a:pPr algn="ctr"/>
+            <a:r>
+              <a:rPr lang="en-US" sz="1050" dirty="0" err="1" smtClean="0">
+                <a:latin typeface="Courier New"/>
+                <a:cs typeface="Courier New"/>
+              </a:rPr>
+              <a:t>featureTable</a:t>
+            </a:r>
+            <a:endParaRPr lang="en-US" sz="1050" dirty="0" smtClean="0">
+              <a:latin typeface="Courier New"/>
+              <a:cs typeface="Courier New"/>
+            </a:endParaRPr>
+          </a:p>
+          <a:p>
+            <a:pPr algn="ctr"/>
+            <a:endParaRPr lang="en-US" sz="1050" dirty="0" smtClean="0">
+              <a:latin typeface="Courier New"/>
+              <a:cs typeface="Courier New"/>
+            </a:endParaRPr>
+          </a:p>
+        </p:txBody>
+      </p:sp>
       <p:cxnSp>
         <p:nvCxnSpPr>
-          <p:cNvPr id="2" name="Straight Arrow Connector 1"/>
+          <p:cNvPr id="7" name="Straight Arrow Connector 6"/>
           <p:cNvCxnSpPr/>
           <p:nvPr/>
         </p:nvCxnSpPr>
         <p:spPr>
           <a:xfrm>
-            <a:off x="516424" y="1314419"/>
-            <a:ext cx="5591921" cy="23588"/>
+            <a:off x="229919" y="437606"/>
+            <a:ext cx="7542481" cy="0"/>
           </a:xfrm>
           <a:prstGeom prst="straightConnector1">
             <a:avLst/>
@@ -4755,14 +4801,55 @@
       </p:cxnSp>
       <p:sp>
         <p:nvSpPr>
-          <p:cNvPr id="3" name="TextBox 2"/>
+          <p:cNvPr id="8" name="TextBox 7"/>
           <p:cNvSpPr txBox="1"/>
           <p:nvPr/>
         </p:nvSpPr>
         <p:spPr>
           <a:xfrm>
-            <a:off x="557510" y="1740862"/>
-            <a:ext cx="261611" cy="246221"/>
+            <a:off x="3833445" y="210684"/>
+            <a:ext cx="492443" cy="246221"/>
+          </a:xfrm>
+          <a:prstGeom prst="rect">
+            <a:avLst/>
+          </a:prstGeom>
+          <a:noFill/>
+          <a:ln w="12700" cmpd="sng">
+            <a:noFill/>
+            <a:prstDash val="lgDash"/>
+          </a:ln>
+        </p:spPr>
+        <p:txBody>
+          <a:bodyPr wrap="none" rtlCol="0">
+            <a:spAutoFit/>
+          </a:bodyPr>
+          <a:lstStyle/>
+          <a:p>
+            <a:pPr algn="ctr"/>
+            <a:r>
+              <a:rPr lang="en-US" sz="1000" dirty="0" smtClean="0">
+                <a:latin typeface="Courier New"/>
+                <a:cs typeface="Courier New"/>
+              </a:rPr>
+              <a:t>body</a:t>
+            </a:r>
+            <a:endParaRPr lang="en-US" sz="1000" dirty="0">
+              <a:latin typeface="Courier New"/>
+              <a:cs typeface="Courier New"/>
+            </a:endParaRPr>
+          </a:p>
+        </p:txBody>
+      </p:sp>
+      <p:sp>
+        <p:nvSpPr>
+          <p:cNvPr id="9" name="TextBox 8"/>
+          <p:cNvSpPr txBox="1"/>
+          <p:nvPr/>
+        </p:nvSpPr>
+        <p:spPr>
+          <a:xfrm>
+            <a:off x="3833445" y="670241"/>
+            <a:ext cx="3938955" cy="415498"/>
           </a:xfrm>
           <a:prstGeom prst="rect">
             <a:avLst/>
@@ -4772,39 +4859,82 @@
             <a:solidFill>
               <a:schemeClr val="tx1"/>
             </a:solidFill>
-          </a:ln>
-        </p:spPr>
-        <p:txBody>
-          <a:bodyPr wrap="none" rtlCol="0">
+            <a:prstDash val="solid"/>
+          </a:ln>
+        </p:spPr>
+        <p:txBody>
+          <a:bodyPr wrap="square" rtlCol="0">
             <a:spAutoFit/>
           </a:bodyPr>
           <a:lstStyle/>
           <a:p>
             <a:pPr algn="ctr"/>
             <a:r>
-              <a:rPr lang="en-US" sz="1000" dirty="0" smtClean="0">
-                <a:latin typeface="Courier New"/>
-                <a:cs typeface="Courier New"/>
-              </a:rPr>
-              <a:t>0</a:t>
-            </a:r>
-            <a:endParaRPr lang="en-US" sz="1000" dirty="0">
-              <a:latin typeface="Courier New"/>
-              <a:cs typeface="Courier New"/>
-            </a:endParaRPr>
-          </a:p>
-        </p:txBody>
-      </p:sp>
-      <p:sp>
-        <p:nvSpPr>
-          <p:cNvPr id="4" name="TextBox 3"/>
+              <a:rPr lang="en-US" sz="1050" dirty="0" smtClean="0">
+                <a:latin typeface="Courier New"/>
+                <a:cs typeface="Courier New"/>
+              </a:rPr>
+              <a:t>positions</a:t>
+            </a:r>
+          </a:p>
+          <a:p>
+            <a:pPr algn="ctr"/>
+            <a:endParaRPr lang="en-US" sz="1050" dirty="0" smtClean="0">
+              <a:latin typeface="Courier New"/>
+              <a:cs typeface="Courier New"/>
+            </a:endParaRPr>
+          </a:p>
+        </p:txBody>
+      </p:sp>
+      <p:sp>
+        <p:nvSpPr>
+          <p:cNvPr id="13" name="Left Brace 12"/>
+          <p:cNvSpPr/>
+          <p:nvPr/>
+        </p:nvSpPr>
+        <p:spPr>
+          <a:xfrm rot="16200000">
+            <a:off x="5725198" y="-748128"/>
+            <a:ext cx="155448" cy="3938955"/>
+          </a:xfrm>
+          <a:prstGeom prst="leftBrace">
+            <a:avLst/>
+          </a:prstGeom>
+          <a:ln/>
+        </p:spPr>
+        <p:style>
+          <a:lnRef idx="1">
+            <a:schemeClr val="dk1"/>
+          </a:lnRef>
+          <a:fillRef idx="0">
+            <a:schemeClr val="dk1"/>
+          </a:fillRef>
+          <a:effectRef idx="0">
+            <a:schemeClr val="dk1"/>
+          </a:effectRef>
+          <a:fontRef idx="minor">
+            <a:schemeClr val="tx1"/>
+          </a:fontRef>
+        </p:style>
+        <p:txBody>
+          <a:bodyPr rtlCol="0" anchor="ctr"/>
+          <a:lstStyle/>
+          <a:p>
+            <a:pPr algn="ctr"/>
+            <a:endParaRPr lang="en-US"/>
+          </a:p>
+        </p:txBody>
+      </p:sp>
+      <p:sp>
+        <p:nvSpPr>
+          <p:cNvPr id="14" name="TextBox 13"/>
           <p:cNvSpPr txBox="1"/>
           <p:nvPr/>
         </p:nvSpPr>
         <p:spPr>
           <a:xfrm>
-            <a:off x="819120" y="1740862"/>
-            <a:ext cx="261611" cy="246221"/>
+            <a:off x="229917" y="1878299"/>
+            <a:ext cx="2530866" cy="415498"/>
           </a:xfrm>
           <a:prstGeom prst="rect">
             <a:avLst/>
@@ -4814,35 +4944,47 @@
             <a:solidFill>
               <a:schemeClr val="tx1"/>
             </a:solidFill>
-          </a:ln>
-        </p:spPr>
-        <p:txBody>
-          <a:bodyPr wrap="none" rtlCol="0">
+            <a:prstDash val="solid"/>
+          </a:ln>
+        </p:spPr>
+        <p:txBody>
+          <a:bodyPr wrap="square" rtlCol="0">
             <a:spAutoFit/>
           </a:bodyPr>
           <a:lstStyle/>
           <a:p>
             <a:pPr algn="ctr"/>
             <a:r>
-              <a:rPr lang="en-US" sz="1000" dirty="0">
-                <a:latin typeface="Courier New"/>
-                <a:cs typeface="Courier New"/>
-              </a:rPr>
-              <a:t>1</a:t>
-            </a:r>
-          </a:p>
-        </p:txBody>
-      </p:sp>
-      <p:sp>
-        <p:nvSpPr>
-          <p:cNvPr id="5" name="TextBox 4"/>
+              <a:rPr lang="en-US" sz="1050" dirty="0" smtClean="0">
+                <a:latin typeface="Courier New"/>
+                <a:cs typeface="Courier New"/>
+              </a:rPr>
+              <a:t>polygon positions</a:t>
+            </a:r>
+            <a:endParaRPr lang="en-US" sz="1050" dirty="0" smtClean="0">
+              <a:latin typeface="Courier New"/>
+              <a:cs typeface="Courier New"/>
+            </a:endParaRPr>
+          </a:p>
+          <a:p>
+            <a:pPr algn="ctr"/>
+            <a:endParaRPr lang="en-US" sz="1050" dirty="0" smtClean="0">
+              <a:latin typeface="Courier New"/>
+              <a:cs typeface="Courier New"/>
+            </a:endParaRPr>
+          </a:p>
+        </p:txBody>
+      </p:sp>
+      <p:sp>
+        <p:nvSpPr>
+          <p:cNvPr id="15" name="TextBox 14"/>
           <p:cNvSpPr txBox="1"/>
           <p:nvPr/>
         </p:nvSpPr>
         <p:spPr>
           <a:xfrm>
-            <a:off x="1470832" y="1740862"/>
-            <a:ext cx="261611" cy="246221"/>
+            <a:off x="2760783" y="1878299"/>
+            <a:ext cx="2530866" cy="415498"/>
           </a:xfrm>
           <a:prstGeom prst="rect">
             <a:avLst/>
@@ -4852,35 +4994,54 @@
             <a:solidFill>
               <a:schemeClr val="tx1"/>
             </a:solidFill>
-          </a:ln>
-        </p:spPr>
-        <p:txBody>
-          <a:bodyPr wrap="none" rtlCol="0">
+            <a:prstDash val="solid"/>
+          </a:ln>
+        </p:spPr>
+        <p:txBody>
+          <a:bodyPr wrap="square" rtlCol="0">
             <a:spAutoFit/>
           </a:bodyPr>
           <a:lstStyle/>
           <a:p>
             <a:pPr algn="ctr"/>
             <a:r>
-              <a:rPr lang="en-US" sz="1000" dirty="0">
-                <a:latin typeface="Courier New"/>
-                <a:cs typeface="Courier New"/>
-              </a:rPr>
-              <a:t>3</a:t>
-            </a:r>
-          </a:p>
-        </p:txBody>
-      </p:sp>
-      <p:sp>
-        <p:nvSpPr>
-          <p:cNvPr id="6" name="TextBox 5"/>
+              <a:rPr lang="en-US" sz="1050" dirty="0">
+                <a:latin typeface="Courier New"/>
+                <a:cs typeface="Courier New"/>
+              </a:rPr>
+              <a:t>p</a:t>
+            </a:r>
+            <a:r>
+              <a:rPr lang="en-US" sz="1050" dirty="0" smtClean="0">
+                <a:latin typeface="Courier New"/>
+                <a:cs typeface="Courier New"/>
+              </a:rPr>
+              <a:t>olyline positions</a:t>
+            </a:r>
+            <a:endParaRPr lang="en-US" sz="1050" dirty="0" smtClean="0">
+              <a:latin typeface="Courier New"/>
+              <a:cs typeface="Courier New"/>
+            </a:endParaRPr>
+          </a:p>
+          <a:p>
+            <a:pPr algn="ctr"/>
+            <a:endParaRPr lang="en-US" sz="1050" dirty="0" smtClean="0">
+              <a:latin typeface="Courier New"/>
+              <a:cs typeface="Courier New"/>
+            </a:endParaRPr>
+          </a:p>
+        </p:txBody>
+      </p:sp>
+      <p:sp>
+        <p:nvSpPr>
+          <p:cNvPr id="16" name="TextBox 15"/>
           <p:cNvSpPr txBox="1"/>
           <p:nvPr/>
         </p:nvSpPr>
         <p:spPr>
           <a:xfrm>
-            <a:off x="1731750" y="1740862"/>
-            <a:ext cx="261611" cy="246221"/>
+            <a:off x="5291649" y="1878299"/>
+            <a:ext cx="2476264" cy="415498"/>
           </a:xfrm>
           <a:prstGeom prst="rect">
             <a:avLst/>
@@ -4890,35 +5051,169 @@
             <a:solidFill>
               <a:schemeClr val="tx1"/>
             </a:solidFill>
-          </a:ln>
-        </p:spPr>
-        <p:txBody>
-          <a:bodyPr wrap="none" rtlCol="0">
+            <a:prstDash val="solid"/>
+          </a:ln>
+        </p:spPr>
+        <p:txBody>
+          <a:bodyPr wrap="square" rtlCol="0">
             <a:spAutoFit/>
           </a:bodyPr>
           <a:lstStyle/>
           <a:p>
             <a:pPr algn="ctr"/>
             <a:r>
-              <a:rPr lang="en-US" sz="1000" dirty="0">
-                <a:latin typeface="Courier New"/>
-                <a:cs typeface="Courier New"/>
-              </a:rPr>
-              <a:t>4</a:t>
-            </a:r>
-          </a:p>
-        </p:txBody>
-      </p:sp>
-      <p:sp>
-        <p:nvSpPr>
-          <p:cNvPr id="7" name="TextBox 6"/>
+              <a:rPr lang="en-US" sz="1050" dirty="0" smtClean="0">
+                <a:latin typeface="Courier New"/>
+                <a:cs typeface="Courier New"/>
+              </a:rPr>
+              <a:t>p</a:t>
+            </a:r>
+            <a:r>
+              <a:rPr lang="en-US" sz="1050" dirty="0" smtClean="0">
+                <a:latin typeface="Courier New"/>
+                <a:cs typeface="Courier New"/>
+              </a:rPr>
+              <a:t>oint positions</a:t>
+            </a:r>
+            <a:endParaRPr lang="en-US" sz="1050" dirty="0" smtClean="0">
+              <a:latin typeface="Courier New"/>
+              <a:cs typeface="Courier New"/>
+            </a:endParaRPr>
+          </a:p>
+          <a:p>
+            <a:pPr algn="ctr"/>
+            <a:endParaRPr lang="en-US" sz="1050" dirty="0" smtClean="0">
+              <a:latin typeface="Courier New"/>
+              <a:cs typeface="Courier New"/>
+            </a:endParaRPr>
+          </a:p>
+        </p:txBody>
+      </p:sp>
+      <p:sp>
+        <p:nvSpPr>
+          <p:cNvPr id="17" name="Right Brace 16"/>
+          <p:cNvSpPr/>
+          <p:nvPr/>
+        </p:nvSpPr>
+        <p:spPr>
+          <a:xfrm rot="16200000">
+            <a:off x="3962879" y="-1995920"/>
+            <a:ext cx="72076" cy="7537997"/>
+          </a:xfrm>
+          <a:prstGeom prst="rightBrace">
+            <a:avLst/>
+          </a:prstGeom>
+          <a:ln/>
+        </p:spPr>
+        <p:style>
+          <a:lnRef idx="1">
+            <a:schemeClr val="dk1"/>
+          </a:lnRef>
+          <a:fillRef idx="0">
+            <a:schemeClr val="dk1"/>
+          </a:fillRef>
+          <a:effectRef idx="0">
+            <a:schemeClr val="dk1"/>
+          </a:effectRef>
+          <a:fontRef idx="minor">
+            <a:schemeClr val="tx1"/>
+          </a:fontRef>
+        </p:style>
+        <p:txBody>
+          <a:bodyPr rtlCol="0" anchor="ctr"/>
+          <a:lstStyle/>
+          <a:p>
+            <a:pPr algn="ctr"/>
+            <a:endParaRPr lang="en-US"/>
+          </a:p>
+        </p:txBody>
+      </p:sp>
+      <p:cxnSp>
+        <p:nvCxnSpPr>
+          <p:cNvPr id="25" name="Elbow Connector 24"/>
+          <p:cNvCxnSpPr>
+            <a:stCxn id="13" idx="1"/>
+            <a:endCxn id="17" idx="1"/>
+          </p:cNvCxnSpPr>
+          <p:nvPr/>
+        </p:nvCxnSpPr>
+        <p:spPr>
+          <a:xfrm rot="5400000">
+            <a:off x="4681938" y="616055"/>
+            <a:ext cx="437967" cy="1804005"/>
+          </a:xfrm>
+          <a:prstGeom prst="bentConnector3">
+            <a:avLst>
+              <a:gd name="adj1" fmla="val 21242"/>
+            </a:avLst>
+          </a:prstGeom>
+          <a:ln>
+            <a:tailEnd type="triangle"/>
+          </a:ln>
+        </p:spPr>
+        <p:style>
+          <a:lnRef idx="1">
+            <a:schemeClr val="dk1"/>
+          </a:lnRef>
+          <a:fillRef idx="0">
+            <a:schemeClr val="dk1"/>
+          </a:fillRef>
+          <a:effectRef idx="0">
+            <a:schemeClr val="dk1"/>
+          </a:effectRef>
+          <a:fontRef idx="minor">
+            <a:schemeClr val="tx1"/>
+          </a:fontRef>
+        </p:style>
+      </p:cxnSp>
+      <p:sp>
+        <p:nvSpPr>
+          <p:cNvPr id="28" name="Right Brace 27"/>
+          <p:cNvSpPr/>
+          <p:nvPr/>
+        </p:nvSpPr>
+        <p:spPr>
+          <a:xfrm rot="5400000">
+            <a:off x="1413624" y="1179272"/>
+            <a:ext cx="163452" cy="2530866"/>
+          </a:xfrm>
+          <a:prstGeom prst="rightBrace">
+            <a:avLst/>
+          </a:prstGeom>
+        </p:spPr>
+        <p:style>
+          <a:lnRef idx="1">
+            <a:schemeClr val="dk1"/>
+          </a:lnRef>
+          <a:fillRef idx="0">
+            <a:schemeClr val="dk1"/>
+          </a:fillRef>
+          <a:effectRef idx="0">
+            <a:schemeClr val="dk1"/>
+          </a:effectRef>
+          <a:fontRef idx="minor">
+            <a:schemeClr val="tx1"/>
+          </a:fontRef>
+        </p:style>
+        <p:txBody>
+          <a:bodyPr rtlCol="0" anchor="ctr"/>
+          <a:lstStyle/>
+          <a:p>
+            <a:pPr algn="ctr"/>
+            <a:endParaRPr lang="en-US"/>
+          </a:p>
+        </p:txBody>
+      </p:sp>
+      <p:sp>
+        <p:nvSpPr>
+          <p:cNvPr id="29" name="TextBox 28"/>
           <p:cNvSpPr txBox="1"/>
           <p:nvPr/>
         </p:nvSpPr>
         <p:spPr>
           <a:xfrm>
-            <a:off x="1992204" y="1740862"/>
-            <a:ext cx="261611" cy="246221"/>
+            <a:off x="234404" y="3108993"/>
+            <a:ext cx="2734011" cy="415498"/>
           </a:xfrm>
           <a:prstGeom prst="rect">
             <a:avLst/>
@@ -4928,35 +5223,54 @@
             <a:solidFill>
               <a:schemeClr val="tx1"/>
             </a:solidFill>
-          </a:ln>
-        </p:spPr>
-        <p:txBody>
-          <a:bodyPr wrap="none" rtlCol="0">
+            <a:prstDash val="solid"/>
+          </a:ln>
+        </p:spPr>
+        <p:txBody>
+          <a:bodyPr wrap="square" rtlCol="0">
             <a:spAutoFit/>
           </a:bodyPr>
           <a:lstStyle/>
           <a:p>
             <a:pPr algn="ctr"/>
             <a:r>
-              <a:rPr lang="en-US" sz="1000" dirty="0">
-                <a:latin typeface="Courier New"/>
-                <a:cs typeface="Courier New"/>
-              </a:rPr>
-              <a:t>5</a:t>
-            </a:r>
-          </a:p>
-        </p:txBody>
-      </p:sp>
-      <p:sp>
-        <p:nvSpPr>
-          <p:cNvPr id="8" name="TextBox 7"/>
+              <a:rPr lang="en-US" sz="1050" dirty="0">
+                <a:latin typeface="Courier New"/>
+                <a:cs typeface="Courier New"/>
+              </a:rPr>
+              <a:t>u</a:t>
+            </a:r>
+            <a:r>
+              <a:rPr lang="en-US" sz="1050" dirty="0" smtClean="0">
+                <a:latin typeface="Courier New"/>
+                <a:cs typeface="Courier New"/>
+              </a:rPr>
+              <a:t> values</a:t>
+            </a:r>
+            <a:endParaRPr lang="en-US" sz="1050" dirty="0" smtClean="0">
+              <a:latin typeface="Courier New"/>
+              <a:cs typeface="Courier New"/>
+            </a:endParaRPr>
+          </a:p>
+          <a:p>
+            <a:pPr algn="ctr"/>
+            <a:endParaRPr lang="en-US" sz="1050" dirty="0" smtClean="0">
+              <a:latin typeface="Courier New"/>
+              <a:cs typeface="Courier New"/>
+            </a:endParaRPr>
+          </a:p>
+        </p:txBody>
+      </p:sp>
+      <p:sp>
+        <p:nvSpPr>
+          <p:cNvPr id="32" name="TextBox 31"/>
           <p:cNvSpPr txBox="1"/>
           <p:nvPr/>
         </p:nvSpPr>
         <p:spPr>
           <a:xfrm>
-            <a:off x="3161125" y="1740862"/>
-            <a:ext cx="261611" cy="246221"/>
+            <a:off x="2968415" y="3108550"/>
+            <a:ext cx="2734011" cy="415498"/>
           </a:xfrm>
           <a:prstGeom prst="rect">
             <a:avLst/>
@@ -4966,35 +5280,405 @@
             <a:solidFill>
               <a:schemeClr val="tx1"/>
             </a:solidFill>
-          </a:ln>
-        </p:spPr>
-        <p:txBody>
-          <a:bodyPr wrap="none" rtlCol="0">
+            <a:prstDash val="solid"/>
+          </a:ln>
+        </p:spPr>
+        <p:txBody>
+          <a:bodyPr wrap="square" rtlCol="0">
             <a:spAutoFit/>
           </a:bodyPr>
           <a:lstStyle/>
           <a:p>
             <a:pPr algn="ctr"/>
             <a:r>
-              <a:rPr lang="en-US" sz="1000" dirty="0">
-                <a:latin typeface="Courier New"/>
-                <a:cs typeface="Courier New"/>
-              </a:rPr>
-              <a:t>7</a:t>
-            </a:r>
-          </a:p>
-        </p:txBody>
-      </p:sp>
-      <p:sp>
-        <p:nvSpPr>
-          <p:cNvPr id="9" name="TextBox 8"/>
+              <a:rPr lang="en-US" sz="1050" dirty="0" smtClean="0">
+                <a:latin typeface="Courier New"/>
+                <a:cs typeface="Courier New"/>
+              </a:rPr>
+              <a:t>v values</a:t>
+            </a:r>
+            <a:endParaRPr lang="en-US" sz="1050" dirty="0" smtClean="0">
+              <a:latin typeface="Courier New"/>
+              <a:cs typeface="Courier New"/>
+            </a:endParaRPr>
+          </a:p>
+          <a:p>
+            <a:pPr algn="ctr"/>
+            <a:endParaRPr lang="en-US" sz="1050" dirty="0" smtClean="0">
+              <a:latin typeface="Courier New"/>
+              <a:cs typeface="Courier New"/>
+            </a:endParaRPr>
+          </a:p>
+        </p:txBody>
+      </p:sp>
+      <p:cxnSp>
+        <p:nvCxnSpPr>
+          <p:cNvPr id="34" name="Straight Arrow Connector 33"/>
+          <p:cNvCxnSpPr/>
+          <p:nvPr/>
+        </p:nvCxnSpPr>
+        <p:spPr>
+          <a:xfrm flipH="1">
+            <a:off x="235721" y="3524048"/>
+            <a:ext cx="4488" cy="274229"/>
+          </a:xfrm>
+          <a:prstGeom prst="straightConnector1">
+            <a:avLst/>
+          </a:prstGeom>
+          <a:ln>
+            <a:tailEnd type="triangle"/>
+          </a:ln>
+        </p:spPr>
+        <p:style>
+          <a:lnRef idx="1">
+            <a:schemeClr val="dk1"/>
+          </a:lnRef>
+          <a:fillRef idx="0">
+            <a:schemeClr val="dk1"/>
+          </a:fillRef>
+          <a:effectRef idx="0">
+            <a:schemeClr val="dk1"/>
+          </a:effectRef>
+          <a:fontRef idx="minor">
+            <a:schemeClr val="tx1"/>
+          </a:fontRef>
+        </p:style>
+      </p:cxnSp>
+      <p:cxnSp>
+        <p:nvCxnSpPr>
+          <p:cNvPr id="42" name="Straight Arrow Connector 41"/>
+          <p:cNvCxnSpPr/>
+          <p:nvPr/>
+        </p:nvCxnSpPr>
+        <p:spPr>
+          <a:xfrm flipH="1">
+            <a:off x="2968415" y="3523827"/>
+            <a:ext cx="4488" cy="274229"/>
+          </a:xfrm>
+          <a:prstGeom prst="straightConnector1">
+            <a:avLst/>
+          </a:prstGeom>
+          <a:ln>
+            <a:tailEnd type="triangle"/>
+          </a:ln>
+        </p:spPr>
+        <p:style>
+          <a:lnRef idx="1">
+            <a:schemeClr val="dk1"/>
+          </a:lnRef>
+          <a:fillRef idx="0">
+            <a:schemeClr val="dk1"/>
+          </a:fillRef>
+          <a:effectRef idx="0">
+            <a:schemeClr val="dk1"/>
+          </a:effectRef>
+          <a:fontRef idx="minor">
+            <a:schemeClr val="tx1"/>
+          </a:fontRef>
+        </p:style>
+      </p:cxnSp>
+      <p:cxnSp>
+        <p:nvCxnSpPr>
+          <p:cNvPr id="43" name="Straight Arrow Connector 42"/>
+          <p:cNvCxnSpPr/>
+          <p:nvPr/>
+        </p:nvCxnSpPr>
+        <p:spPr>
+          <a:xfrm flipH="1">
+            <a:off x="5696621" y="3515035"/>
+            <a:ext cx="4488" cy="274229"/>
+          </a:xfrm>
+          <a:prstGeom prst="straightConnector1">
+            <a:avLst/>
+          </a:prstGeom>
+          <a:ln>
+            <a:tailEnd type="triangle"/>
+          </a:ln>
+        </p:spPr>
+        <p:style>
+          <a:lnRef idx="1">
+            <a:schemeClr val="dk1"/>
+          </a:lnRef>
+          <a:fillRef idx="0">
+            <a:schemeClr val="dk1"/>
+          </a:fillRef>
+          <a:effectRef idx="0">
+            <a:schemeClr val="dk1"/>
+          </a:effectRef>
+          <a:fontRef idx="minor">
+            <a:schemeClr val="tx1"/>
+          </a:fontRef>
+        </p:style>
+      </p:cxnSp>
+      <p:sp>
+        <p:nvSpPr>
+          <p:cNvPr id="44" name="Right Brace 43"/>
+          <p:cNvSpPr/>
+          <p:nvPr/>
+        </p:nvSpPr>
+        <p:spPr>
+          <a:xfrm rot="16200000">
+            <a:off x="2891962" y="226010"/>
+            <a:ext cx="158709" cy="5462217"/>
+          </a:xfrm>
+          <a:prstGeom prst="rightBrace">
+            <a:avLst/>
+          </a:prstGeom>
+        </p:spPr>
+        <p:style>
+          <a:lnRef idx="1">
+            <a:schemeClr val="dk1"/>
+          </a:lnRef>
+          <a:fillRef idx="0">
+            <a:schemeClr val="dk1"/>
+          </a:fillRef>
+          <a:effectRef idx="0">
+            <a:schemeClr val="dk1"/>
+          </a:effectRef>
+          <a:fontRef idx="minor">
+            <a:schemeClr val="tx1"/>
+          </a:fontRef>
+        </p:style>
+        <p:txBody>
+          <a:bodyPr rtlCol="0" anchor="ctr"/>
+          <a:lstStyle/>
+          <a:p>
+            <a:pPr algn="ctr"/>
+            <a:endParaRPr lang="en-US"/>
+          </a:p>
+        </p:txBody>
+      </p:sp>
+      <p:cxnSp>
+        <p:nvCxnSpPr>
+          <p:cNvPr id="46" name="Elbow Connector 45"/>
+          <p:cNvCxnSpPr>
+            <a:stCxn id="28" idx="1"/>
+            <a:endCxn id="44" idx="1"/>
+          </p:cNvCxnSpPr>
+          <p:nvPr/>
+        </p:nvCxnSpPr>
+        <p:spPr>
+          <a:xfrm rot="16200000" flipH="1">
+            <a:off x="2057666" y="1964114"/>
+            <a:ext cx="351333" cy="1475967"/>
+          </a:xfrm>
+          <a:prstGeom prst="bentConnector5">
+            <a:avLst>
+              <a:gd name="adj1" fmla="val 60062"/>
+              <a:gd name="adj2" fmla="val 39953"/>
+              <a:gd name="adj3" fmla="val 59959"/>
+            </a:avLst>
+          </a:prstGeom>
+          <a:ln>
+            <a:tailEnd type="triangle"/>
+          </a:ln>
+        </p:spPr>
+        <p:style>
+          <a:lnRef idx="1">
+            <a:schemeClr val="dk1"/>
+          </a:lnRef>
+          <a:fillRef idx="0">
+            <a:schemeClr val="dk1"/>
+          </a:fillRef>
+          <a:effectRef idx="0">
+            <a:schemeClr val="dk1"/>
+          </a:effectRef>
+          <a:fontRef idx="minor">
+            <a:schemeClr val="tx1"/>
+          </a:fontRef>
+        </p:style>
+      </p:cxnSp>
+      <p:sp>
+        <p:nvSpPr>
+          <p:cNvPr id="51" name="TextBox 50"/>
           <p:cNvSpPr txBox="1"/>
           <p:nvPr/>
         </p:nvSpPr>
         <p:spPr>
           <a:xfrm>
-            <a:off x="3425318" y="1740862"/>
-            <a:ext cx="261611" cy="246221"/>
+            <a:off x="183638" y="3731133"/>
+            <a:ext cx="104191" cy="415498"/>
+          </a:xfrm>
+          <a:prstGeom prst="rect">
+            <a:avLst/>
+          </a:prstGeom>
+          <a:noFill/>
+          <a:ln w="12700" cmpd="sng">
+            <a:noFill/>
+            <a:prstDash val="solid"/>
+          </a:ln>
+        </p:spPr>
+        <p:txBody>
+          <a:bodyPr wrap="square" rtlCol="0">
+            <a:spAutoFit/>
+          </a:bodyPr>
+          <a:lstStyle/>
+          <a:p>
+            <a:pPr algn="ctr"/>
+            <a:r>
+              <a:rPr lang="en-US" sz="1050" dirty="0" smtClean="0">
+                <a:latin typeface="Courier New"/>
+                <a:cs typeface="Courier New"/>
+              </a:rPr>
+              <a:t>0</a:t>
+            </a:r>
+            <a:endParaRPr lang="en-US" sz="1050" dirty="0" smtClean="0">
+              <a:latin typeface="Courier New"/>
+              <a:cs typeface="Courier New"/>
+            </a:endParaRPr>
+          </a:p>
+          <a:p>
+            <a:pPr algn="ctr"/>
+            <a:endParaRPr lang="en-US" sz="1050" dirty="0" smtClean="0">
+              <a:latin typeface="Courier New"/>
+              <a:cs typeface="Courier New"/>
+            </a:endParaRPr>
+          </a:p>
+        </p:txBody>
+      </p:sp>
+      <p:sp>
+        <p:nvSpPr>
+          <p:cNvPr id="52" name="TextBox 51"/>
+          <p:cNvSpPr txBox="1"/>
+          <p:nvPr/>
+        </p:nvSpPr>
+        <p:spPr>
+          <a:xfrm>
+            <a:off x="1591877" y="3731133"/>
+            <a:ext cx="2734011" cy="415498"/>
+          </a:xfrm>
+          <a:prstGeom prst="rect">
+            <a:avLst/>
+          </a:prstGeom>
+          <a:noFill/>
+          <a:ln w="12700" cmpd="sng">
+            <a:noFill/>
+            <a:prstDash val="solid"/>
+          </a:ln>
+        </p:spPr>
+        <p:txBody>
+          <a:bodyPr wrap="square" rtlCol="0">
+            <a:spAutoFit/>
+          </a:bodyPr>
+          <a:lstStyle/>
+          <a:p>
+            <a:pPr algn="ctr"/>
+            <a:r>
+              <a:rPr lang="en-US" sz="1050" dirty="0" err="1" smtClean="0">
+                <a:latin typeface="Courier New"/>
+                <a:cs typeface="Courier New"/>
+              </a:rPr>
+              <a:t>polygonPositionsByteLength</a:t>
+            </a:r>
+            <a:r>
+              <a:rPr lang="en-US" sz="1050" dirty="0" smtClean="0">
+                <a:latin typeface="Courier New"/>
+                <a:cs typeface="Courier New"/>
+              </a:rPr>
+              <a:t> / 2</a:t>
+            </a:r>
+            <a:endParaRPr lang="en-US" sz="1050" dirty="0" smtClean="0">
+              <a:latin typeface="Courier New"/>
+              <a:cs typeface="Courier New"/>
+            </a:endParaRPr>
+          </a:p>
+          <a:p>
+            <a:pPr algn="ctr"/>
+            <a:endParaRPr lang="en-US" sz="1050" dirty="0" smtClean="0">
+              <a:latin typeface="Courier New"/>
+              <a:cs typeface="Courier New"/>
+            </a:endParaRPr>
+          </a:p>
+        </p:txBody>
+      </p:sp>
+      <p:sp>
+        <p:nvSpPr>
+          <p:cNvPr id="54" name="TextBox 53"/>
+          <p:cNvSpPr txBox="1"/>
+          <p:nvPr/>
+        </p:nvSpPr>
+        <p:spPr>
+          <a:xfrm>
+            <a:off x="4310550" y="3731133"/>
+            <a:ext cx="2734011" cy="415498"/>
+          </a:xfrm>
+          <a:prstGeom prst="rect">
+            <a:avLst/>
+          </a:prstGeom>
+          <a:noFill/>
+          <a:ln w="12700" cmpd="sng">
+            <a:noFill/>
+            <a:prstDash val="solid"/>
+          </a:ln>
+        </p:spPr>
+        <p:txBody>
+          <a:bodyPr wrap="square" rtlCol="0">
+            <a:spAutoFit/>
+          </a:bodyPr>
+          <a:lstStyle/>
+          <a:p>
+            <a:pPr algn="ctr"/>
+            <a:r>
+              <a:rPr lang="en-US" sz="1050" dirty="0" err="1" smtClean="0">
+                <a:latin typeface="Courier New"/>
+                <a:cs typeface="Courier New"/>
+              </a:rPr>
+              <a:t>polygonPositionsByteLength</a:t>
+            </a:r>
+            <a:endParaRPr lang="en-US" sz="1050" dirty="0" smtClean="0">
+              <a:latin typeface="Courier New"/>
+              <a:cs typeface="Courier New"/>
+            </a:endParaRPr>
+          </a:p>
+          <a:p>
+            <a:pPr algn="ctr"/>
+            <a:endParaRPr lang="en-US" sz="1050" dirty="0" smtClean="0">
+              <a:latin typeface="Courier New"/>
+              <a:cs typeface="Courier New"/>
+            </a:endParaRPr>
+          </a:p>
+        </p:txBody>
+      </p:sp>
+    </p:spTree>
+    <p:extLst>
+      <p:ext uri="{BB962C8B-B14F-4D97-AF65-F5344CB8AC3E}">
+        <p14:creationId xmlns:p14="http://schemas.microsoft.com/office/powerpoint/2010/main" val="545930381"/>
+      </p:ext>
+    </p:extLst>
+  </p:cSld>
+  <p:clrMapOvr>
+    <a:masterClrMapping/>
+  </p:clrMapOvr>
+</p:sld>
+</file>
+
+<file path=ppt/slides/slide3.xml><?xml version="1.0" encoding="utf-8"?>
+<p:sld xmlns:a="http://schemas.openxmlformats.org/drawingml/2006/main" xmlns:r="http://schemas.openxmlformats.org/officeDocument/2006/relationships" xmlns:p="http://schemas.openxmlformats.org/presentationml/2006/main">
+  <p:cSld>
+    <p:spTree>
+      <p:nvGrpSpPr>
+        <p:cNvPr id="1" name=""/>
+        <p:cNvGrpSpPr/>
+        <p:nvPr/>
+      </p:nvGrpSpPr>
+      <p:grpSpPr>
+        <a:xfrm>
+          <a:off x="0" y="0"/>
+          <a:ext cx="0" cy="0"/>
+          <a:chOff x="0" y="0"/>
+          <a:chExt cx="0" cy="0"/>
+        </a:xfrm>
+      </p:grpSpPr>
+      <p:sp>
+        <p:nvSpPr>
+          <p:cNvPr id="2" name="TextBox 1"/>
+          <p:cNvSpPr txBox="1"/>
+          <p:nvPr/>
+        </p:nvSpPr>
+        <p:spPr>
+          <a:xfrm>
+            <a:off x="2367038" y="670241"/>
+            <a:ext cx="1466407" cy="415498"/>
           </a:xfrm>
           <a:prstGeom prst="rect">
             <a:avLst/>
@@ -5004,35 +5688,43 @@
             <a:solidFill>
               <a:schemeClr val="tx1"/>
             </a:solidFill>
-          </a:ln>
-        </p:spPr>
-        <p:txBody>
-          <a:bodyPr wrap="none" rtlCol="0">
+            <a:prstDash val="solid"/>
+          </a:ln>
+        </p:spPr>
+        <p:txBody>
+          <a:bodyPr wrap="square" rtlCol="0">
             <a:spAutoFit/>
           </a:bodyPr>
           <a:lstStyle/>
           <a:p>
             <a:pPr algn="ctr"/>
             <a:r>
-              <a:rPr lang="en-US" sz="1000" dirty="0">
-                <a:latin typeface="Courier New"/>
-                <a:cs typeface="Courier New"/>
-              </a:rPr>
-              <a:t>8</a:t>
-            </a:r>
-          </a:p>
-        </p:txBody>
-      </p:sp>
-      <p:sp>
-        <p:nvSpPr>
-          <p:cNvPr id="10" name="TextBox 9"/>
+              <a:rPr lang="en-US" sz="1050" dirty="0" smtClean="0">
+                <a:latin typeface="Courier New"/>
+                <a:cs typeface="Courier New"/>
+              </a:rPr>
+              <a:t>indices</a:t>
+            </a:r>
+          </a:p>
+          <a:p>
+            <a:pPr algn="ctr"/>
+            <a:endParaRPr lang="en-US" sz="1050" dirty="0" smtClean="0">
+              <a:latin typeface="Courier New"/>
+              <a:cs typeface="Courier New"/>
+            </a:endParaRPr>
+          </a:p>
+        </p:txBody>
+      </p:sp>
+      <p:sp>
+        <p:nvSpPr>
+          <p:cNvPr id="3" name="TextBox 2"/>
           <p:cNvSpPr txBox="1"/>
           <p:nvPr/>
         </p:nvSpPr>
         <p:spPr>
           <a:xfrm>
-            <a:off x="3682035" y="1740862"/>
-            <a:ext cx="261611" cy="246221"/>
+            <a:off x="1380872" y="670241"/>
+            <a:ext cx="986167" cy="415498"/>
           </a:xfrm>
           <a:prstGeom prst="rect">
             <a:avLst/>
@@ -5042,6 +5734,7 @@
             <a:solidFill>
               <a:schemeClr val="tx1"/>
             </a:solidFill>
+            <a:prstDash val="solid"/>
           </a:ln>
         </p:spPr>
         <p:txBody>
@@ -5052,25 +5745,32 @@
           <a:p>
             <a:pPr algn="ctr"/>
             <a:r>
-              <a:rPr lang="en-US" sz="1000" dirty="0">
-                <a:latin typeface="Courier New"/>
-                <a:cs typeface="Courier New"/>
-              </a:rPr>
-              <a:t>9</a:t>
-            </a:r>
-          </a:p>
-        </p:txBody>
-      </p:sp>
-      <p:sp>
-        <p:nvSpPr>
-          <p:cNvPr id="11" name="TextBox 10"/>
+              <a:rPr lang="en-US" sz="1050" dirty="0" smtClean="0">
+                <a:latin typeface="Courier New"/>
+                <a:cs typeface="Courier New"/>
+              </a:rPr>
+              <a:t>batchTable</a:t>
+            </a:r>
+          </a:p>
+          <a:p>
+            <a:pPr algn="ctr"/>
+            <a:endParaRPr lang="en-US" sz="1050" dirty="0">
+              <a:latin typeface="Courier New"/>
+              <a:cs typeface="Courier New"/>
+            </a:endParaRPr>
+          </a:p>
+        </p:txBody>
+      </p:sp>
+      <p:sp>
+        <p:nvSpPr>
+          <p:cNvPr id="4" name="TextBox 3"/>
           <p:cNvSpPr txBox="1"/>
           <p:nvPr/>
         </p:nvSpPr>
         <p:spPr>
           <a:xfrm>
-            <a:off x="561414" y="541485"/>
-            <a:ext cx="261611" cy="246221"/>
+            <a:off x="234404" y="670241"/>
+            <a:ext cx="1146468" cy="415498"/>
           </a:xfrm>
           <a:prstGeom prst="rect">
             <a:avLst/>
@@ -5080,6 +5780,7 @@
             <a:solidFill>
               <a:schemeClr val="tx1"/>
             </a:solidFill>
+            <a:prstDash val="solid"/>
           </a:ln>
         </p:spPr>
         <p:txBody>
@@ -5090,147 +5791,46 @@
           <a:p>
             <a:pPr algn="ctr"/>
             <a:r>
-              <a:rPr lang="en-US" sz="1000" dirty="0">
-                <a:latin typeface="Courier New"/>
-                <a:cs typeface="Courier New"/>
-              </a:rPr>
-              <a:t>3</a:t>
-            </a:r>
-          </a:p>
-        </p:txBody>
-      </p:sp>
-      <p:sp>
-        <p:nvSpPr>
-          <p:cNvPr id="12" name="TextBox 11"/>
-          <p:cNvSpPr txBox="1"/>
-          <p:nvPr/>
-        </p:nvSpPr>
-        <p:spPr>
-          <a:xfrm>
-            <a:off x="823024" y="541484"/>
-            <a:ext cx="261611" cy="246221"/>
-          </a:xfrm>
-          <a:prstGeom prst="rect">
-            <a:avLst/>
-          </a:prstGeom>
-          <a:noFill/>
+              <a:rPr lang="en-US" sz="1050" dirty="0" err="1" smtClean="0">
+                <a:latin typeface="Courier New"/>
+                <a:cs typeface="Courier New"/>
+              </a:rPr>
+              <a:t>featureTable</a:t>
+            </a:r>
+            <a:endParaRPr lang="en-US" sz="1050" dirty="0" smtClean="0">
+              <a:latin typeface="Courier New"/>
+              <a:cs typeface="Courier New"/>
+            </a:endParaRPr>
+          </a:p>
+          <a:p>
+            <a:pPr algn="ctr"/>
+            <a:endParaRPr lang="en-US" sz="1050" dirty="0" smtClean="0">
+              <a:latin typeface="Courier New"/>
+              <a:cs typeface="Courier New"/>
+            </a:endParaRPr>
+          </a:p>
+        </p:txBody>
+      </p:sp>
+      <p:cxnSp>
+        <p:nvCxnSpPr>
+          <p:cNvPr id="5" name="Straight Arrow Connector 4"/>
+          <p:cNvCxnSpPr/>
+          <p:nvPr/>
+        </p:nvCxnSpPr>
+        <p:spPr>
+          <a:xfrm>
+            <a:off x="229919" y="437606"/>
+            <a:ext cx="7542481" cy="0"/>
+          </a:xfrm>
+          <a:prstGeom prst="straightConnector1">
+            <a:avLst/>
+          </a:prstGeom>
           <a:ln w="12700" cmpd="sng">
             <a:solidFill>
               <a:schemeClr val="tx1"/>
             </a:solidFill>
-          </a:ln>
-        </p:spPr>
-        <p:txBody>
-          <a:bodyPr wrap="none" rtlCol="0">
-            <a:spAutoFit/>
-          </a:bodyPr>
-          <a:lstStyle/>
-          <a:p>
-            <a:pPr algn="ctr"/>
-            <a:r>
-              <a:rPr lang="en-US" sz="1000" dirty="0">
-                <a:latin typeface="Courier New"/>
-                <a:cs typeface="Courier New"/>
-              </a:rPr>
-              <a:t>6</a:t>
-            </a:r>
-          </a:p>
-        </p:txBody>
-      </p:sp>
-      <p:sp>
-        <p:nvSpPr>
-          <p:cNvPr id="13" name="TextBox 12"/>
-          <p:cNvSpPr txBox="1"/>
-          <p:nvPr/>
-        </p:nvSpPr>
-        <p:spPr>
-          <a:xfrm>
-            <a:off x="1084634" y="541483"/>
-            <a:ext cx="261611" cy="246221"/>
-          </a:xfrm>
-          <a:prstGeom prst="rect">
-            <a:avLst/>
-          </a:prstGeom>
-          <a:noFill/>
-          <a:ln w="12700" cmpd="sng">
-            <a:solidFill>
-              <a:schemeClr val="tx1"/>
-            </a:solidFill>
-          </a:ln>
-        </p:spPr>
-        <p:txBody>
-          <a:bodyPr wrap="none" rtlCol="0">
-            <a:spAutoFit/>
-          </a:bodyPr>
-          <a:lstStyle/>
-          <a:p>
-            <a:pPr algn="ctr"/>
-            <a:r>
-              <a:rPr lang="en-US" sz="1000" dirty="0">
-                <a:latin typeface="Courier New"/>
-                <a:cs typeface="Courier New"/>
-              </a:rPr>
-              <a:t>3</a:t>
-            </a:r>
-          </a:p>
-        </p:txBody>
-      </p:sp>
-      <p:sp>
-        <p:nvSpPr>
-          <p:cNvPr id="14" name="TextBox 13"/>
-          <p:cNvSpPr txBox="1"/>
-          <p:nvPr/>
-        </p:nvSpPr>
-        <p:spPr>
-          <a:xfrm>
-            <a:off x="1345087" y="541478"/>
-            <a:ext cx="261611" cy="246221"/>
-          </a:xfrm>
-          <a:prstGeom prst="rect">
-            <a:avLst/>
-          </a:prstGeom>
-          <a:noFill/>
-          <a:ln w="12700" cmpd="sng">
-            <a:solidFill>
-              <a:schemeClr val="tx1"/>
-            </a:solidFill>
-          </a:ln>
-        </p:spPr>
-        <p:txBody>
-          <a:bodyPr wrap="none" rtlCol="0">
-            <a:spAutoFit/>
-          </a:bodyPr>
-          <a:lstStyle/>
-          <a:p>
-            <a:pPr algn="ctr"/>
-            <a:r>
-              <a:rPr lang="en-US" sz="1000" dirty="0">
-                <a:latin typeface="Courier New"/>
-                <a:cs typeface="Courier New"/>
-              </a:rPr>
-              <a:t>6</a:t>
-            </a:r>
-          </a:p>
-        </p:txBody>
-      </p:sp>
-      <p:sp>
-        <p:nvSpPr>
-          <p:cNvPr id="15" name="Left Brace 14"/>
-          <p:cNvSpPr/>
-          <p:nvPr/>
-        </p:nvSpPr>
-        <p:spPr>
-          <a:xfrm rot="5400000">
-            <a:off x="850575" y="1207379"/>
-            <a:ext cx="197541" cy="783676"/>
-          </a:xfrm>
-          <a:prstGeom prst="leftBrace">
-            <a:avLst/>
-          </a:prstGeom>
-          <a:ln w="12700">
-            <a:solidFill>
-              <a:schemeClr val="tx1"/>
-            </a:solidFill>
+            <a:headEnd type="arrow"/>
+            <a:tailEnd type="arrow"/>
           </a:ln>
         </p:spPr>
         <p:style>
@@ -5247,36 +5847,1272 @@
             <a:schemeClr val="tx1"/>
           </a:fontRef>
         </p:style>
-        <p:txBody>
-          <a:bodyPr rtlCol="0" anchor="ctr"/>
-          <a:lstStyle/>
-          <a:p>
-            <a:pPr algn="ctr"/>
-            <a:endParaRPr lang="en-US"/>
-          </a:p>
-        </p:txBody>
-      </p:sp>
-      <p:sp>
-        <p:nvSpPr>
-          <p:cNvPr id="16" name="Left Brace 15"/>
-          <p:cNvSpPr/>
-          <p:nvPr/>
-        </p:nvSpPr>
-        <p:spPr>
-          <a:xfrm rot="5400000">
-            <a:off x="2158941" y="818696"/>
-            <a:ext cx="192493" cy="1558592"/>
-          </a:xfrm>
-          <a:prstGeom prst="leftBrace">
-            <a:avLst>
-              <a:gd name="adj1" fmla="val 8333"/>
-              <a:gd name="adj2" fmla="val 74345"/>
-            </a:avLst>
-          </a:prstGeom>
-          <a:ln w="12700">
+      </p:cxnSp>
+      <p:sp>
+        <p:nvSpPr>
+          <p:cNvPr id="6" name="TextBox 5"/>
+          <p:cNvSpPr txBox="1"/>
+          <p:nvPr/>
+        </p:nvSpPr>
+        <p:spPr>
+          <a:xfrm>
+            <a:off x="3833445" y="210684"/>
+            <a:ext cx="492443" cy="246221"/>
+          </a:xfrm>
+          <a:prstGeom prst="rect">
+            <a:avLst/>
+          </a:prstGeom>
+          <a:noFill/>
+          <a:ln w="12700" cmpd="sng">
+            <a:noFill/>
+            <a:prstDash val="lgDash"/>
+          </a:ln>
+        </p:spPr>
+        <p:txBody>
+          <a:bodyPr wrap="none" rtlCol="0">
+            <a:spAutoFit/>
+          </a:bodyPr>
+          <a:lstStyle/>
+          <a:p>
+            <a:pPr algn="ctr"/>
+            <a:r>
+              <a:rPr lang="en-US" sz="1000" dirty="0" smtClean="0">
+                <a:latin typeface="Courier New"/>
+                <a:cs typeface="Courier New"/>
+              </a:rPr>
+              <a:t>body</a:t>
+            </a:r>
+            <a:endParaRPr lang="en-US" sz="1000" dirty="0">
+              <a:latin typeface="Courier New"/>
+              <a:cs typeface="Courier New"/>
+            </a:endParaRPr>
+          </a:p>
+        </p:txBody>
+      </p:sp>
+      <p:sp>
+        <p:nvSpPr>
+          <p:cNvPr id="7" name="TextBox 6"/>
+          <p:cNvSpPr txBox="1"/>
+          <p:nvPr/>
+        </p:nvSpPr>
+        <p:spPr>
+          <a:xfrm>
+            <a:off x="3833445" y="670241"/>
+            <a:ext cx="3938955" cy="415498"/>
+          </a:xfrm>
+          <a:prstGeom prst="rect">
+            <a:avLst/>
+          </a:prstGeom>
+          <a:noFill/>
+          <a:ln w="12700" cmpd="sng">
             <a:solidFill>
               <a:schemeClr val="tx1"/>
             </a:solidFill>
+            <a:prstDash val="solid"/>
+          </a:ln>
+        </p:spPr>
+        <p:txBody>
+          <a:bodyPr wrap="square" rtlCol="0">
+            <a:spAutoFit/>
+          </a:bodyPr>
+          <a:lstStyle/>
+          <a:p>
+            <a:pPr algn="ctr"/>
+            <a:r>
+              <a:rPr lang="en-US" sz="1050" dirty="0" smtClean="0">
+                <a:latin typeface="Courier New"/>
+                <a:cs typeface="Courier New"/>
+              </a:rPr>
+              <a:t>positions</a:t>
+            </a:r>
+          </a:p>
+          <a:p>
+            <a:pPr algn="ctr"/>
+            <a:endParaRPr lang="en-US" sz="1050" dirty="0" smtClean="0">
+              <a:latin typeface="Courier New"/>
+              <a:cs typeface="Courier New"/>
+            </a:endParaRPr>
+          </a:p>
+        </p:txBody>
+      </p:sp>
+      <p:sp>
+        <p:nvSpPr>
+          <p:cNvPr id="8" name="Left Brace 7"/>
+          <p:cNvSpPr/>
+          <p:nvPr/>
+        </p:nvSpPr>
+        <p:spPr>
+          <a:xfrm rot="16200000">
+            <a:off x="5725198" y="-748128"/>
+            <a:ext cx="155448" cy="3938955"/>
+          </a:xfrm>
+          <a:prstGeom prst="leftBrace">
+            <a:avLst/>
+          </a:prstGeom>
+          <a:ln/>
+        </p:spPr>
+        <p:style>
+          <a:lnRef idx="1">
+            <a:schemeClr val="dk1"/>
+          </a:lnRef>
+          <a:fillRef idx="0">
+            <a:schemeClr val="dk1"/>
+          </a:fillRef>
+          <a:effectRef idx="0">
+            <a:schemeClr val="dk1"/>
+          </a:effectRef>
+          <a:fontRef idx="minor">
+            <a:schemeClr val="tx1"/>
+          </a:fontRef>
+        </p:style>
+        <p:txBody>
+          <a:bodyPr rtlCol="0" anchor="ctr"/>
+          <a:lstStyle/>
+          <a:p>
+            <a:pPr algn="ctr"/>
+            <a:endParaRPr lang="en-US"/>
+          </a:p>
+        </p:txBody>
+      </p:sp>
+      <p:sp>
+        <p:nvSpPr>
+          <p:cNvPr id="9" name="TextBox 8"/>
+          <p:cNvSpPr txBox="1"/>
+          <p:nvPr/>
+        </p:nvSpPr>
+        <p:spPr>
+          <a:xfrm>
+            <a:off x="229917" y="1878299"/>
+            <a:ext cx="2530866" cy="415498"/>
+          </a:xfrm>
+          <a:prstGeom prst="rect">
+            <a:avLst/>
+          </a:prstGeom>
+          <a:noFill/>
+          <a:ln w="12700" cmpd="sng">
+            <a:solidFill>
+              <a:schemeClr val="tx1"/>
+            </a:solidFill>
+            <a:prstDash val="solid"/>
+          </a:ln>
+        </p:spPr>
+        <p:txBody>
+          <a:bodyPr wrap="square" rtlCol="0">
+            <a:spAutoFit/>
+          </a:bodyPr>
+          <a:lstStyle/>
+          <a:p>
+            <a:pPr algn="ctr"/>
+            <a:r>
+              <a:rPr lang="en-US" sz="1050" dirty="0" smtClean="0">
+                <a:latin typeface="Courier New"/>
+                <a:cs typeface="Courier New"/>
+              </a:rPr>
+              <a:t>polygon positions</a:t>
+            </a:r>
+            <a:endParaRPr lang="en-US" sz="1050" dirty="0" smtClean="0">
+              <a:latin typeface="Courier New"/>
+              <a:cs typeface="Courier New"/>
+            </a:endParaRPr>
+          </a:p>
+          <a:p>
+            <a:pPr algn="ctr"/>
+            <a:endParaRPr lang="en-US" sz="1050" dirty="0" smtClean="0">
+              <a:latin typeface="Courier New"/>
+              <a:cs typeface="Courier New"/>
+            </a:endParaRPr>
+          </a:p>
+        </p:txBody>
+      </p:sp>
+      <p:sp>
+        <p:nvSpPr>
+          <p:cNvPr id="10" name="TextBox 9"/>
+          <p:cNvSpPr txBox="1"/>
+          <p:nvPr/>
+        </p:nvSpPr>
+        <p:spPr>
+          <a:xfrm>
+            <a:off x="2760783" y="1878299"/>
+            <a:ext cx="2530866" cy="415498"/>
+          </a:xfrm>
+          <a:prstGeom prst="rect">
+            <a:avLst/>
+          </a:prstGeom>
+          <a:noFill/>
+          <a:ln w="12700" cmpd="sng">
+            <a:solidFill>
+              <a:schemeClr val="tx1"/>
+            </a:solidFill>
+            <a:prstDash val="solid"/>
+          </a:ln>
+        </p:spPr>
+        <p:txBody>
+          <a:bodyPr wrap="square" rtlCol="0">
+            <a:spAutoFit/>
+          </a:bodyPr>
+          <a:lstStyle/>
+          <a:p>
+            <a:pPr algn="ctr"/>
+            <a:r>
+              <a:rPr lang="en-US" sz="1050" dirty="0">
+                <a:latin typeface="Courier New"/>
+                <a:cs typeface="Courier New"/>
+              </a:rPr>
+              <a:t>p</a:t>
+            </a:r>
+            <a:r>
+              <a:rPr lang="en-US" sz="1050" dirty="0" smtClean="0">
+                <a:latin typeface="Courier New"/>
+                <a:cs typeface="Courier New"/>
+              </a:rPr>
+              <a:t>olyline positions</a:t>
+            </a:r>
+            <a:endParaRPr lang="en-US" sz="1050" dirty="0" smtClean="0">
+              <a:latin typeface="Courier New"/>
+              <a:cs typeface="Courier New"/>
+            </a:endParaRPr>
+          </a:p>
+          <a:p>
+            <a:pPr algn="ctr"/>
+            <a:endParaRPr lang="en-US" sz="1050" dirty="0" smtClean="0">
+              <a:latin typeface="Courier New"/>
+              <a:cs typeface="Courier New"/>
+            </a:endParaRPr>
+          </a:p>
+        </p:txBody>
+      </p:sp>
+      <p:sp>
+        <p:nvSpPr>
+          <p:cNvPr id="11" name="TextBox 10"/>
+          <p:cNvSpPr txBox="1"/>
+          <p:nvPr/>
+        </p:nvSpPr>
+        <p:spPr>
+          <a:xfrm>
+            <a:off x="5291649" y="1878299"/>
+            <a:ext cx="2476264" cy="415498"/>
+          </a:xfrm>
+          <a:prstGeom prst="rect">
+            <a:avLst/>
+          </a:prstGeom>
+          <a:noFill/>
+          <a:ln w="12700" cmpd="sng">
+            <a:solidFill>
+              <a:schemeClr val="tx1"/>
+            </a:solidFill>
+            <a:prstDash val="solid"/>
+          </a:ln>
+        </p:spPr>
+        <p:txBody>
+          <a:bodyPr wrap="square" rtlCol="0">
+            <a:spAutoFit/>
+          </a:bodyPr>
+          <a:lstStyle/>
+          <a:p>
+            <a:pPr algn="ctr"/>
+            <a:r>
+              <a:rPr lang="en-US" sz="1050" dirty="0" smtClean="0">
+                <a:latin typeface="Courier New"/>
+                <a:cs typeface="Courier New"/>
+              </a:rPr>
+              <a:t>p</a:t>
+            </a:r>
+            <a:r>
+              <a:rPr lang="en-US" sz="1050" dirty="0" smtClean="0">
+                <a:latin typeface="Courier New"/>
+                <a:cs typeface="Courier New"/>
+              </a:rPr>
+              <a:t>oint positions</a:t>
+            </a:r>
+            <a:endParaRPr lang="en-US" sz="1050" dirty="0" smtClean="0">
+              <a:latin typeface="Courier New"/>
+              <a:cs typeface="Courier New"/>
+            </a:endParaRPr>
+          </a:p>
+          <a:p>
+            <a:pPr algn="ctr"/>
+            <a:endParaRPr lang="en-US" sz="1050" dirty="0" smtClean="0">
+              <a:latin typeface="Courier New"/>
+              <a:cs typeface="Courier New"/>
+            </a:endParaRPr>
+          </a:p>
+        </p:txBody>
+      </p:sp>
+      <p:sp>
+        <p:nvSpPr>
+          <p:cNvPr id="12" name="Right Brace 11"/>
+          <p:cNvSpPr/>
+          <p:nvPr/>
+        </p:nvSpPr>
+        <p:spPr>
+          <a:xfrm rot="16200000">
+            <a:off x="3962879" y="-1995920"/>
+            <a:ext cx="72076" cy="7537997"/>
+          </a:xfrm>
+          <a:prstGeom prst="rightBrace">
+            <a:avLst/>
+          </a:prstGeom>
+          <a:ln/>
+        </p:spPr>
+        <p:style>
+          <a:lnRef idx="1">
+            <a:schemeClr val="dk1"/>
+          </a:lnRef>
+          <a:fillRef idx="0">
+            <a:schemeClr val="dk1"/>
+          </a:fillRef>
+          <a:effectRef idx="0">
+            <a:schemeClr val="dk1"/>
+          </a:effectRef>
+          <a:fontRef idx="minor">
+            <a:schemeClr val="tx1"/>
+          </a:fontRef>
+        </p:style>
+        <p:txBody>
+          <a:bodyPr rtlCol="0" anchor="ctr"/>
+          <a:lstStyle/>
+          <a:p>
+            <a:pPr algn="ctr"/>
+            <a:endParaRPr lang="en-US"/>
+          </a:p>
+        </p:txBody>
+      </p:sp>
+      <p:cxnSp>
+        <p:nvCxnSpPr>
+          <p:cNvPr id="13" name="Elbow Connector 12"/>
+          <p:cNvCxnSpPr>
+            <a:stCxn id="8" idx="1"/>
+            <a:endCxn id="12" idx="1"/>
+          </p:cNvCxnSpPr>
+          <p:nvPr/>
+        </p:nvCxnSpPr>
+        <p:spPr>
+          <a:xfrm rot="5400000">
+            <a:off x="4681938" y="616055"/>
+            <a:ext cx="437967" cy="1804005"/>
+          </a:xfrm>
+          <a:prstGeom prst="bentConnector3">
+            <a:avLst>
+              <a:gd name="adj1" fmla="val 21242"/>
+            </a:avLst>
+          </a:prstGeom>
+          <a:ln>
+            <a:tailEnd type="triangle"/>
+          </a:ln>
+        </p:spPr>
+        <p:style>
+          <a:lnRef idx="1">
+            <a:schemeClr val="dk1"/>
+          </a:lnRef>
+          <a:fillRef idx="0">
+            <a:schemeClr val="dk1"/>
+          </a:fillRef>
+          <a:effectRef idx="0">
+            <a:schemeClr val="dk1"/>
+          </a:effectRef>
+          <a:fontRef idx="minor">
+            <a:schemeClr val="tx1"/>
+          </a:fontRef>
+        </p:style>
+      </p:cxnSp>
+      <p:sp>
+        <p:nvSpPr>
+          <p:cNvPr id="14" name="Right Brace 13"/>
+          <p:cNvSpPr/>
+          <p:nvPr/>
+        </p:nvSpPr>
+        <p:spPr>
+          <a:xfrm rot="5400000">
+            <a:off x="3944959" y="1153280"/>
+            <a:ext cx="163452" cy="2530866"/>
+          </a:xfrm>
+          <a:prstGeom prst="rightBrace">
+            <a:avLst/>
+          </a:prstGeom>
+        </p:spPr>
+        <p:style>
+          <a:lnRef idx="1">
+            <a:schemeClr val="dk1"/>
+          </a:lnRef>
+          <a:fillRef idx="0">
+            <a:schemeClr val="dk1"/>
+          </a:fillRef>
+          <a:effectRef idx="0">
+            <a:schemeClr val="dk1"/>
+          </a:effectRef>
+          <a:fontRef idx="minor">
+            <a:schemeClr val="tx1"/>
+          </a:fontRef>
+        </p:style>
+        <p:txBody>
+          <a:bodyPr rtlCol="0" anchor="ctr"/>
+          <a:lstStyle/>
+          <a:p>
+            <a:pPr algn="ctr"/>
+            <a:endParaRPr lang="en-US"/>
+          </a:p>
+        </p:txBody>
+      </p:sp>
+      <p:sp>
+        <p:nvSpPr>
+          <p:cNvPr id="15" name="TextBox 14"/>
+          <p:cNvSpPr txBox="1"/>
+          <p:nvPr/>
+        </p:nvSpPr>
+        <p:spPr>
+          <a:xfrm>
+            <a:off x="234404" y="3099537"/>
+            <a:ext cx="2734011" cy="415498"/>
+          </a:xfrm>
+          <a:prstGeom prst="rect">
+            <a:avLst/>
+          </a:prstGeom>
+          <a:noFill/>
+          <a:ln w="12700" cmpd="sng">
+            <a:solidFill>
+              <a:schemeClr val="tx1"/>
+            </a:solidFill>
+            <a:prstDash val="solid"/>
+          </a:ln>
+        </p:spPr>
+        <p:txBody>
+          <a:bodyPr wrap="square" rtlCol="0">
+            <a:spAutoFit/>
+          </a:bodyPr>
+          <a:lstStyle/>
+          <a:p>
+            <a:pPr algn="ctr"/>
+            <a:r>
+              <a:rPr lang="en-US" sz="1050" dirty="0">
+                <a:latin typeface="Courier New"/>
+                <a:cs typeface="Courier New"/>
+              </a:rPr>
+              <a:t>u</a:t>
+            </a:r>
+            <a:r>
+              <a:rPr lang="en-US" sz="1050" dirty="0" smtClean="0">
+                <a:latin typeface="Courier New"/>
+                <a:cs typeface="Courier New"/>
+              </a:rPr>
+              <a:t> values</a:t>
+            </a:r>
+            <a:endParaRPr lang="en-US" sz="1050" dirty="0" smtClean="0">
+              <a:latin typeface="Courier New"/>
+              <a:cs typeface="Courier New"/>
+            </a:endParaRPr>
+          </a:p>
+          <a:p>
+            <a:pPr algn="ctr"/>
+            <a:endParaRPr lang="en-US" sz="1050" dirty="0" smtClean="0">
+              <a:latin typeface="Courier New"/>
+              <a:cs typeface="Courier New"/>
+            </a:endParaRPr>
+          </a:p>
+        </p:txBody>
+      </p:sp>
+      <p:sp>
+        <p:nvSpPr>
+          <p:cNvPr id="16" name="TextBox 15"/>
+          <p:cNvSpPr txBox="1"/>
+          <p:nvPr/>
+        </p:nvSpPr>
+        <p:spPr>
+          <a:xfrm>
+            <a:off x="2968415" y="3099537"/>
+            <a:ext cx="2734011" cy="415498"/>
+          </a:xfrm>
+          <a:prstGeom prst="rect">
+            <a:avLst/>
+          </a:prstGeom>
+          <a:noFill/>
+          <a:ln w="12700" cmpd="sng">
+            <a:solidFill>
+              <a:schemeClr val="tx1"/>
+            </a:solidFill>
+            <a:prstDash val="solid"/>
+          </a:ln>
+        </p:spPr>
+        <p:txBody>
+          <a:bodyPr wrap="square" rtlCol="0">
+            <a:spAutoFit/>
+          </a:bodyPr>
+          <a:lstStyle/>
+          <a:p>
+            <a:pPr algn="ctr"/>
+            <a:r>
+              <a:rPr lang="en-US" sz="1050" dirty="0" smtClean="0">
+                <a:latin typeface="Courier New"/>
+                <a:cs typeface="Courier New"/>
+              </a:rPr>
+              <a:t>v values</a:t>
+            </a:r>
+            <a:endParaRPr lang="en-US" sz="1050" dirty="0" smtClean="0">
+              <a:latin typeface="Courier New"/>
+              <a:cs typeface="Courier New"/>
+            </a:endParaRPr>
+          </a:p>
+          <a:p>
+            <a:pPr algn="ctr"/>
+            <a:endParaRPr lang="en-US" sz="1050" dirty="0" smtClean="0">
+              <a:latin typeface="Courier New"/>
+              <a:cs typeface="Courier New"/>
+            </a:endParaRPr>
+          </a:p>
+        </p:txBody>
+      </p:sp>
+      <p:cxnSp>
+        <p:nvCxnSpPr>
+          <p:cNvPr id="17" name="Straight Arrow Connector 16"/>
+          <p:cNvCxnSpPr/>
+          <p:nvPr/>
+        </p:nvCxnSpPr>
+        <p:spPr>
+          <a:xfrm flipH="1">
+            <a:off x="235721" y="3524048"/>
+            <a:ext cx="4488" cy="274229"/>
+          </a:xfrm>
+          <a:prstGeom prst="straightConnector1">
+            <a:avLst/>
+          </a:prstGeom>
+          <a:ln>
+            <a:tailEnd type="triangle"/>
+          </a:ln>
+        </p:spPr>
+        <p:style>
+          <a:lnRef idx="1">
+            <a:schemeClr val="dk1"/>
+          </a:lnRef>
+          <a:fillRef idx="0">
+            <a:schemeClr val="dk1"/>
+          </a:fillRef>
+          <a:effectRef idx="0">
+            <a:schemeClr val="dk1"/>
+          </a:effectRef>
+          <a:fontRef idx="minor">
+            <a:schemeClr val="tx1"/>
+          </a:fontRef>
+        </p:style>
+      </p:cxnSp>
+      <p:cxnSp>
+        <p:nvCxnSpPr>
+          <p:cNvPr id="18" name="Straight Arrow Connector 17"/>
+          <p:cNvCxnSpPr/>
+          <p:nvPr/>
+        </p:nvCxnSpPr>
+        <p:spPr>
+          <a:xfrm flipH="1">
+            <a:off x="2968415" y="3523827"/>
+            <a:ext cx="4488" cy="274229"/>
+          </a:xfrm>
+          <a:prstGeom prst="straightConnector1">
+            <a:avLst/>
+          </a:prstGeom>
+          <a:ln>
+            <a:tailEnd type="triangle"/>
+          </a:ln>
+        </p:spPr>
+        <p:style>
+          <a:lnRef idx="1">
+            <a:schemeClr val="dk1"/>
+          </a:lnRef>
+          <a:fillRef idx="0">
+            <a:schemeClr val="dk1"/>
+          </a:fillRef>
+          <a:effectRef idx="0">
+            <a:schemeClr val="dk1"/>
+          </a:effectRef>
+          <a:fontRef idx="minor">
+            <a:schemeClr val="tx1"/>
+          </a:fontRef>
+        </p:style>
+      </p:cxnSp>
+      <p:cxnSp>
+        <p:nvCxnSpPr>
+          <p:cNvPr id="19" name="Straight Arrow Connector 18"/>
+          <p:cNvCxnSpPr/>
+          <p:nvPr/>
+        </p:nvCxnSpPr>
+        <p:spPr>
+          <a:xfrm flipH="1">
+            <a:off x="5696621" y="3515035"/>
+            <a:ext cx="4488" cy="274229"/>
+          </a:xfrm>
+          <a:prstGeom prst="straightConnector1">
+            <a:avLst/>
+          </a:prstGeom>
+          <a:ln>
+            <a:tailEnd type="triangle"/>
+          </a:ln>
+        </p:spPr>
+        <p:style>
+          <a:lnRef idx="1">
+            <a:schemeClr val="dk1"/>
+          </a:lnRef>
+          <a:fillRef idx="0">
+            <a:schemeClr val="dk1"/>
+          </a:fillRef>
+          <a:effectRef idx="0">
+            <a:schemeClr val="dk1"/>
+          </a:effectRef>
+          <a:fontRef idx="minor">
+            <a:schemeClr val="tx1"/>
+          </a:fontRef>
+        </p:style>
+      </p:cxnSp>
+      <p:sp>
+        <p:nvSpPr>
+          <p:cNvPr id="20" name="Right Brace 19"/>
+          <p:cNvSpPr/>
+          <p:nvPr/>
+        </p:nvSpPr>
+        <p:spPr>
+          <a:xfrm rot="16200000">
+            <a:off x="4258968" y="-1140997"/>
+            <a:ext cx="158709" cy="8196229"/>
+          </a:xfrm>
+          <a:prstGeom prst="rightBrace">
+            <a:avLst/>
+          </a:prstGeom>
+        </p:spPr>
+        <p:style>
+          <a:lnRef idx="1">
+            <a:schemeClr val="dk1"/>
+          </a:lnRef>
+          <a:fillRef idx="0">
+            <a:schemeClr val="dk1"/>
+          </a:fillRef>
+          <a:effectRef idx="0">
+            <a:schemeClr val="dk1"/>
+          </a:effectRef>
+          <a:fontRef idx="minor">
+            <a:schemeClr val="tx1"/>
+          </a:fontRef>
+        </p:style>
+        <p:txBody>
+          <a:bodyPr rtlCol="0" anchor="ctr"/>
+          <a:lstStyle/>
+          <a:p>
+            <a:pPr algn="ctr"/>
+            <a:endParaRPr lang="en-US"/>
+          </a:p>
+        </p:txBody>
+      </p:sp>
+      <p:cxnSp>
+        <p:nvCxnSpPr>
+          <p:cNvPr id="21" name="Elbow Connector 20"/>
+          <p:cNvCxnSpPr>
+            <a:stCxn id="14" idx="1"/>
+            <a:endCxn id="20" idx="1"/>
+          </p:cNvCxnSpPr>
+          <p:nvPr/>
+        </p:nvCxnSpPr>
+        <p:spPr>
+          <a:xfrm rot="16200000" flipH="1">
+            <a:off x="3993842" y="2533282"/>
+            <a:ext cx="377324" cy="311638"/>
+          </a:xfrm>
+          <a:prstGeom prst="bentConnector5">
+            <a:avLst>
+              <a:gd name="adj1" fmla="val 60584"/>
+              <a:gd name="adj2" fmla="val 50380"/>
+              <a:gd name="adj3" fmla="val 60388"/>
+            </a:avLst>
+          </a:prstGeom>
+          <a:ln>
+            <a:tailEnd type="triangle"/>
+          </a:ln>
+        </p:spPr>
+        <p:style>
+          <a:lnRef idx="1">
+            <a:schemeClr val="dk1"/>
+          </a:lnRef>
+          <a:fillRef idx="0">
+            <a:schemeClr val="dk1"/>
+          </a:fillRef>
+          <a:effectRef idx="0">
+            <a:schemeClr val="dk1"/>
+          </a:effectRef>
+          <a:fontRef idx="minor">
+            <a:schemeClr val="tx1"/>
+          </a:fontRef>
+        </p:style>
+      </p:cxnSp>
+      <p:sp>
+        <p:nvSpPr>
+          <p:cNvPr id="22" name="TextBox 21"/>
+          <p:cNvSpPr txBox="1"/>
+          <p:nvPr/>
+        </p:nvSpPr>
+        <p:spPr>
+          <a:xfrm>
+            <a:off x="183638" y="3731133"/>
+            <a:ext cx="104191" cy="415498"/>
+          </a:xfrm>
+          <a:prstGeom prst="rect">
+            <a:avLst/>
+          </a:prstGeom>
+          <a:noFill/>
+          <a:ln w="12700" cmpd="sng">
+            <a:noFill/>
+            <a:prstDash val="solid"/>
+          </a:ln>
+        </p:spPr>
+        <p:txBody>
+          <a:bodyPr wrap="square" rtlCol="0">
+            <a:spAutoFit/>
+          </a:bodyPr>
+          <a:lstStyle/>
+          <a:p>
+            <a:pPr algn="ctr"/>
+            <a:r>
+              <a:rPr lang="en-US" sz="1050" dirty="0" smtClean="0">
+                <a:latin typeface="Courier New"/>
+                <a:cs typeface="Courier New"/>
+              </a:rPr>
+              <a:t>0</a:t>
+            </a:r>
+            <a:endParaRPr lang="en-US" sz="1050" dirty="0" smtClean="0">
+              <a:latin typeface="Courier New"/>
+              <a:cs typeface="Courier New"/>
+            </a:endParaRPr>
+          </a:p>
+          <a:p>
+            <a:pPr algn="ctr"/>
+            <a:endParaRPr lang="en-US" sz="1050" dirty="0" smtClean="0">
+              <a:latin typeface="Courier New"/>
+              <a:cs typeface="Courier New"/>
+            </a:endParaRPr>
+          </a:p>
+        </p:txBody>
+      </p:sp>
+      <p:sp>
+        <p:nvSpPr>
+          <p:cNvPr id="23" name="TextBox 22"/>
+          <p:cNvSpPr txBox="1"/>
+          <p:nvPr/>
+        </p:nvSpPr>
+        <p:spPr>
+          <a:xfrm>
+            <a:off x="1393777" y="3731133"/>
+            <a:ext cx="2734011" cy="415498"/>
+          </a:xfrm>
+          <a:prstGeom prst="rect">
+            <a:avLst/>
+          </a:prstGeom>
+          <a:noFill/>
+          <a:ln w="12700" cmpd="sng">
+            <a:noFill/>
+            <a:prstDash val="solid"/>
+          </a:ln>
+        </p:spPr>
+        <p:txBody>
+          <a:bodyPr wrap="square" rtlCol="0">
+            <a:spAutoFit/>
+          </a:bodyPr>
+          <a:lstStyle/>
+          <a:p>
+            <a:pPr algn="ctr"/>
+            <a:r>
+              <a:rPr lang="en-US" sz="1050" dirty="0" err="1" smtClean="0">
+                <a:latin typeface="Courier New"/>
+                <a:cs typeface="Courier New"/>
+              </a:rPr>
+              <a:t>polylinePositionsByteLength</a:t>
+            </a:r>
+            <a:r>
+              <a:rPr lang="en-US" sz="1050" dirty="0" smtClean="0">
+                <a:latin typeface="Courier New"/>
+                <a:cs typeface="Courier New"/>
+              </a:rPr>
+              <a:t> / 2</a:t>
+            </a:r>
+            <a:endParaRPr lang="en-US" sz="1050" dirty="0" smtClean="0">
+              <a:latin typeface="Courier New"/>
+              <a:cs typeface="Courier New"/>
+            </a:endParaRPr>
+          </a:p>
+          <a:p>
+            <a:pPr algn="ctr"/>
+            <a:endParaRPr lang="en-US" sz="1050" dirty="0" smtClean="0">
+              <a:latin typeface="Courier New"/>
+              <a:cs typeface="Courier New"/>
+            </a:endParaRPr>
+          </a:p>
+        </p:txBody>
+      </p:sp>
+      <p:sp>
+        <p:nvSpPr>
+          <p:cNvPr id="24" name="TextBox 23"/>
+          <p:cNvSpPr txBox="1"/>
+          <p:nvPr/>
+        </p:nvSpPr>
+        <p:spPr>
+          <a:xfrm>
+            <a:off x="4310549" y="3731133"/>
+            <a:ext cx="3022235" cy="415498"/>
+          </a:xfrm>
+          <a:prstGeom prst="rect">
+            <a:avLst/>
+          </a:prstGeom>
+          <a:noFill/>
+          <a:ln w="12700" cmpd="sng">
+            <a:noFill/>
+            <a:prstDash val="solid"/>
+          </a:ln>
+        </p:spPr>
+        <p:txBody>
+          <a:bodyPr wrap="square" rtlCol="0">
+            <a:spAutoFit/>
+          </a:bodyPr>
+          <a:lstStyle/>
+          <a:p>
+            <a:pPr algn="ctr"/>
+            <a:r>
+              <a:rPr lang="en-US" sz="1050" dirty="0" smtClean="0">
+                <a:latin typeface="Courier New"/>
+                <a:cs typeface="Courier New"/>
+              </a:rPr>
+              <a:t>2 * </a:t>
+            </a:r>
+            <a:r>
+              <a:rPr lang="en-US" sz="1050" dirty="0" err="1" smtClean="0">
+                <a:latin typeface="Courier New"/>
+                <a:cs typeface="Courier New"/>
+              </a:rPr>
+              <a:t>polylinePositionsByteLength</a:t>
+            </a:r>
+            <a:r>
+              <a:rPr lang="en-US" sz="1050" dirty="0" smtClean="0">
+                <a:latin typeface="Courier New"/>
+                <a:cs typeface="Courier New"/>
+              </a:rPr>
+              <a:t> / 3</a:t>
+            </a:r>
+            <a:endParaRPr lang="en-US" sz="1050" dirty="0" smtClean="0">
+              <a:latin typeface="Courier New"/>
+              <a:cs typeface="Courier New"/>
+            </a:endParaRPr>
+          </a:p>
+          <a:p>
+            <a:pPr algn="ctr"/>
+            <a:endParaRPr lang="en-US" sz="1050" dirty="0" smtClean="0">
+              <a:latin typeface="Courier New"/>
+              <a:cs typeface="Courier New"/>
+            </a:endParaRPr>
+          </a:p>
+        </p:txBody>
+      </p:sp>
+      <p:sp>
+        <p:nvSpPr>
+          <p:cNvPr id="29" name="TextBox 28"/>
+          <p:cNvSpPr txBox="1"/>
+          <p:nvPr/>
+        </p:nvSpPr>
+        <p:spPr>
+          <a:xfrm>
+            <a:off x="5702426" y="3099537"/>
+            <a:ext cx="2734011" cy="415498"/>
+          </a:xfrm>
+          <a:prstGeom prst="rect">
+            <a:avLst/>
+          </a:prstGeom>
+          <a:noFill/>
+          <a:ln w="12700" cmpd="sng">
+            <a:solidFill>
+              <a:schemeClr val="tx1"/>
+            </a:solidFill>
+            <a:prstDash val="solid"/>
+          </a:ln>
+        </p:spPr>
+        <p:txBody>
+          <a:bodyPr wrap="square" rtlCol="0">
+            <a:spAutoFit/>
+          </a:bodyPr>
+          <a:lstStyle/>
+          <a:p>
+            <a:pPr algn="ctr"/>
+            <a:r>
+              <a:rPr lang="en-US" sz="1050" dirty="0" smtClean="0">
+                <a:latin typeface="Courier New"/>
+                <a:cs typeface="Courier New"/>
+              </a:rPr>
+              <a:t>height</a:t>
+            </a:r>
+            <a:r>
+              <a:rPr lang="en-US" sz="1050" dirty="0" smtClean="0">
+                <a:latin typeface="Courier New"/>
+                <a:cs typeface="Courier New"/>
+              </a:rPr>
+              <a:t> values</a:t>
+            </a:r>
+            <a:endParaRPr lang="en-US" sz="1050" dirty="0" smtClean="0">
+              <a:latin typeface="Courier New"/>
+              <a:cs typeface="Courier New"/>
+            </a:endParaRPr>
+          </a:p>
+          <a:p>
+            <a:pPr algn="ctr"/>
+            <a:endParaRPr lang="en-US" sz="1050" dirty="0" smtClean="0">
+              <a:latin typeface="Courier New"/>
+              <a:cs typeface="Courier New"/>
+            </a:endParaRPr>
+          </a:p>
+        </p:txBody>
+      </p:sp>
+      <p:cxnSp>
+        <p:nvCxnSpPr>
+          <p:cNvPr id="30" name="Straight Arrow Connector 29"/>
+          <p:cNvCxnSpPr/>
+          <p:nvPr/>
+        </p:nvCxnSpPr>
+        <p:spPr>
+          <a:xfrm flipH="1">
+            <a:off x="8436437" y="3530320"/>
+            <a:ext cx="4488" cy="274229"/>
+          </a:xfrm>
+          <a:prstGeom prst="straightConnector1">
+            <a:avLst/>
+          </a:prstGeom>
+          <a:ln>
+            <a:tailEnd type="triangle"/>
+          </a:ln>
+        </p:spPr>
+        <p:style>
+          <a:lnRef idx="1">
+            <a:schemeClr val="dk1"/>
+          </a:lnRef>
+          <a:fillRef idx="0">
+            <a:schemeClr val="dk1"/>
+          </a:fillRef>
+          <a:effectRef idx="0">
+            <a:schemeClr val="dk1"/>
+          </a:effectRef>
+          <a:fontRef idx="minor">
+            <a:schemeClr val="tx1"/>
+          </a:fontRef>
+        </p:style>
+      </p:cxnSp>
+      <p:sp>
+        <p:nvSpPr>
+          <p:cNvPr id="32" name="TextBox 31"/>
+          <p:cNvSpPr txBox="1"/>
+          <p:nvPr/>
+        </p:nvSpPr>
+        <p:spPr>
+          <a:xfrm>
+            <a:off x="7269942" y="3731133"/>
+            <a:ext cx="2934312" cy="415498"/>
+          </a:xfrm>
+          <a:prstGeom prst="rect">
+            <a:avLst/>
+          </a:prstGeom>
+          <a:noFill/>
+          <a:ln w="12700" cmpd="sng">
+            <a:noFill/>
+            <a:prstDash val="solid"/>
+          </a:ln>
+        </p:spPr>
+        <p:txBody>
+          <a:bodyPr wrap="square" rtlCol="0">
+            <a:spAutoFit/>
+          </a:bodyPr>
+          <a:lstStyle/>
+          <a:p>
+            <a:pPr algn="ctr"/>
+            <a:r>
+              <a:rPr lang="en-US" sz="1050" dirty="0" err="1" smtClean="0">
+                <a:latin typeface="Courier New"/>
+                <a:cs typeface="Courier New"/>
+              </a:rPr>
+              <a:t>polylinePositionsByteLength</a:t>
+            </a:r>
+            <a:endParaRPr lang="en-US" sz="1050" dirty="0" smtClean="0">
+              <a:latin typeface="Courier New"/>
+              <a:cs typeface="Courier New"/>
+            </a:endParaRPr>
+          </a:p>
+          <a:p>
+            <a:pPr algn="ctr"/>
+            <a:endParaRPr lang="en-US" sz="1050" dirty="0" smtClean="0">
+              <a:latin typeface="Courier New"/>
+              <a:cs typeface="Courier New"/>
+            </a:endParaRPr>
+          </a:p>
+        </p:txBody>
+      </p:sp>
+      <p:cxnSp>
+        <p:nvCxnSpPr>
+          <p:cNvPr id="36" name="Straight Arrow Connector 35"/>
+          <p:cNvCxnSpPr/>
+          <p:nvPr/>
+        </p:nvCxnSpPr>
+        <p:spPr>
+          <a:xfrm flipH="1">
+            <a:off x="2747701" y="2293797"/>
+            <a:ext cx="4488" cy="274229"/>
+          </a:xfrm>
+          <a:prstGeom prst="straightConnector1">
+            <a:avLst/>
+          </a:prstGeom>
+          <a:ln>
+            <a:tailEnd type="triangle"/>
+          </a:ln>
+        </p:spPr>
+        <p:style>
+          <a:lnRef idx="1">
+            <a:schemeClr val="dk1"/>
+          </a:lnRef>
+          <a:fillRef idx="0">
+            <a:schemeClr val="dk1"/>
+          </a:fillRef>
+          <a:effectRef idx="0">
+            <a:schemeClr val="dk1"/>
+          </a:effectRef>
+          <a:fontRef idx="minor">
+            <a:schemeClr val="tx1"/>
+          </a:fontRef>
+        </p:style>
+      </p:cxnSp>
+      <p:sp>
+        <p:nvSpPr>
+          <p:cNvPr id="37" name="TextBox 36"/>
+          <p:cNvSpPr txBox="1"/>
+          <p:nvPr/>
+        </p:nvSpPr>
+        <p:spPr>
+          <a:xfrm>
+            <a:off x="1495350" y="2500439"/>
+            <a:ext cx="2288786" cy="415498"/>
+          </a:xfrm>
+          <a:prstGeom prst="rect">
+            <a:avLst/>
+          </a:prstGeom>
+          <a:noFill/>
+          <a:ln w="12700" cmpd="sng">
+            <a:noFill/>
+            <a:prstDash val="solid"/>
+          </a:ln>
+        </p:spPr>
+        <p:txBody>
+          <a:bodyPr wrap="square" rtlCol="0">
+            <a:spAutoFit/>
+          </a:bodyPr>
+          <a:lstStyle/>
+          <a:p>
+            <a:pPr algn="ctr"/>
+            <a:r>
+              <a:rPr lang="en-US" sz="1050" dirty="0" err="1" smtClean="0">
+                <a:latin typeface="Courier New"/>
+                <a:cs typeface="Courier New"/>
+              </a:rPr>
+              <a:t>polygonPositionsByteLength</a:t>
+            </a:r>
+            <a:endParaRPr lang="en-US" sz="1050" dirty="0" smtClean="0">
+              <a:latin typeface="Courier New"/>
+              <a:cs typeface="Courier New"/>
+            </a:endParaRPr>
+          </a:p>
+          <a:p>
+            <a:pPr algn="ctr"/>
+            <a:endParaRPr lang="en-US" sz="1050" dirty="0" smtClean="0">
+              <a:latin typeface="Courier New"/>
+              <a:cs typeface="Courier New"/>
+            </a:endParaRPr>
+          </a:p>
+        </p:txBody>
+      </p:sp>
+    </p:spTree>
+    <p:extLst>
+      <p:ext uri="{BB962C8B-B14F-4D97-AF65-F5344CB8AC3E}">
+        <p14:creationId xmlns:p14="http://schemas.microsoft.com/office/powerpoint/2010/main" val="1113813816"/>
+      </p:ext>
+    </p:extLst>
+  </p:cSld>
+  <p:clrMapOvr>
+    <a:masterClrMapping/>
+  </p:clrMapOvr>
+</p:sld>
+</file>
+
+<file path=ppt/slides/slide4.xml><?xml version="1.0" encoding="utf-8"?>
+<p:sld xmlns:a="http://schemas.openxmlformats.org/drawingml/2006/main" xmlns:r="http://schemas.openxmlformats.org/officeDocument/2006/relationships" xmlns:p="http://schemas.openxmlformats.org/presentationml/2006/main">
+  <p:cSld>
+    <p:spTree>
+      <p:nvGrpSpPr>
+        <p:cNvPr id="1" name=""/>
+        <p:cNvGrpSpPr/>
+        <p:nvPr/>
+      </p:nvGrpSpPr>
+      <p:grpSpPr>
+        <a:xfrm>
+          <a:off x="0" y="0"/>
+          <a:ext cx="0" cy="0"/>
+          <a:chOff x="0" y="0"/>
+          <a:chExt cx="0" cy="0"/>
+        </a:xfrm>
+      </p:grpSpPr>
+      <p:sp>
+        <p:nvSpPr>
+          <p:cNvPr id="2" name="TextBox 1"/>
+          <p:cNvSpPr txBox="1"/>
+          <p:nvPr/>
+        </p:nvSpPr>
+        <p:spPr>
+          <a:xfrm>
+            <a:off x="2367038" y="670241"/>
+            <a:ext cx="1466407" cy="415498"/>
+          </a:xfrm>
+          <a:prstGeom prst="rect">
+            <a:avLst/>
+          </a:prstGeom>
+          <a:noFill/>
+          <a:ln w="12700" cmpd="sng">
+            <a:solidFill>
+              <a:schemeClr val="tx1"/>
+            </a:solidFill>
+            <a:prstDash val="solid"/>
+          </a:ln>
+        </p:spPr>
+        <p:txBody>
+          <a:bodyPr wrap="square" rtlCol="0">
+            <a:spAutoFit/>
+          </a:bodyPr>
+          <a:lstStyle/>
+          <a:p>
+            <a:pPr algn="ctr"/>
+            <a:r>
+              <a:rPr lang="en-US" sz="1050" dirty="0" smtClean="0">
+                <a:latin typeface="Courier New"/>
+                <a:cs typeface="Courier New"/>
+              </a:rPr>
+              <a:t>indices</a:t>
+            </a:r>
+          </a:p>
+          <a:p>
+            <a:pPr algn="ctr"/>
+            <a:endParaRPr lang="en-US" sz="1050" dirty="0" smtClean="0">
+              <a:latin typeface="Courier New"/>
+              <a:cs typeface="Courier New"/>
+            </a:endParaRPr>
+          </a:p>
+        </p:txBody>
+      </p:sp>
+      <p:sp>
+        <p:nvSpPr>
+          <p:cNvPr id="3" name="TextBox 2"/>
+          <p:cNvSpPr txBox="1"/>
+          <p:nvPr/>
+        </p:nvSpPr>
+        <p:spPr>
+          <a:xfrm>
+            <a:off x="1380872" y="670241"/>
+            <a:ext cx="986167" cy="415498"/>
+          </a:xfrm>
+          <a:prstGeom prst="rect">
+            <a:avLst/>
+          </a:prstGeom>
+          <a:noFill/>
+          <a:ln w="12700" cmpd="sng">
+            <a:solidFill>
+              <a:schemeClr val="tx1"/>
+            </a:solidFill>
+            <a:prstDash val="solid"/>
+          </a:ln>
+        </p:spPr>
+        <p:txBody>
+          <a:bodyPr wrap="none" rtlCol="0">
+            <a:spAutoFit/>
+          </a:bodyPr>
+          <a:lstStyle/>
+          <a:p>
+            <a:pPr algn="ctr"/>
+            <a:r>
+              <a:rPr lang="en-US" sz="1050" dirty="0" smtClean="0">
+                <a:latin typeface="Courier New"/>
+                <a:cs typeface="Courier New"/>
+              </a:rPr>
+              <a:t>batchTable</a:t>
+            </a:r>
+          </a:p>
+          <a:p>
+            <a:pPr algn="ctr"/>
+            <a:endParaRPr lang="en-US" sz="1050" dirty="0">
+              <a:latin typeface="Courier New"/>
+              <a:cs typeface="Courier New"/>
+            </a:endParaRPr>
+          </a:p>
+        </p:txBody>
+      </p:sp>
+      <p:sp>
+        <p:nvSpPr>
+          <p:cNvPr id="4" name="TextBox 3"/>
+          <p:cNvSpPr txBox="1"/>
+          <p:nvPr/>
+        </p:nvSpPr>
+        <p:spPr>
+          <a:xfrm>
+            <a:off x="234404" y="670241"/>
+            <a:ext cx="1146468" cy="415498"/>
+          </a:xfrm>
+          <a:prstGeom prst="rect">
+            <a:avLst/>
+          </a:prstGeom>
+          <a:noFill/>
+          <a:ln w="12700" cmpd="sng">
+            <a:solidFill>
+              <a:schemeClr val="tx1"/>
+            </a:solidFill>
+            <a:prstDash val="solid"/>
+          </a:ln>
+        </p:spPr>
+        <p:txBody>
+          <a:bodyPr wrap="none" rtlCol="0">
+            <a:spAutoFit/>
+          </a:bodyPr>
+          <a:lstStyle/>
+          <a:p>
+            <a:pPr algn="ctr"/>
+            <a:r>
+              <a:rPr lang="en-US" sz="1050" dirty="0" err="1" smtClean="0">
+                <a:latin typeface="Courier New"/>
+                <a:cs typeface="Courier New"/>
+              </a:rPr>
+              <a:t>featureTable</a:t>
+            </a:r>
+            <a:endParaRPr lang="en-US" sz="1050" dirty="0" smtClean="0">
+              <a:latin typeface="Courier New"/>
+              <a:cs typeface="Courier New"/>
+            </a:endParaRPr>
+          </a:p>
+          <a:p>
+            <a:pPr algn="ctr"/>
+            <a:endParaRPr lang="en-US" sz="1050" dirty="0" smtClean="0">
+              <a:latin typeface="Courier New"/>
+              <a:cs typeface="Courier New"/>
+            </a:endParaRPr>
+          </a:p>
+        </p:txBody>
+      </p:sp>
+      <p:cxnSp>
+        <p:nvCxnSpPr>
+          <p:cNvPr id="5" name="Straight Arrow Connector 4"/>
+          <p:cNvCxnSpPr/>
+          <p:nvPr/>
+        </p:nvCxnSpPr>
+        <p:spPr>
+          <a:xfrm>
+            <a:off x="229919" y="437606"/>
+            <a:ext cx="7542481" cy="0"/>
+          </a:xfrm>
+          <a:prstGeom prst="straightConnector1">
+            <a:avLst/>
+          </a:prstGeom>
+          <a:ln w="12700" cmpd="sng">
+            <a:solidFill>
+              <a:schemeClr val="tx1"/>
+            </a:solidFill>
+            <a:headEnd type="arrow"/>
+            <a:tailEnd type="arrow"/>
           </a:ln>
         </p:spPr>
         <p:style>
@@ -5293,33 +7129,1144 @@
             <a:schemeClr val="tx1"/>
           </a:fontRef>
         </p:style>
-        <p:txBody>
-          <a:bodyPr rtlCol="0" anchor="ctr"/>
-          <a:lstStyle/>
-          <a:p>
-            <a:pPr algn="ctr"/>
-            <a:endParaRPr lang="en-US"/>
-          </a:p>
-        </p:txBody>
-      </p:sp>
-      <p:sp>
-        <p:nvSpPr>
-          <p:cNvPr id="17" name="Left Brace 16"/>
-          <p:cNvSpPr/>
-          <p:nvPr/>
-        </p:nvSpPr>
-        <p:spPr>
-          <a:xfrm rot="5400000">
-            <a:off x="4999623" y="581740"/>
-            <a:ext cx="193793" cy="2031205"/>
-          </a:xfrm>
-          <a:prstGeom prst="leftBrace">
-            <a:avLst/>
-          </a:prstGeom>
-          <a:ln w="12700">
+      </p:cxnSp>
+      <p:sp>
+        <p:nvSpPr>
+          <p:cNvPr id="6" name="TextBox 5"/>
+          <p:cNvSpPr txBox="1"/>
+          <p:nvPr/>
+        </p:nvSpPr>
+        <p:spPr>
+          <a:xfrm>
+            <a:off x="3833445" y="210684"/>
+            <a:ext cx="492443" cy="246221"/>
+          </a:xfrm>
+          <a:prstGeom prst="rect">
+            <a:avLst/>
+          </a:prstGeom>
+          <a:noFill/>
+          <a:ln w="12700" cmpd="sng">
+            <a:noFill/>
+            <a:prstDash val="lgDash"/>
+          </a:ln>
+        </p:spPr>
+        <p:txBody>
+          <a:bodyPr wrap="none" rtlCol="0">
+            <a:spAutoFit/>
+          </a:bodyPr>
+          <a:lstStyle/>
+          <a:p>
+            <a:pPr algn="ctr"/>
+            <a:r>
+              <a:rPr lang="en-US" sz="1000" dirty="0" smtClean="0">
+                <a:latin typeface="Courier New"/>
+                <a:cs typeface="Courier New"/>
+              </a:rPr>
+              <a:t>body</a:t>
+            </a:r>
+            <a:endParaRPr lang="en-US" sz="1000" dirty="0">
+              <a:latin typeface="Courier New"/>
+              <a:cs typeface="Courier New"/>
+            </a:endParaRPr>
+          </a:p>
+        </p:txBody>
+      </p:sp>
+      <p:sp>
+        <p:nvSpPr>
+          <p:cNvPr id="7" name="TextBox 6"/>
+          <p:cNvSpPr txBox="1"/>
+          <p:nvPr/>
+        </p:nvSpPr>
+        <p:spPr>
+          <a:xfrm>
+            <a:off x="3833445" y="670241"/>
+            <a:ext cx="3938955" cy="415498"/>
+          </a:xfrm>
+          <a:prstGeom prst="rect">
+            <a:avLst/>
+          </a:prstGeom>
+          <a:noFill/>
+          <a:ln w="12700" cmpd="sng">
             <a:solidFill>
               <a:schemeClr val="tx1"/>
             </a:solidFill>
+            <a:prstDash val="solid"/>
+          </a:ln>
+        </p:spPr>
+        <p:txBody>
+          <a:bodyPr wrap="square" rtlCol="0">
+            <a:spAutoFit/>
+          </a:bodyPr>
+          <a:lstStyle/>
+          <a:p>
+            <a:pPr algn="ctr"/>
+            <a:r>
+              <a:rPr lang="en-US" sz="1050" dirty="0" smtClean="0">
+                <a:latin typeface="Courier New"/>
+                <a:cs typeface="Courier New"/>
+              </a:rPr>
+              <a:t>positions</a:t>
+            </a:r>
+          </a:p>
+          <a:p>
+            <a:pPr algn="ctr"/>
+            <a:endParaRPr lang="en-US" sz="1050" dirty="0" smtClean="0">
+              <a:latin typeface="Courier New"/>
+              <a:cs typeface="Courier New"/>
+            </a:endParaRPr>
+          </a:p>
+        </p:txBody>
+      </p:sp>
+      <p:sp>
+        <p:nvSpPr>
+          <p:cNvPr id="8" name="Left Brace 7"/>
+          <p:cNvSpPr/>
+          <p:nvPr/>
+        </p:nvSpPr>
+        <p:spPr>
+          <a:xfrm rot="16200000">
+            <a:off x="5725198" y="-748128"/>
+            <a:ext cx="155448" cy="3938955"/>
+          </a:xfrm>
+          <a:prstGeom prst="leftBrace">
+            <a:avLst/>
+          </a:prstGeom>
+          <a:ln/>
+        </p:spPr>
+        <p:style>
+          <a:lnRef idx="1">
+            <a:schemeClr val="dk1"/>
+          </a:lnRef>
+          <a:fillRef idx="0">
+            <a:schemeClr val="dk1"/>
+          </a:fillRef>
+          <a:effectRef idx="0">
+            <a:schemeClr val="dk1"/>
+          </a:effectRef>
+          <a:fontRef idx="minor">
+            <a:schemeClr val="tx1"/>
+          </a:fontRef>
+        </p:style>
+        <p:txBody>
+          <a:bodyPr rtlCol="0" anchor="ctr"/>
+          <a:lstStyle/>
+          <a:p>
+            <a:pPr algn="ctr"/>
+            <a:endParaRPr lang="en-US"/>
+          </a:p>
+        </p:txBody>
+      </p:sp>
+      <p:sp>
+        <p:nvSpPr>
+          <p:cNvPr id="9" name="TextBox 8"/>
+          <p:cNvSpPr txBox="1"/>
+          <p:nvPr/>
+        </p:nvSpPr>
+        <p:spPr>
+          <a:xfrm>
+            <a:off x="229917" y="1878299"/>
+            <a:ext cx="2530866" cy="415498"/>
+          </a:xfrm>
+          <a:prstGeom prst="rect">
+            <a:avLst/>
+          </a:prstGeom>
+          <a:noFill/>
+          <a:ln w="12700" cmpd="sng">
+            <a:solidFill>
+              <a:schemeClr val="tx1"/>
+            </a:solidFill>
+            <a:prstDash val="solid"/>
+          </a:ln>
+        </p:spPr>
+        <p:txBody>
+          <a:bodyPr wrap="square" rtlCol="0">
+            <a:spAutoFit/>
+          </a:bodyPr>
+          <a:lstStyle/>
+          <a:p>
+            <a:pPr algn="ctr"/>
+            <a:r>
+              <a:rPr lang="en-US" sz="1050" dirty="0" smtClean="0">
+                <a:latin typeface="Courier New"/>
+                <a:cs typeface="Courier New"/>
+              </a:rPr>
+              <a:t>polygon positions</a:t>
+            </a:r>
+            <a:endParaRPr lang="en-US" sz="1050" dirty="0" smtClean="0">
+              <a:latin typeface="Courier New"/>
+              <a:cs typeface="Courier New"/>
+            </a:endParaRPr>
+          </a:p>
+          <a:p>
+            <a:pPr algn="ctr"/>
+            <a:endParaRPr lang="en-US" sz="1050" dirty="0" smtClean="0">
+              <a:latin typeface="Courier New"/>
+              <a:cs typeface="Courier New"/>
+            </a:endParaRPr>
+          </a:p>
+        </p:txBody>
+      </p:sp>
+      <p:sp>
+        <p:nvSpPr>
+          <p:cNvPr id="10" name="TextBox 9"/>
+          <p:cNvSpPr txBox="1"/>
+          <p:nvPr/>
+        </p:nvSpPr>
+        <p:spPr>
+          <a:xfrm>
+            <a:off x="2760783" y="1878299"/>
+            <a:ext cx="2530866" cy="415498"/>
+          </a:xfrm>
+          <a:prstGeom prst="rect">
+            <a:avLst/>
+          </a:prstGeom>
+          <a:noFill/>
+          <a:ln w="12700" cmpd="sng">
+            <a:solidFill>
+              <a:schemeClr val="tx1"/>
+            </a:solidFill>
+            <a:prstDash val="solid"/>
+          </a:ln>
+        </p:spPr>
+        <p:txBody>
+          <a:bodyPr wrap="square" rtlCol="0">
+            <a:spAutoFit/>
+          </a:bodyPr>
+          <a:lstStyle/>
+          <a:p>
+            <a:pPr algn="ctr"/>
+            <a:r>
+              <a:rPr lang="en-US" sz="1050" dirty="0">
+                <a:latin typeface="Courier New"/>
+                <a:cs typeface="Courier New"/>
+              </a:rPr>
+              <a:t>p</a:t>
+            </a:r>
+            <a:r>
+              <a:rPr lang="en-US" sz="1050" dirty="0" smtClean="0">
+                <a:latin typeface="Courier New"/>
+                <a:cs typeface="Courier New"/>
+              </a:rPr>
+              <a:t>olyline positions</a:t>
+            </a:r>
+            <a:endParaRPr lang="en-US" sz="1050" dirty="0" smtClean="0">
+              <a:latin typeface="Courier New"/>
+              <a:cs typeface="Courier New"/>
+            </a:endParaRPr>
+          </a:p>
+          <a:p>
+            <a:pPr algn="ctr"/>
+            <a:endParaRPr lang="en-US" sz="1050" dirty="0" smtClean="0">
+              <a:latin typeface="Courier New"/>
+              <a:cs typeface="Courier New"/>
+            </a:endParaRPr>
+          </a:p>
+        </p:txBody>
+      </p:sp>
+      <p:sp>
+        <p:nvSpPr>
+          <p:cNvPr id="11" name="TextBox 10"/>
+          <p:cNvSpPr txBox="1"/>
+          <p:nvPr/>
+        </p:nvSpPr>
+        <p:spPr>
+          <a:xfrm>
+            <a:off x="5291649" y="1878299"/>
+            <a:ext cx="2476264" cy="415498"/>
+          </a:xfrm>
+          <a:prstGeom prst="rect">
+            <a:avLst/>
+          </a:prstGeom>
+          <a:noFill/>
+          <a:ln w="12700" cmpd="sng">
+            <a:solidFill>
+              <a:schemeClr val="tx1"/>
+            </a:solidFill>
+            <a:prstDash val="solid"/>
+          </a:ln>
+        </p:spPr>
+        <p:txBody>
+          <a:bodyPr wrap="square" rtlCol="0">
+            <a:spAutoFit/>
+          </a:bodyPr>
+          <a:lstStyle/>
+          <a:p>
+            <a:pPr algn="ctr"/>
+            <a:r>
+              <a:rPr lang="en-US" sz="1050" dirty="0" smtClean="0">
+                <a:latin typeface="Courier New"/>
+                <a:cs typeface="Courier New"/>
+              </a:rPr>
+              <a:t>p</a:t>
+            </a:r>
+            <a:r>
+              <a:rPr lang="en-US" sz="1050" dirty="0" smtClean="0">
+                <a:latin typeface="Courier New"/>
+                <a:cs typeface="Courier New"/>
+              </a:rPr>
+              <a:t>oint positions</a:t>
+            </a:r>
+            <a:endParaRPr lang="en-US" sz="1050" dirty="0" smtClean="0">
+              <a:latin typeface="Courier New"/>
+              <a:cs typeface="Courier New"/>
+            </a:endParaRPr>
+          </a:p>
+          <a:p>
+            <a:pPr algn="ctr"/>
+            <a:endParaRPr lang="en-US" sz="1050" dirty="0" smtClean="0">
+              <a:latin typeface="Courier New"/>
+              <a:cs typeface="Courier New"/>
+            </a:endParaRPr>
+          </a:p>
+        </p:txBody>
+      </p:sp>
+      <p:sp>
+        <p:nvSpPr>
+          <p:cNvPr id="12" name="Right Brace 11"/>
+          <p:cNvSpPr/>
+          <p:nvPr/>
+        </p:nvSpPr>
+        <p:spPr>
+          <a:xfrm rot="16200000">
+            <a:off x="3962879" y="-1995920"/>
+            <a:ext cx="72076" cy="7537997"/>
+          </a:xfrm>
+          <a:prstGeom prst="rightBrace">
+            <a:avLst/>
+          </a:prstGeom>
+          <a:ln/>
+        </p:spPr>
+        <p:style>
+          <a:lnRef idx="1">
+            <a:schemeClr val="dk1"/>
+          </a:lnRef>
+          <a:fillRef idx="0">
+            <a:schemeClr val="dk1"/>
+          </a:fillRef>
+          <a:effectRef idx="0">
+            <a:schemeClr val="dk1"/>
+          </a:effectRef>
+          <a:fontRef idx="minor">
+            <a:schemeClr val="tx1"/>
+          </a:fontRef>
+        </p:style>
+        <p:txBody>
+          <a:bodyPr rtlCol="0" anchor="ctr"/>
+          <a:lstStyle/>
+          <a:p>
+            <a:pPr algn="ctr"/>
+            <a:endParaRPr lang="en-US"/>
+          </a:p>
+        </p:txBody>
+      </p:sp>
+      <p:cxnSp>
+        <p:nvCxnSpPr>
+          <p:cNvPr id="13" name="Elbow Connector 12"/>
+          <p:cNvCxnSpPr>
+            <a:stCxn id="8" idx="1"/>
+            <a:endCxn id="12" idx="1"/>
+          </p:cNvCxnSpPr>
+          <p:nvPr/>
+        </p:nvCxnSpPr>
+        <p:spPr>
+          <a:xfrm rot="5400000">
+            <a:off x="4681938" y="616055"/>
+            <a:ext cx="437967" cy="1804005"/>
+          </a:xfrm>
+          <a:prstGeom prst="bentConnector3">
+            <a:avLst>
+              <a:gd name="adj1" fmla="val 21242"/>
+            </a:avLst>
+          </a:prstGeom>
+          <a:ln>
+            <a:tailEnd type="triangle"/>
+          </a:ln>
+        </p:spPr>
+        <p:style>
+          <a:lnRef idx="1">
+            <a:schemeClr val="dk1"/>
+          </a:lnRef>
+          <a:fillRef idx="0">
+            <a:schemeClr val="dk1"/>
+          </a:fillRef>
+          <a:effectRef idx="0">
+            <a:schemeClr val="dk1"/>
+          </a:effectRef>
+          <a:fontRef idx="minor">
+            <a:schemeClr val="tx1"/>
+          </a:fontRef>
+        </p:style>
+      </p:cxnSp>
+      <p:sp>
+        <p:nvSpPr>
+          <p:cNvPr id="14" name="Right Brace 13"/>
+          <p:cNvSpPr/>
+          <p:nvPr/>
+        </p:nvSpPr>
+        <p:spPr>
+          <a:xfrm rot="5400000">
+            <a:off x="6451109" y="1182485"/>
+            <a:ext cx="166790" cy="2475793"/>
+          </a:xfrm>
+          <a:prstGeom prst="rightBrace">
+            <a:avLst/>
+          </a:prstGeom>
+        </p:spPr>
+        <p:style>
+          <a:lnRef idx="1">
+            <a:schemeClr val="dk1"/>
+          </a:lnRef>
+          <a:fillRef idx="0">
+            <a:schemeClr val="dk1"/>
+          </a:fillRef>
+          <a:effectRef idx="0">
+            <a:schemeClr val="dk1"/>
+          </a:effectRef>
+          <a:fontRef idx="minor">
+            <a:schemeClr val="tx1"/>
+          </a:fontRef>
+        </p:style>
+        <p:txBody>
+          <a:bodyPr rtlCol="0" anchor="ctr"/>
+          <a:lstStyle/>
+          <a:p>
+            <a:pPr algn="ctr"/>
+            <a:endParaRPr lang="en-US"/>
+          </a:p>
+        </p:txBody>
+      </p:sp>
+      <p:sp>
+        <p:nvSpPr>
+          <p:cNvPr id="15" name="TextBox 14"/>
+          <p:cNvSpPr txBox="1"/>
+          <p:nvPr/>
+        </p:nvSpPr>
+        <p:spPr>
+          <a:xfrm>
+            <a:off x="225610" y="3736809"/>
+            <a:ext cx="2734011" cy="415498"/>
+          </a:xfrm>
+          <a:prstGeom prst="rect">
+            <a:avLst/>
+          </a:prstGeom>
+          <a:noFill/>
+          <a:ln w="12700" cmpd="sng">
+            <a:solidFill>
+              <a:schemeClr val="tx1"/>
+            </a:solidFill>
+            <a:prstDash val="solid"/>
+          </a:ln>
+        </p:spPr>
+        <p:txBody>
+          <a:bodyPr wrap="square" rtlCol="0">
+            <a:spAutoFit/>
+          </a:bodyPr>
+          <a:lstStyle/>
+          <a:p>
+            <a:pPr algn="ctr"/>
+            <a:r>
+              <a:rPr lang="en-US" sz="1050" dirty="0">
+                <a:latin typeface="Courier New"/>
+                <a:cs typeface="Courier New"/>
+              </a:rPr>
+              <a:t>u</a:t>
+            </a:r>
+            <a:r>
+              <a:rPr lang="en-US" sz="1050" dirty="0" smtClean="0">
+                <a:latin typeface="Courier New"/>
+                <a:cs typeface="Courier New"/>
+              </a:rPr>
+              <a:t> values</a:t>
+            </a:r>
+            <a:endParaRPr lang="en-US" sz="1050" dirty="0" smtClean="0">
+              <a:latin typeface="Courier New"/>
+              <a:cs typeface="Courier New"/>
+            </a:endParaRPr>
+          </a:p>
+          <a:p>
+            <a:pPr algn="ctr"/>
+            <a:endParaRPr lang="en-US" sz="1050" dirty="0" smtClean="0">
+              <a:latin typeface="Courier New"/>
+              <a:cs typeface="Courier New"/>
+            </a:endParaRPr>
+          </a:p>
+        </p:txBody>
+      </p:sp>
+      <p:sp>
+        <p:nvSpPr>
+          <p:cNvPr id="16" name="TextBox 15"/>
+          <p:cNvSpPr txBox="1"/>
+          <p:nvPr/>
+        </p:nvSpPr>
+        <p:spPr>
+          <a:xfrm>
+            <a:off x="2959621" y="3736809"/>
+            <a:ext cx="2734011" cy="415498"/>
+          </a:xfrm>
+          <a:prstGeom prst="rect">
+            <a:avLst/>
+          </a:prstGeom>
+          <a:noFill/>
+          <a:ln w="12700" cmpd="sng">
+            <a:solidFill>
+              <a:schemeClr val="tx1"/>
+            </a:solidFill>
+            <a:prstDash val="solid"/>
+          </a:ln>
+        </p:spPr>
+        <p:txBody>
+          <a:bodyPr wrap="square" rtlCol="0">
+            <a:spAutoFit/>
+          </a:bodyPr>
+          <a:lstStyle/>
+          <a:p>
+            <a:pPr algn="ctr"/>
+            <a:r>
+              <a:rPr lang="en-US" sz="1050" dirty="0" smtClean="0">
+                <a:latin typeface="Courier New"/>
+                <a:cs typeface="Courier New"/>
+              </a:rPr>
+              <a:t>v values</a:t>
+            </a:r>
+            <a:endParaRPr lang="en-US" sz="1050" dirty="0" smtClean="0">
+              <a:latin typeface="Courier New"/>
+              <a:cs typeface="Courier New"/>
+            </a:endParaRPr>
+          </a:p>
+          <a:p>
+            <a:pPr algn="ctr"/>
+            <a:endParaRPr lang="en-US" sz="1050" dirty="0" smtClean="0">
+              <a:latin typeface="Courier New"/>
+              <a:cs typeface="Courier New"/>
+            </a:endParaRPr>
+          </a:p>
+        </p:txBody>
+      </p:sp>
+      <p:cxnSp>
+        <p:nvCxnSpPr>
+          <p:cNvPr id="17" name="Straight Arrow Connector 16"/>
+          <p:cNvCxnSpPr/>
+          <p:nvPr/>
+        </p:nvCxnSpPr>
+        <p:spPr>
+          <a:xfrm flipH="1">
+            <a:off x="226927" y="4161320"/>
+            <a:ext cx="4488" cy="274229"/>
+          </a:xfrm>
+          <a:prstGeom prst="straightConnector1">
+            <a:avLst/>
+          </a:prstGeom>
+          <a:ln>
+            <a:tailEnd type="triangle"/>
+          </a:ln>
+        </p:spPr>
+        <p:style>
+          <a:lnRef idx="1">
+            <a:schemeClr val="dk1"/>
+          </a:lnRef>
+          <a:fillRef idx="0">
+            <a:schemeClr val="dk1"/>
+          </a:fillRef>
+          <a:effectRef idx="0">
+            <a:schemeClr val="dk1"/>
+          </a:effectRef>
+          <a:fontRef idx="minor">
+            <a:schemeClr val="tx1"/>
+          </a:fontRef>
+        </p:style>
+      </p:cxnSp>
+      <p:cxnSp>
+        <p:nvCxnSpPr>
+          <p:cNvPr id="18" name="Straight Arrow Connector 17"/>
+          <p:cNvCxnSpPr/>
+          <p:nvPr/>
+        </p:nvCxnSpPr>
+        <p:spPr>
+          <a:xfrm flipH="1">
+            <a:off x="2959621" y="4161099"/>
+            <a:ext cx="4488" cy="274229"/>
+          </a:xfrm>
+          <a:prstGeom prst="straightConnector1">
+            <a:avLst/>
+          </a:prstGeom>
+          <a:ln>
+            <a:tailEnd type="triangle"/>
+          </a:ln>
+        </p:spPr>
+        <p:style>
+          <a:lnRef idx="1">
+            <a:schemeClr val="dk1"/>
+          </a:lnRef>
+          <a:fillRef idx="0">
+            <a:schemeClr val="dk1"/>
+          </a:fillRef>
+          <a:effectRef idx="0">
+            <a:schemeClr val="dk1"/>
+          </a:effectRef>
+          <a:fontRef idx="minor">
+            <a:schemeClr val="tx1"/>
+          </a:fontRef>
+        </p:style>
+      </p:cxnSp>
+      <p:cxnSp>
+        <p:nvCxnSpPr>
+          <p:cNvPr id="19" name="Straight Arrow Connector 18"/>
+          <p:cNvCxnSpPr/>
+          <p:nvPr/>
+        </p:nvCxnSpPr>
+        <p:spPr>
+          <a:xfrm flipH="1">
+            <a:off x="5687827" y="4152307"/>
+            <a:ext cx="4488" cy="274229"/>
+          </a:xfrm>
+          <a:prstGeom prst="straightConnector1">
+            <a:avLst/>
+          </a:prstGeom>
+          <a:ln>
+            <a:tailEnd type="triangle"/>
+          </a:ln>
+        </p:spPr>
+        <p:style>
+          <a:lnRef idx="1">
+            <a:schemeClr val="dk1"/>
+          </a:lnRef>
+          <a:fillRef idx="0">
+            <a:schemeClr val="dk1"/>
+          </a:fillRef>
+          <a:effectRef idx="0">
+            <a:schemeClr val="dk1"/>
+          </a:effectRef>
+          <a:fontRef idx="minor">
+            <a:schemeClr val="tx1"/>
+          </a:fontRef>
+        </p:style>
+      </p:cxnSp>
+      <p:sp>
+        <p:nvSpPr>
+          <p:cNvPr id="20" name="Right Brace 19"/>
+          <p:cNvSpPr/>
+          <p:nvPr/>
+        </p:nvSpPr>
+        <p:spPr>
+          <a:xfrm rot="16200000">
+            <a:off x="4250174" y="-503725"/>
+            <a:ext cx="158709" cy="8196229"/>
+          </a:xfrm>
+          <a:prstGeom prst="rightBrace">
+            <a:avLst/>
+          </a:prstGeom>
+        </p:spPr>
+        <p:style>
+          <a:lnRef idx="1">
+            <a:schemeClr val="dk1"/>
+          </a:lnRef>
+          <a:fillRef idx="0">
+            <a:schemeClr val="dk1"/>
+          </a:fillRef>
+          <a:effectRef idx="0">
+            <a:schemeClr val="dk1"/>
+          </a:effectRef>
+          <a:fontRef idx="minor">
+            <a:schemeClr val="tx1"/>
+          </a:fontRef>
+        </p:style>
+        <p:txBody>
+          <a:bodyPr rtlCol="0" anchor="ctr"/>
+          <a:lstStyle/>
+          <a:p>
+            <a:pPr algn="ctr"/>
+            <a:endParaRPr lang="en-US"/>
+          </a:p>
+        </p:txBody>
+      </p:sp>
+      <p:cxnSp>
+        <p:nvCxnSpPr>
+          <p:cNvPr id="21" name="Elbow Connector 20"/>
+          <p:cNvCxnSpPr>
+            <a:stCxn id="14" idx="1"/>
+            <a:endCxn id="20" idx="1"/>
+          </p:cNvCxnSpPr>
+          <p:nvPr/>
+        </p:nvCxnSpPr>
+        <p:spPr>
+          <a:xfrm rot="16200000" flipH="1" flipV="1">
+            <a:off x="4926388" y="1906918"/>
+            <a:ext cx="1011258" cy="2204975"/>
+          </a:xfrm>
+          <a:prstGeom prst="bentConnector5">
+            <a:avLst>
+              <a:gd name="adj1" fmla="val 77380"/>
+              <a:gd name="adj2" fmla="val 50092"/>
+              <a:gd name="adj3" fmla="val 77395"/>
+            </a:avLst>
+          </a:prstGeom>
+          <a:ln>
+            <a:tailEnd type="triangle"/>
+          </a:ln>
+        </p:spPr>
+        <p:style>
+          <a:lnRef idx="1">
+            <a:schemeClr val="dk1"/>
+          </a:lnRef>
+          <a:fillRef idx="0">
+            <a:schemeClr val="dk1"/>
+          </a:fillRef>
+          <a:effectRef idx="0">
+            <a:schemeClr val="dk1"/>
+          </a:effectRef>
+          <a:fontRef idx="minor">
+            <a:schemeClr val="tx1"/>
+          </a:fontRef>
+        </p:style>
+      </p:cxnSp>
+      <p:sp>
+        <p:nvSpPr>
+          <p:cNvPr id="22" name="TextBox 21"/>
+          <p:cNvSpPr txBox="1"/>
+          <p:nvPr/>
+        </p:nvSpPr>
+        <p:spPr>
+          <a:xfrm>
+            <a:off x="174844" y="4368405"/>
+            <a:ext cx="104191" cy="415498"/>
+          </a:xfrm>
+          <a:prstGeom prst="rect">
+            <a:avLst/>
+          </a:prstGeom>
+          <a:noFill/>
+          <a:ln w="12700" cmpd="sng">
+            <a:noFill/>
+            <a:prstDash val="solid"/>
+          </a:ln>
+        </p:spPr>
+        <p:txBody>
+          <a:bodyPr wrap="square" rtlCol="0">
+            <a:spAutoFit/>
+          </a:bodyPr>
+          <a:lstStyle/>
+          <a:p>
+            <a:pPr algn="ctr"/>
+            <a:r>
+              <a:rPr lang="en-US" sz="1050" dirty="0" smtClean="0">
+                <a:latin typeface="Courier New"/>
+                <a:cs typeface="Courier New"/>
+              </a:rPr>
+              <a:t>0</a:t>
+            </a:r>
+            <a:endParaRPr lang="en-US" sz="1050" dirty="0" smtClean="0">
+              <a:latin typeface="Courier New"/>
+              <a:cs typeface="Courier New"/>
+            </a:endParaRPr>
+          </a:p>
+          <a:p>
+            <a:pPr algn="ctr"/>
+            <a:endParaRPr lang="en-US" sz="1050" dirty="0" smtClean="0">
+              <a:latin typeface="Courier New"/>
+              <a:cs typeface="Courier New"/>
+            </a:endParaRPr>
+          </a:p>
+        </p:txBody>
+      </p:sp>
+      <p:sp>
+        <p:nvSpPr>
+          <p:cNvPr id="23" name="TextBox 22"/>
+          <p:cNvSpPr txBox="1"/>
+          <p:nvPr/>
+        </p:nvSpPr>
+        <p:spPr>
+          <a:xfrm>
+            <a:off x="1384983" y="4368405"/>
+            <a:ext cx="2734011" cy="415498"/>
+          </a:xfrm>
+          <a:prstGeom prst="rect">
+            <a:avLst/>
+          </a:prstGeom>
+          <a:noFill/>
+          <a:ln w="12700" cmpd="sng">
+            <a:noFill/>
+            <a:prstDash val="solid"/>
+          </a:ln>
+        </p:spPr>
+        <p:txBody>
+          <a:bodyPr wrap="square" rtlCol="0">
+            <a:spAutoFit/>
+          </a:bodyPr>
+          <a:lstStyle/>
+          <a:p>
+            <a:pPr algn="ctr"/>
+            <a:r>
+              <a:rPr lang="en-US" sz="1050" dirty="0" err="1" smtClean="0">
+                <a:latin typeface="Courier New"/>
+                <a:cs typeface="Courier New"/>
+              </a:rPr>
+              <a:t>pointPositionsByteLength</a:t>
+            </a:r>
+            <a:r>
+              <a:rPr lang="en-US" sz="1050" dirty="0" smtClean="0">
+                <a:latin typeface="Courier New"/>
+                <a:cs typeface="Courier New"/>
+              </a:rPr>
+              <a:t> / 2</a:t>
+            </a:r>
+            <a:endParaRPr lang="en-US" sz="1050" dirty="0" smtClean="0">
+              <a:latin typeface="Courier New"/>
+              <a:cs typeface="Courier New"/>
+            </a:endParaRPr>
+          </a:p>
+          <a:p>
+            <a:pPr algn="ctr"/>
+            <a:endParaRPr lang="en-US" sz="1050" dirty="0" smtClean="0">
+              <a:latin typeface="Courier New"/>
+              <a:cs typeface="Courier New"/>
+            </a:endParaRPr>
+          </a:p>
+        </p:txBody>
+      </p:sp>
+      <p:sp>
+        <p:nvSpPr>
+          <p:cNvPr id="24" name="TextBox 23"/>
+          <p:cNvSpPr txBox="1"/>
+          <p:nvPr/>
+        </p:nvSpPr>
+        <p:spPr>
+          <a:xfrm>
+            <a:off x="4301755" y="4368405"/>
+            <a:ext cx="3039821" cy="415498"/>
+          </a:xfrm>
+          <a:prstGeom prst="rect">
+            <a:avLst/>
+          </a:prstGeom>
+          <a:noFill/>
+          <a:ln w="12700" cmpd="sng">
+            <a:noFill/>
+            <a:prstDash val="solid"/>
+          </a:ln>
+        </p:spPr>
+        <p:txBody>
+          <a:bodyPr wrap="square" rtlCol="0">
+            <a:spAutoFit/>
+          </a:bodyPr>
+          <a:lstStyle/>
+          <a:p>
+            <a:pPr algn="ctr"/>
+            <a:r>
+              <a:rPr lang="en-US" sz="1050" dirty="0" smtClean="0">
+                <a:latin typeface="Courier New"/>
+                <a:cs typeface="Courier New"/>
+              </a:rPr>
+              <a:t>2 * </a:t>
+            </a:r>
+            <a:r>
+              <a:rPr lang="en-US" sz="1050" dirty="0" err="1" smtClean="0">
+                <a:latin typeface="Courier New"/>
+                <a:cs typeface="Courier New"/>
+              </a:rPr>
+              <a:t>pointPositionsByteLength</a:t>
+            </a:r>
+            <a:r>
+              <a:rPr lang="en-US" sz="1050" dirty="0" smtClean="0">
+                <a:latin typeface="Courier New"/>
+                <a:cs typeface="Courier New"/>
+              </a:rPr>
+              <a:t> / 3</a:t>
+            </a:r>
+            <a:endParaRPr lang="en-US" sz="1050" dirty="0" smtClean="0">
+              <a:latin typeface="Courier New"/>
+              <a:cs typeface="Courier New"/>
+            </a:endParaRPr>
+          </a:p>
+          <a:p>
+            <a:pPr algn="ctr"/>
+            <a:endParaRPr lang="en-US" sz="1050" dirty="0" smtClean="0">
+              <a:latin typeface="Courier New"/>
+              <a:cs typeface="Courier New"/>
+            </a:endParaRPr>
+          </a:p>
+        </p:txBody>
+      </p:sp>
+      <p:sp>
+        <p:nvSpPr>
+          <p:cNvPr id="25" name="TextBox 24"/>
+          <p:cNvSpPr txBox="1"/>
+          <p:nvPr/>
+        </p:nvSpPr>
+        <p:spPr>
+          <a:xfrm>
+            <a:off x="5693632" y="3736809"/>
+            <a:ext cx="2734011" cy="415498"/>
+          </a:xfrm>
+          <a:prstGeom prst="rect">
+            <a:avLst/>
+          </a:prstGeom>
+          <a:noFill/>
+          <a:ln w="12700" cmpd="sng">
+            <a:solidFill>
+              <a:schemeClr val="tx1"/>
+            </a:solidFill>
+            <a:prstDash val="solid"/>
+          </a:ln>
+        </p:spPr>
+        <p:txBody>
+          <a:bodyPr wrap="square" rtlCol="0">
+            <a:spAutoFit/>
+          </a:bodyPr>
+          <a:lstStyle/>
+          <a:p>
+            <a:pPr algn="ctr"/>
+            <a:r>
+              <a:rPr lang="en-US" sz="1050" dirty="0" smtClean="0">
+                <a:latin typeface="Courier New"/>
+                <a:cs typeface="Courier New"/>
+              </a:rPr>
+              <a:t>height</a:t>
+            </a:r>
+            <a:r>
+              <a:rPr lang="en-US" sz="1050" dirty="0" smtClean="0">
+                <a:latin typeface="Courier New"/>
+                <a:cs typeface="Courier New"/>
+              </a:rPr>
+              <a:t> values</a:t>
+            </a:r>
+            <a:endParaRPr lang="en-US" sz="1050" dirty="0" smtClean="0">
+              <a:latin typeface="Courier New"/>
+              <a:cs typeface="Courier New"/>
+            </a:endParaRPr>
+          </a:p>
+          <a:p>
+            <a:pPr algn="ctr"/>
+            <a:endParaRPr lang="en-US" sz="1050" dirty="0" smtClean="0">
+              <a:latin typeface="Courier New"/>
+              <a:cs typeface="Courier New"/>
+            </a:endParaRPr>
+          </a:p>
+        </p:txBody>
+      </p:sp>
+      <p:cxnSp>
+        <p:nvCxnSpPr>
+          <p:cNvPr id="26" name="Straight Arrow Connector 25"/>
+          <p:cNvCxnSpPr/>
+          <p:nvPr/>
+        </p:nvCxnSpPr>
+        <p:spPr>
+          <a:xfrm flipH="1">
+            <a:off x="8427643" y="4167592"/>
+            <a:ext cx="4488" cy="274229"/>
+          </a:xfrm>
+          <a:prstGeom prst="straightConnector1">
+            <a:avLst/>
+          </a:prstGeom>
+          <a:ln>
+            <a:tailEnd type="triangle"/>
+          </a:ln>
+        </p:spPr>
+        <p:style>
+          <a:lnRef idx="1">
+            <a:schemeClr val="dk1"/>
+          </a:lnRef>
+          <a:fillRef idx="0">
+            <a:schemeClr val="dk1"/>
+          </a:fillRef>
+          <a:effectRef idx="0">
+            <a:schemeClr val="dk1"/>
+          </a:effectRef>
+          <a:fontRef idx="minor">
+            <a:schemeClr val="tx1"/>
+          </a:fontRef>
+        </p:style>
+      </p:cxnSp>
+      <p:sp>
+        <p:nvSpPr>
+          <p:cNvPr id="27" name="TextBox 26"/>
+          <p:cNvSpPr txBox="1"/>
+          <p:nvPr/>
+        </p:nvSpPr>
+        <p:spPr>
+          <a:xfrm>
+            <a:off x="7261148" y="4368405"/>
+            <a:ext cx="2934312" cy="415498"/>
+          </a:xfrm>
+          <a:prstGeom prst="rect">
+            <a:avLst/>
+          </a:prstGeom>
+          <a:noFill/>
+          <a:ln w="12700" cmpd="sng">
+            <a:noFill/>
+            <a:prstDash val="solid"/>
+          </a:ln>
+        </p:spPr>
+        <p:txBody>
+          <a:bodyPr wrap="square" rtlCol="0">
+            <a:spAutoFit/>
+          </a:bodyPr>
+          <a:lstStyle/>
+          <a:p>
+            <a:pPr algn="ctr"/>
+            <a:r>
+              <a:rPr lang="en-US" sz="1050" dirty="0" err="1" smtClean="0">
+                <a:latin typeface="Courier New"/>
+                <a:cs typeface="Courier New"/>
+              </a:rPr>
+              <a:t>pointPositionsByteLength</a:t>
+            </a:r>
+            <a:endParaRPr lang="en-US" sz="1050" dirty="0" smtClean="0">
+              <a:latin typeface="Courier New"/>
+              <a:cs typeface="Courier New"/>
+            </a:endParaRPr>
+          </a:p>
+          <a:p>
+            <a:pPr algn="ctr"/>
+            <a:endParaRPr lang="en-US" sz="1050" dirty="0" smtClean="0">
+              <a:latin typeface="Courier New"/>
+              <a:cs typeface="Courier New"/>
+            </a:endParaRPr>
+          </a:p>
+        </p:txBody>
+      </p:sp>
+      <p:cxnSp>
+        <p:nvCxnSpPr>
+          <p:cNvPr id="28" name="Straight Arrow Connector 27"/>
+          <p:cNvCxnSpPr/>
+          <p:nvPr/>
+        </p:nvCxnSpPr>
+        <p:spPr>
+          <a:xfrm flipH="1">
+            <a:off x="5287161" y="2293797"/>
+            <a:ext cx="4488" cy="274229"/>
+          </a:xfrm>
+          <a:prstGeom prst="straightConnector1">
+            <a:avLst/>
+          </a:prstGeom>
+          <a:ln>
+            <a:tailEnd type="triangle"/>
+          </a:ln>
+        </p:spPr>
+        <p:style>
+          <a:lnRef idx="1">
+            <a:schemeClr val="dk1"/>
+          </a:lnRef>
+          <a:fillRef idx="0">
+            <a:schemeClr val="dk1"/>
+          </a:fillRef>
+          <a:effectRef idx="0">
+            <a:schemeClr val="dk1"/>
+          </a:effectRef>
+          <a:fontRef idx="minor">
+            <a:schemeClr val="tx1"/>
+          </a:fontRef>
+        </p:style>
+      </p:cxnSp>
+      <p:sp>
+        <p:nvSpPr>
+          <p:cNvPr id="29" name="TextBox 28"/>
+          <p:cNvSpPr txBox="1"/>
+          <p:nvPr/>
+        </p:nvSpPr>
+        <p:spPr>
+          <a:xfrm>
+            <a:off x="3127701" y="2512126"/>
+            <a:ext cx="4327895" cy="577081"/>
+          </a:xfrm>
+          <a:prstGeom prst="rect">
+            <a:avLst/>
+          </a:prstGeom>
+          <a:noFill/>
+          <a:ln w="12700" cmpd="sng">
+            <a:noFill/>
+            <a:prstDash val="solid"/>
+          </a:ln>
+        </p:spPr>
+        <p:txBody>
+          <a:bodyPr wrap="square" rtlCol="0">
+            <a:spAutoFit/>
+          </a:bodyPr>
+          <a:lstStyle/>
+          <a:p>
+            <a:pPr algn="ctr"/>
+            <a:r>
+              <a:rPr lang="en-US" sz="1050" dirty="0" err="1" smtClean="0">
+                <a:latin typeface="Courier New"/>
+                <a:cs typeface="Courier New"/>
+              </a:rPr>
+              <a:t>polygonPositionsByteLength</a:t>
+            </a:r>
+            <a:r>
+              <a:rPr lang="en-US" sz="1050" dirty="0" smtClean="0">
+                <a:latin typeface="Courier New"/>
+                <a:cs typeface="Courier New"/>
+              </a:rPr>
+              <a:t> + </a:t>
+            </a:r>
+            <a:r>
+              <a:rPr lang="en-US" sz="1050" dirty="0" err="1" smtClean="0">
+                <a:latin typeface="Courier New"/>
+                <a:cs typeface="Courier New"/>
+              </a:rPr>
+              <a:t>polylinePositionsByteLength</a:t>
+            </a:r>
+            <a:endParaRPr lang="en-US" sz="1050" dirty="0" smtClean="0">
+              <a:latin typeface="Courier New"/>
+              <a:cs typeface="Courier New"/>
+            </a:endParaRPr>
+          </a:p>
+          <a:p>
+            <a:pPr algn="ctr"/>
+            <a:endParaRPr lang="en-US" sz="1050" dirty="0" smtClean="0">
+              <a:latin typeface="Courier New"/>
+              <a:cs typeface="Courier New"/>
+            </a:endParaRPr>
+          </a:p>
+        </p:txBody>
+      </p:sp>
+    </p:spTree>
+    <p:extLst>
+      <p:ext uri="{BB962C8B-B14F-4D97-AF65-F5344CB8AC3E}">
+        <p14:creationId xmlns:p14="http://schemas.microsoft.com/office/powerpoint/2010/main" val="312163150"/>
+      </p:ext>
+    </p:extLst>
+  </p:cSld>
+  <p:clrMapOvr>
+    <a:masterClrMapping/>
+  </p:clrMapOvr>
+</p:sld>
+</file>
+
+<file path=ppt/slides/slide5.xml><?xml version="1.0" encoding="utf-8"?>
+<p:sld xmlns:a="http://schemas.openxmlformats.org/drawingml/2006/main" xmlns:r="http://schemas.openxmlformats.org/officeDocument/2006/relationships" xmlns:p="http://schemas.openxmlformats.org/presentationml/2006/main">
+  <p:cSld>
+    <p:spTree>
+      <p:nvGrpSpPr>
+        <p:cNvPr id="1" name=""/>
+        <p:cNvGrpSpPr/>
+        <p:nvPr/>
+      </p:nvGrpSpPr>
+      <p:grpSpPr>
+        <a:xfrm>
+          <a:off x="0" y="0"/>
+          <a:ext cx="0" cy="0"/>
+          <a:chOff x="0" y="0"/>
+          <a:chExt cx="0" cy="0"/>
+        </a:xfrm>
+      </p:grpSpPr>
+      <p:cxnSp>
+        <p:nvCxnSpPr>
+          <p:cNvPr id="2" name="Straight Arrow Connector 1"/>
+          <p:cNvCxnSpPr/>
+          <p:nvPr/>
+        </p:nvCxnSpPr>
+        <p:spPr>
+          <a:xfrm>
+            <a:off x="516424" y="1314419"/>
+            <a:ext cx="5591921" cy="23588"/>
+          </a:xfrm>
+          <a:prstGeom prst="straightConnector1">
+            <a:avLst/>
+          </a:prstGeom>
+          <a:ln w="12700" cmpd="sng">
+            <a:solidFill>
+              <a:schemeClr val="tx1"/>
+            </a:solidFill>
+            <a:headEnd type="arrow"/>
+            <a:tailEnd type="arrow"/>
           </a:ln>
         </p:spPr>
         <p:style>
@@ -5336,31 +8283,480 @@
             <a:schemeClr val="tx1"/>
           </a:fontRef>
         </p:style>
-        <p:txBody>
-          <a:bodyPr rtlCol="0" anchor="ctr"/>
-          <a:lstStyle/>
-          <a:p>
-            <a:pPr algn="ctr"/>
-            <a:endParaRPr lang="en-US"/>
-          </a:p>
-        </p:txBody>
-      </p:sp>
-      <p:sp>
-        <p:nvSpPr>
-          <p:cNvPr id="18" name="Left Brace 17"/>
+      </p:cxnSp>
+      <p:sp>
+        <p:nvSpPr>
+          <p:cNvPr id="3" name="TextBox 2"/>
+          <p:cNvSpPr txBox="1"/>
+          <p:nvPr/>
+        </p:nvSpPr>
+        <p:spPr>
+          <a:xfrm>
+            <a:off x="557510" y="1740862"/>
+            <a:ext cx="261611" cy="246221"/>
+          </a:xfrm>
+          <a:prstGeom prst="rect">
+            <a:avLst/>
+          </a:prstGeom>
+          <a:noFill/>
+          <a:ln w="12700" cmpd="sng">
+            <a:solidFill>
+              <a:schemeClr val="tx1"/>
+            </a:solidFill>
+          </a:ln>
+        </p:spPr>
+        <p:txBody>
+          <a:bodyPr wrap="none" rtlCol="0">
+            <a:spAutoFit/>
+          </a:bodyPr>
+          <a:lstStyle/>
+          <a:p>
+            <a:pPr algn="ctr"/>
+            <a:r>
+              <a:rPr lang="en-US" sz="1000" dirty="0" smtClean="0">
+                <a:latin typeface="Courier New"/>
+                <a:cs typeface="Courier New"/>
+              </a:rPr>
+              <a:t>0</a:t>
+            </a:r>
+            <a:endParaRPr lang="en-US" sz="1000" dirty="0">
+              <a:latin typeface="Courier New"/>
+              <a:cs typeface="Courier New"/>
+            </a:endParaRPr>
+          </a:p>
+        </p:txBody>
+      </p:sp>
+      <p:sp>
+        <p:nvSpPr>
+          <p:cNvPr id="4" name="TextBox 3"/>
+          <p:cNvSpPr txBox="1"/>
+          <p:nvPr/>
+        </p:nvSpPr>
+        <p:spPr>
+          <a:xfrm>
+            <a:off x="819120" y="1740862"/>
+            <a:ext cx="261611" cy="246221"/>
+          </a:xfrm>
+          <a:prstGeom prst="rect">
+            <a:avLst/>
+          </a:prstGeom>
+          <a:noFill/>
+          <a:ln w="12700" cmpd="sng">
+            <a:solidFill>
+              <a:schemeClr val="tx1"/>
+            </a:solidFill>
+          </a:ln>
+        </p:spPr>
+        <p:txBody>
+          <a:bodyPr wrap="none" rtlCol="0">
+            <a:spAutoFit/>
+          </a:bodyPr>
+          <a:lstStyle/>
+          <a:p>
+            <a:pPr algn="ctr"/>
+            <a:r>
+              <a:rPr lang="en-US" sz="1000" dirty="0">
+                <a:latin typeface="Courier New"/>
+                <a:cs typeface="Courier New"/>
+              </a:rPr>
+              <a:t>1</a:t>
+            </a:r>
+          </a:p>
+        </p:txBody>
+      </p:sp>
+      <p:sp>
+        <p:nvSpPr>
+          <p:cNvPr id="5" name="TextBox 4"/>
+          <p:cNvSpPr txBox="1"/>
+          <p:nvPr/>
+        </p:nvSpPr>
+        <p:spPr>
+          <a:xfrm>
+            <a:off x="1470832" y="1740862"/>
+            <a:ext cx="261611" cy="246221"/>
+          </a:xfrm>
+          <a:prstGeom prst="rect">
+            <a:avLst/>
+          </a:prstGeom>
+          <a:noFill/>
+          <a:ln w="12700" cmpd="sng">
+            <a:solidFill>
+              <a:schemeClr val="tx1"/>
+            </a:solidFill>
+          </a:ln>
+        </p:spPr>
+        <p:txBody>
+          <a:bodyPr wrap="none" rtlCol="0">
+            <a:spAutoFit/>
+          </a:bodyPr>
+          <a:lstStyle/>
+          <a:p>
+            <a:pPr algn="ctr"/>
+            <a:r>
+              <a:rPr lang="en-US" sz="1000" dirty="0">
+                <a:latin typeface="Courier New"/>
+                <a:cs typeface="Courier New"/>
+              </a:rPr>
+              <a:t>3</a:t>
+            </a:r>
+          </a:p>
+        </p:txBody>
+      </p:sp>
+      <p:sp>
+        <p:nvSpPr>
+          <p:cNvPr id="6" name="TextBox 5"/>
+          <p:cNvSpPr txBox="1"/>
+          <p:nvPr/>
+        </p:nvSpPr>
+        <p:spPr>
+          <a:xfrm>
+            <a:off x="1731750" y="1740862"/>
+            <a:ext cx="261611" cy="246221"/>
+          </a:xfrm>
+          <a:prstGeom prst="rect">
+            <a:avLst/>
+          </a:prstGeom>
+          <a:noFill/>
+          <a:ln w="12700" cmpd="sng">
+            <a:solidFill>
+              <a:schemeClr val="tx1"/>
+            </a:solidFill>
+          </a:ln>
+        </p:spPr>
+        <p:txBody>
+          <a:bodyPr wrap="none" rtlCol="0">
+            <a:spAutoFit/>
+          </a:bodyPr>
+          <a:lstStyle/>
+          <a:p>
+            <a:pPr algn="ctr"/>
+            <a:r>
+              <a:rPr lang="en-US" sz="1000" dirty="0">
+                <a:latin typeface="Courier New"/>
+                <a:cs typeface="Courier New"/>
+              </a:rPr>
+              <a:t>4</a:t>
+            </a:r>
+          </a:p>
+        </p:txBody>
+      </p:sp>
+      <p:sp>
+        <p:nvSpPr>
+          <p:cNvPr id="7" name="TextBox 6"/>
+          <p:cNvSpPr txBox="1"/>
+          <p:nvPr/>
+        </p:nvSpPr>
+        <p:spPr>
+          <a:xfrm>
+            <a:off x="1992204" y="1740862"/>
+            <a:ext cx="261611" cy="246221"/>
+          </a:xfrm>
+          <a:prstGeom prst="rect">
+            <a:avLst/>
+          </a:prstGeom>
+          <a:noFill/>
+          <a:ln w="12700" cmpd="sng">
+            <a:solidFill>
+              <a:schemeClr val="tx1"/>
+            </a:solidFill>
+          </a:ln>
+        </p:spPr>
+        <p:txBody>
+          <a:bodyPr wrap="none" rtlCol="0">
+            <a:spAutoFit/>
+          </a:bodyPr>
+          <a:lstStyle/>
+          <a:p>
+            <a:pPr algn="ctr"/>
+            <a:r>
+              <a:rPr lang="en-US" sz="1000" dirty="0">
+                <a:latin typeface="Courier New"/>
+                <a:cs typeface="Courier New"/>
+              </a:rPr>
+              <a:t>5</a:t>
+            </a:r>
+          </a:p>
+        </p:txBody>
+      </p:sp>
+      <p:sp>
+        <p:nvSpPr>
+          <p:cNvPr id="8" name="TextBox 7"/>
+          <p:cNvSpPr txBox="1"/>
+          <p:nvPr/>
+        </p:nvSpPr>
+        <p:spPr>
+          <a:xfrm>
+            <a:off x="3161125" y="1740862"/>
+            <a:ext cx="261611" cy="246221"/>
+          </a:xfrm>
+          <a:prstGeom prst="rect">
+            <a:avLst/>
+          </a:prstGeom>
+          <a:noFill/>
+          <a:ln w="12700" cmpd="sng">
+            <a:solidFill>
+              <a:schemeClr val="tx1"/>
+            </a:solidFill>
+          </a:ln>
+        </p:spPr>
+        <p:txBody>
+          <a:bodyPr wrap="none" rtlCol="0">
+            <a:spAutoFit/>
+          </a:bodyPr>
+          <a:lstStyle/>
+          <a:p>
+            <a:pPr algn="ctr"/>
+            <a:r>
+              <a:rPr lang="en-US" sz="1000" dirty="0">
+                <a:latin typeface="Courier New"/>
+                <a:cs typeface="Courier New"/>
+              </a:rPr>
+              <a:t>7</a:t>
+            </a:r>
+          </a:p>
+        </p:txBody>
+      </p:sp>
+      <p:sp>
+        <p:nvSpPr>
+          <p:cNvPr id="9" name="TextBox 8"/>
+          <p:cNvSpPr txBox="1"/>
+          <p:nvPr/>
+        </p:nvSpPr>
+        <p:spPr>
+          <a:xfrm>
+            <a:off x="3425318" y="1740862"/>
+            <a:ext cx="261611" cy="246221"/>
+          </a:xfrm>
+          <a:prstGeom prst="rect">
+            <a:avLst/>
+          </a:prstGeom>
+          <a:noFill/>
+          <a:ln w="12700" cmpd="sng">
+            <a:solidFill>
+              <a:schemeClr val="tx1"/>
+            </a:solidFill>
+          </a:ln>
+        </p:spPr>
+        <p:txBody>
+          <a:bodyPr wrap="none" rtlCol="0">
+            <a:spAutoFit/>
+          </a:bodyPr>
+          <a:lstStyle/>
+          <a:p>
+            <a:pPr algn="ctr"/>
+            <a:r>
+              <a:rPr lang="en-US" sz="1000" dirty="0">
+                <a:latin typeface="Courier New"/>
+                <a:cs typeface="Courier New"/>
+              </a:rPr>
+              <a:t>8</a:t>
+            </a:r>
+          </a:p>
+        </p:txBody>
+      </p:sp>
+      <p:sp>
+        <p:nvSpPr>
+          <p:cNvPr id="10" name="TextBox 9"/>
+          <p:cNvSpPr txBox="1"/>
+          <p:nvPr/>
+        </p:nvSpPr>
+        <p:spPr>
+          <a:xfrm>
+            <a:off x="3682035" y="1740862"/>
+            <a:ext cx="261611" cy="246221"/>
+          </a:xfrm>
+          <a:prstGeom prst="rect">
+            <a:avLst/>
+          </a:prstGeom>
+          <a:noFill/>
+          <a:ln w="12700" cmpd="sng">
+            <a:solidFill>
+              <a:schemeClr val="tx1"/>
+            </a:solidFill>
+          </a:ln>
+        </p:spPr>
+        <p:txBody>
+          <a:bodyPr wrap="none" rtlCol="0">
+            <a:spAutoFit/>
+          </a:bodyPr>
+          <a:lstStyle/>
+          <a:p>
+            <a:pPr algn="ctr"/>
+            <a:r>
+              <a:rPr lang="en-US" sz="1000" dirty="0">
+                <a:latin typeface="Courier New"/>
+                <a:cs typeface="Courier New"/>
+              </a:rPr>
+              <a:t>9</a:t>
+            </a:r>
+          </a:p>
+        </p:txBody>
+      </p:sp>
+      <p:sp>
+        <p:nvSpPr>
+          <p:cNvPr id="11" name="TextBox 10"/>
+          <p:cNvSpPr txBox="1"/>
+          <p:nvPr/>
+        </p:nvSpPr>
+        <p:spPr>
+          <a:xfrm>
+            <a:off x="561414" y="541485"/>
+            <a:ext cx="261611" cy="246221"/>
+          </a:xfrm>
+          <a:prstGeom prst="rect">
+            <a:avLst/>
+          </a:prstGeom>
+          <a:noFill/>
+          <a:ln w="12700" cmpd="sng">
+            <a:solidFill>
+              <a:schemeClr val="tx1"/>
+            </a:solidFill>
+          </a:ln>
+        </p:spPr>
+        <p:txBody>
+          <a:bodyPr wrap="none" rtlCol="0">
+            <a:spAutoFit/>
+          </a:bodyPr>
+          <a:lstStyle/>
+          <a:p>
+            <a:pPr algn="ctr"/>
+            <a:r>
+              <a:rPr lang="en-US" sz="1000" dirty="0">
+                <a:latin typeface="Courier New"/>
+                <a:cs typeface="Courier New"/>
+              </a:rPr>
+              <a:t>3</a:t>
+            </a:r>
+          </a:p>
+        </p:txBody>
+      </p:sp>
+      <p:sp>
+        <p:nvSpPr>
+          <p:cNvPr id="12" name="TextBox 11"/>
+          <p:cNvSpPr txBox="1"/>
+          <p:nvPr/>
+        </p:nvSpPr>
+        <p:spPr>
+          <a:xfrm>
+            <a:off x="823024" y="541484"/>
+            <a:ext cx="261611" cy="246221"/>
+          </a:xfrm>
+          <a:prstGeom prst="rect">
+            <a:avLst/>
+          </a:prstGeom>
+          <a:noFill/>
+          <a:ln w="12700" cmpd="sng">
+            <a:solidFill>
+              <a:schemeClr val="tx1"/>
+            </a:solidFill>
+          </a:ln>
+        </p:spPr>
+        <p:txBody>
+          <a:bodyPr wrap="none" rtlCol="0">
+            <a:spAutoFit/>
+          </a:bodyPr>
+          <a:lstStyle/>
+          <a:p>
+            <a:pPr algn="ctr"/>
+            <a:r>
+              <a:rPr lang="en-US" sz="1000" dirty="0">
+                <a:latin typeface="Courier New"/>
+                <a:cs typeface="Courier New"/>
+              </a:rPr>
+              <a:t>6</a:t>
+            </a:r>
+          </a:p>
+        </p:txBody>
+      </p:sp>
+      <p:sp>
+        <p:nvSpPr>
+          <p:cNvPr id="13" name="TextBox 12"/>
+          <p:cNvSpPr txBox="1"/>
+          <p:nvPr/>
+        </p:nvSpPr>
+        <p:spPr>
+          <a:xfrm>
+            <a:off x="1084634" y="541483"/>
+            <a:ext cx="261611" cy="246221"/>
+          </a:xfrm>
+          <a:prstGeom prst="rect">
+            <a:avLst/>
+          </a:prstGeom>
+          <a:noFill/>
+          <a:ln w="12700" cmpd="sng">
+            <a:solidFill>
+              <a:schemeClr val="tx1"/>
+            </a:solidFill>
+          </a:ln>
+        </p:spPr>
+        <p:txBody>
+          <a:bodyPr wrap="none" rtlCol="0">
+            <a:spAutoFit/>
+          </a:bodyPr>
+          <a:lstStyle/>
+          <a:p>
+            <a:pPr algn="ctr"/>
+            <a:r>
+              <a:rPr lang="en-US" sz="1000" dirty="0">
+                <a:latin typeface="Courier New"/>
+                <a:cs typeface="Courier New"/>
+              </a:rPr>
+              <a:t>3</a:t>
+            </a:r>
+          </a:p>
+        </p:txBody>
+      </p:sp>
+      <p:sp>
+        <p:nvSpPr>
+          <p:cNvPr id="14" name="TextBox 13"/>
+          <p:cNvSpPr txBox="1"/>
+          <p:nvPr/>
+        </p:nvSpPr>
+        <p:spPr>
+          <a:xfrm>
+            <a:off x="1345087" y="541478"/>
+            <a:ext cx="261611" cy="246221"/>
+          </a:xfrm>
+          <a:prstGeom prst="rect">
+            <a:avLst/>
+          </a:prstGeom>
+          <a:noFill/>
+          <a:ln w="12700" cmpd="sng">
+            <a:solidFill>
+              <a:schemeClr val="tx1"/>
+            </a:solidFill>
+          </a:ln>
+        </p:spPr>
+        <p:txBody>
+          <a:bodyPr wrap="none" rtlCol="0">
+            <a:spAutoFit/>
+          </a:bodyPr>
+          <a:lstStyle/>
+          <a:p>
+            <a:pPr algn="ctr"/>
+            <a:r>
+              <a:rPr lang="en-US" sz="1000" dirty="0">
+                <a:latin typeface="Courier New"/>
+                <a:cs typeface="Courier New"/>
+              </a:rPr>
+              <a:t>6</a:t>
+            </a:r>
+          </a:p>
+        </p:txBody>
+      </p:sp>
+      <p:sp>
+        <p:nvSpPr>
+          <p:cNvPr id="15" name="Left Brace 14"/>
           <p:cNvSpPr/>
           <p:nvPr/>
         </p:nvSpPr>
         <p:spPr>
           <a:xfrm rot="5400000">
-            <a:off x="3455488" y="1206083"/>
-            <a:ext cx="193794" cy="782521"/>
+            <a:off x="850575" y="1207379"/>
+            <a:ext cx="197541" cy="783676"/>
           </a:xfrm>
           <a:prstGeom prst="leftBrace">
-            <a:avLst>
-              <a:gd name="adj1" fmla="val 8333"/>
-              <a:gd name="adj2" fmla="val 25329"/>
-            </a:avLst>
+            <a:avLst/>
           </a:prstGeom>
           <a:ln w="12700">
             <a:solidFill>
@@ -5391,21 +8787,159 @@
           </a:p>
         </p:txBody>
       </p:sp>
+      <p:sp>
+        <p:nvSpPr>
+          <p:cNvPr id="16" name="Left Brace 15"/>
+          <p:cNvSpPr/>
+          <p:nvPr/>
+        </p:nvSpPr>
+        <p:spPr>
+          <a:xfrm rot="5400000">
+            <a:off x="2158941" y="818696"/>
+            <a:ext cx="192493" cy="1558592"/>
+          </a:xfrm>
+          <a:prstGeom prst="leftBrace">
+            <a:avLst>
+              <a:gd name="adj1" fmla="val 8333"/>
+              <a:gd name="adj2" fmla="val 74345"/>
+            </a:avLst>
+          </a:prstGeom>
+          <a:ln w="12700">
+            <a:solidFill>
+              <a:schemeClr val="tx1"/>
+            </a:solidFill>
+          </a:ln>
+        </p:spPr>
+        <p:style>
+          <a:lnRef idx="2">
+            <a:schemeClr val="accent1"/>
+          </a:lnRef>
+          <a:fillRef idx="0">
+            <a:schemeClr val="accent1"/>
+          </a:fillRef>
+          <a:effectRef idx="1">
+            <a:schemeClr val="accent1"/>
+          </a:effectRef>
+          <a:fontRef idx="minor">
+            <a:schemeClr val="tx1"/>
+          </a:fontRef>
+        </p:style>
+        <p:txBody>
+          <a:bodyPr rtlCol="0" anchor="ctr"/>
+          <a:lstStyle/>
+          <a:p>
+            <a:pPr algn="ctr"/>
+            <a:endParaRPr lang="en-US"/>
+          </a:p>
+        </p:txBody>
+      </p:sp>
+      <p:sp>
+        <p:nvSpPr>
+          <p:cNvPr id="17" name="Left Brace 16"/>
+          <p:cNvSpPr/>
+          <p:nvPr/>
+        </p:nvSpPr>
+        <p:spPr>
+          <a:xfrm rot="5400000">
+            <a:off x="4999623" y="581740"/>
+            <a:ext cx="193793" cy="2031205"/>
+          </a:xfrm>
+          <a:prstGeom prst="leftBrace">
+            <a:avLst/>
+          </a:prstGeom>
+          <a:ln w="12700">
+            <a:solidFill>
+              <a:schemeClr val="tx1"/>
+            </a:solidFill>
+          </a:ln>
+        </p:spPr>
+        <p:style>
+          <a:lnRef idx="2">
+            <a:schemeClr val="accent1"/>
+          </a:lnRef>
+          <a:fillRef idx="0">
+            <a:schemeClr val="accent1"/>
+          </a:fillRef>
+          <a:effectRef idx="1">
+            <a:schemeClr val="accent1"/>
+          </a:effectRef>
+          <a:fontRef idx="minor">
+            <a:schemeClr val="tx1"/>
+          </a:fontRef>
+        </p:style>
+        <p:txBody>
+          <a:bodyPr rtlCol="0" anchor="ctr"/>
+          <a:lstStyle/>
+          <a:p>
+            <a:pPr algn="ctr"/>
+            <a:endParaRPr lang="en-US"/>
+          </a:p>
+        </p:txBody>
+      </p:sp>
+      <p:sp>
+        <p:nvSpPr>
+          <p:cNvPr id="18" name="Left Brace 17"/>
+          <p:cNvSpPr/>
+          <p:nvPr/>
+        </p:nvSpPr>
+        <p:spPr>
+          <a:xfrm rot="5400000">
+            <a:off x="3455488" y="1206083"/>
+            <a:ext cx="193794" cy="782521"/>
+          </a:xfrm>
+          <a:prstGeom prst="leftBrace">
+            <a:avLst>
+              <a:gd name="adj1" fmla="val 8333"/>
+              <a:gd name="adj2" fmla="val 25329"/>
+            </a:avLst>
+          </a:prstGeom>
+          <a:ln w="12700">
+            <a:solidFill>
+              <a:schemeClr val="tx1"/>
+            </a:solidFill>
+          </a:ln>
+        </p:spPr>
+        <p:style>
+          <a:lnRef idx="2">
+            <a:schemeClr val="accent1"/>
+          </a:lnRef>
+          <a:fillRef idx="0">
+            <a:schemeClr val="accent1"/>
+          </a:fillRef>
+          <a:effectRef idx="1">
+            <a:schemeClr val="accent1"/>
+          </a:effectRef>
+          <a:fontRef idx="minor">
+            <a:schemeClr val="tx1"/>
+          </a:fontRef>
+        </p:style>
+        <p:txBody>
+          <a:bodyPr rtlCol="0" anchor="ctr"/>
+          <a:lstStyle/>
+          <a:p>
+            <a:pPr algn="ctr"/>
+            <a:endParaRPr lang="en-US"/>
+          </a:p>
+        </p:txBody>
+      </p:sp>
       <p:cxnSp>
         <p:nvCxnSpPr>
           <p:cNvPr id="19" name="Curved Connector 18"/>
           <p:cNvCxnSpPr>
+            <a:stCxn id="12" idx="2"/>
             <a:endCxn id="16" idx="1"/>
           </p:cNvCxnSpPr>
           <p:nvPr/>
         </p:nvCxnSpPr>
         <p:spPr>
-          <a:xfrm>
-            <a:off x="688314" y="789333"/>
-            <a:ext cx="1187435" cy="712413"/>
-          </a:xfrm>
-          <a:prstGeom prst="curvedConnector2">
-            <a:avLst/>
+          <a:xfrm rot="16200000" flipH="1">
+            <a:off x="1057769" y="683765"/>
+            <a:ext cx="714041" cy="921919"/>
+          </a:xfrm>
+          <a:prstGeom prst="curvedConnector3">
+            <a:avLst>
+              <a:gd name="adj1" fmla="val 50000"/>
+            </a:avLst>
           </a:prstGeom>
           <a:ln w="12700">
             <a:tailEnd type="triangle"/>
@@ -5467,15 +9001,12 @@
       <p:cxnSp>
         <p:nvCxnSpPr>
           <p:cNvPr id="21" name="Curved Connector 20"/>
-          <p:cNvCxnSpPr>
-            <a:stCxn id="13" idx="2"/>
-            <a:endCxn id="18" idx="1"/>
-          </p:cNvCxnSpPr>
+          <p:cNvCxnSpPr/>
           <p:nvPr/>
         </p:nvCxnSpPr>
         <p:spPr>
           <a:xfrm rot="16200000" flipH="1">
-            <a:off x="2124069" y="-120926"/>
+            <a:off x="2127973" y="-130305"/>
             <a:ext cx="712743" cy="2530001"/>
           </a:xfrm>
           <a:prstGeom prst="curvedConnector3">

--- a/TileFormats/VectorData/figures/figues.pptx
+++ b/TileFormats/VectorData/figures/figues.pptx
@@ -10,6 +10,7 @@
     <p:sldId id="259" r:id="rId4"/>
     <p:sldId id="260" r:id="rId5"/>
     <p:sldId id="257" r:id="rId6"/>
+    <p:sldId id="261" r:id="rId7"/>
   </p:sldIdLst>
   <p:sldSz cx="10972800" cy="6858000"/>
   <p:notesSz cx="6858000" cy="9144000"/>
@@ -308,7 +309,7 @@
           <a:p>
             <a:fld id="{E44376AC-B3C2-8643-B9A3-A6905164CDF3}" type="datetimeFigureOut">
               <a:rPr lang="en-US" smtClean="0"/>
-              <a:t>6/28/2017</a:t>
+              <a:t>10/18/2017</a:t>
             </a:fld>
             <a:endParaRPr lang="en-US"/>
           </a:p>
@@ -478,7 +479,7 @@
           <a:p>
             <a:fld id="{E44376AC-B3C2-8643-B9A3-A6905164CDF3}" type="datetimeFigureOut">
               <a:rPr lang="en-US" smtClean="0"/>
-              <a:t>6/28/2017</a:t>
+              <a:t>10/18/2017</a:t>
             </a:fld>
             <a:endParaRPr lang="en-US"/>
           </a:p>
@@ -658,7 +659,7 @@
           <a:p>
             <a:fld id="{E44376AC-B3C2-8643-B9A3-A6905164CDF3}" type="datetimeFigureOut">
               <a:rPr lang="en-US" smtClean="0"/>
-              <a:t>6/28/2017</a:t>
+              <a:t>10/18/2017</a:t>
             </a:fld>
             <a:endParaRPr lang="en-US"/>
           </a:p>
@@ -828,7 +829,7 @@
           <a:p>
             <a:fld id="{E44376AC-B3C2-8643-B9A3-A6905164CDF3}" type="datetimeFigureOut">
               <a:rPr lang="en-US" smtClean="0"/>
-              <a:t>6/28/2017</a:t>
+              <a:t>10/18/2017</a:t>
             </a:fld>
             <a:endParaRPr lang="en-US"/>
           </a:p>
@@ -1074,7 +1075,7 @@
           <a:p>
             <a:fld id="{E44376AC-B3C2-8643-B9A3-A6905164CDF3}" type="datetimeFigureOut">
               <a:rPr lang="en-US" smtClean="0"/>
-              <a:t>6/28/2017</a:t>
+              <a:t>10/18/2017</a:t>
             </a:fld>
             <a:endParaRPr lang="en-US"/>
           </a:p>
@@ -1362,7 +1363,7 @@
           <a:p>
             <a:fld id="{E44376AC-B3C2-8643-B9A3-A6905164CDF3}" type="datetimeFigureOut">
               <a:rPr lang="en-US" smtClean="0"/>
-              <a:t>6/28/2017</a:t>
+              <a:t>10/18/2017</a:t>
             </a:fld>
             <a:endParaRPr lang="en-US"/>
           </a:p>
@@ -1784,7 +1785,7 @@
           <a:p>
             <a:fld id="{E44376AC-B3C2-8643-B9A3-A6905164CDF3}" type="datetimeFigureOut">
               <a:rPr lang="en-US" smtClean="0"/>
-              <a:t>6/28/2017</a:t>
+              <a:t>10/18/2017</a:t>
             </a:fld>
             <a:endParaRPr lang="en-US"/>
           </a:p>
@@ -1902,7 +1903,7 @@
           <a:p>
             <a:fld id="{E44376AC-B3C2-8643-B9A3-A6905164CDF3}" type="datetimeFigureOut">
               <a:rPr lang="en-US" smtClean="0"/>
-              <a:t>6/28/2017</a:t>
+              <a:t>10/18/2017</a:t>
             </a:fld>
             <a:endParaRPr lang="en-US"/>
           </a:p>
@@ -1997,7 +1998,7 @@
           <a:p>
             <a:fld id="{E44376AC-B3C2-8643-B9A3-A6905164CDF3}" type="datetimeFigureOut">
               <a:rPr lang="en-US" smtClean="0"/>
-              <a:t>6/28/2017</a:t>
+              <a:t>10/18/2017</a:t>
             </a:fld>
             <a:endParaRPr lang="en-US"/>
           </a:p>
@@ -2274,7 +2275,7 @@
           <a:p>
             <a:fld id="{E44376AC-B3C2-8643-B9A3-A6905164CDF3}" type="datetimeFigureOut">
               <a:rPr lang="en-US" smtClean="0"/>
-              <a:t>6/28/2017</a:t>
+              <a:t>10/18/2017</a:t>
             </a:fld>
             <a:endParaRPr lang="en-US"/>
           </a:p>
@@ -2527,7 +2528,7 @@
           <a:p>
             <a:fld id="{E44376AC-B3C2-8643-B9A3-A6905164CDF3}" type="datetimeFigureOut">
               <a:rPr lang="en-US" smtClean="0"/>
-              <a:t>6/28/2017</a:t>
+              <a:t>10/18/2017</a:t>
             </a:fld>
             <a:endParaRPr lang="en-US"/>
           </a:p>
@@ -2740,7 +2741,7 @@
           <a:p>
             <a:fld id="{E44376AC-B3C2-8643-B9A3-A6905164CDF3}" type="datetimeFigureOut">
               <a:rPr lang="en-US" smtClean="0"/>
-              <a:t>6/28/2017</a:t>
+              <a:t>10/18/2017</a:t>
             </a:fld>
             <a:endParaRPr lang="en-US"/>
           </a:p>
@@ -3756,7 +3757,7 @@
         <p:spPr>
           <a:xfrm>
             <a:off x="229919" y="3646285"/>
-            <a:ext cx="7542481" cy="0"/>
+            <a:ext cx="8433079" cy="19299"/>
           </a:xfrm>
           <a:prstGeom prst="straightConnector1">
             <a:avLst/>
@@ -4545,8 +4546,8 @@
         </p:nvSpPr>
         <p:spPr>
           <a:xfrm>
-            <a:off x="3833445" y="3878920"/>
-            <a:ext cx="3938955" cy="415498"/>
+            <a:off x="3833446" y="3878920"/>
+            <a:ext cx="2644338" cy="415498"/>
           </a:xfrm>
           <a:prstGeom prst="rect">
             <a:avLst/>
@@ -4573,6 +4574,56 @@
               </a:rPr>
               <a:t>positions</a:t>
             </a:r>
+          </a:p>
+          <a:p>
+            <a:pPr algn="ctr"/>
+            <a:endParaRPr lang="en-US" sz="1050" dirty="0" smtClean="0">
+              <a:latin typeface="Courier New"/>
+              <a:cs typeface="Courier New"/>
+            </a:endParaRPr>
+          </a:p>
+        </p:txBody>
+      </p:sp>
+      <p:sp>
+        <p:nvSpPr>
+          <p:cNvPr id="28" name="TextBox 27"/>
+          <p:cNvSpPr txBox="1"/>
+          <p:nvPr/>
+        </p:nvSpPr>
+        <p:spPr>
+          <a:xfrm>
+            <a:off x="6477784" y="3878920"/>
+            <a:ext cx="2185214" cy="415498"/>
+          </a:xfrm>
+          <a:prstGeom prst="rect">
+            <a:avLst/>
+          </a:prstGeom>
+          <a:noFill/>
+          <a:ln w="12700" cmpd="sng">
+            <a:solidFill>
+              <a:schemeClr val="tx1"/>
+            </a:solidFill>
+            <a:prstDash val="solid"/>
+          </a:ln>
+        </p:spPr>
+        <p:txBody>
+          <a:bodyPr wrap="square" rtlCol="0">
+            <a:spAutoFit/>
+          </a:bodyPr>
+          <a:lstStyle/>
+          <a:p>
+            <a:pPr algn="ctr"/>
+            <a:r>
+              <a:rPr lang="en-US" sz="1050" dirty="0" smtClean="0">
+                <a:latin typeface="Courier New"/>
+                <a:cs typeface="Courier New"/>
+              </a:rPr>
+              <a:t>meshes</a:t>
+            </a:r>
+            <a:endParaRPr lang="en-US" sz="1050" dirty="0" smtClean="0">
+              <a:latin typeface="Courier New"/>
+              <a:cs typeface="Courier New"/>
+            </a:endParaRPr>
           </a:p>
           <a:p>
             <a:pPr algn="ctr"/>
@@ -4849,7 +4900,7 @@
         <p:spPr>
           <a:xfrm>
             <a:off x="3833445" y="670241"/>
-            <a:ext cx="3938955" cy="415498"/>
+            <a:ext cx="2039817" cy="415498"/>
           </a:xfrm>
           <a:prstGeom prst="rect">
             <a:avLst/>
@@ -4894,8 +4945,8 @@
         </p:nvSpPr>
         <p:spPr>
           <a:xfrm rot="16200000">
-            <a:off x="5725198" y="-748128"/>
-            <a:ext cx="155448" cy="3938955"/>
+            <a:off x="4769951" y="195761"/>
+            <a:ext cx="166807" cy="2039819"/>
           </a:xfrm>
           <a:prstGeom prst="leftBrace">
             <a:avLst/>
@@ -4961,10 +5012,6 @@
               </a:rPr>
               <a:t>polygon positions</a:t>
             </a:r>
-            <a:endParaRPr lang="en-US" sz="1050" dirty="0" smtClean="0">
-              <a:latin typeface="Courier New"/>
-              <a:cs typeface="Courier New"/>
-            </a:endParaRPr>
           </a:p>
           <a:p>
             <a:pPr algn="ctr"/>
@@ -5018,10 +5065,6 @@
               </a:rPr>
               <a:t>olyline positions</a:t>
             </a:r>
-            <a:endParaRPr lang="en-US" sz="1050" dirty="0" smtClean="0">
-              <a:latin typeface="Courier New"/>
-              <a:cs typeface="Courier New"/>
-            </a:endParaRPr>
           </a:p>
           <a:p>
             <a:pPr algn="ctr"/>
@@ -5066,19 +5109,8 @@
                 <a:latin typeface="Courier New"/>
                 <a:cs typeface="Courier New"/>
               </a:rPr>
-              <a:t>p</a:t>
-            </a:r>
-            <a:r>
-              <a:rPr lang="en-US" sz="1050" dirty="0" smtClean="0">
-                <a:latin typeface="Courier New"/>
-                <a:cs typeface="Courier New"/>
-              </a:rPr>
-              <a:t>oint positions</a:t>
-            </a:r>
-            <a:endParaRPr lang="en-US" sz="1050" dirty="0" smtClean="0">
-              <a:latin typeface="Courier New"/>
-              <a:cs typeface="Courier New"/>
-            </a:endParaRPr>
+              <a:t>point positions</a:t>
+            </a:r>
           </a:p>
           <a:p>
             <a:pPr algn="ctr"/>
@@ -5139,12 +5171,12 @@
         </p:nvCxnSpPr>
         <p:spPr>
           <a:xfrm rot="5400000">
-            <a:off x="4681938" y="616055"/>
-            <a:ext cx="437967" cy="1804005"/>
+            <a:off x="4207154" y="1090839"/>
+            <a:ext cx="437967" cy="854437"/>
           </a:xfrm>
           <a:prstGeom prst="bentConnector3">
             <a:avLst>
-              <a:gd name="adj1" fmla="val 21242"/>
+              <a:gd name="adj1" fmla="val 33287"/>
             </a:avLst>
           </a:prstGeom>
           <a:ln>
@@ -5247,10 +5279,6 @@
               </a:rPr>
               <a:t> values</a:t>
             </a:r>
-            <a:endParaRPr lang="en-US" sz="1050" dirty="0" smtClean="0">
-              <a:latin typeface="Courier New"/>
-              <a:cs typeface="Courier New"/>
-            </a:endParaRPr>
           </a:p>
           <a:p>
             <a:pPr algn="ctr"/>
@@ -5297,10 +5325,6 @@
               </a:rPr>
               <a:t>v values</a:t>
             </a:r>
-            <a:endParaRPr lang="en-US" sz="1050" dirty="0" smtClean="0">
-              <a:latin typeface="Courier New"/>
-              <a:cs typeface="Courier New"/>
-            </a:endParaRPr>
           </a:p>
           <a:p>
             <a:pPr algn="ctr"/>
@@ -5522,10 +5546,6 @@
               </a:rPr>
               <a:t>0</a:t>
             </a:r>
-            <a:endParaRPr lang="en-US" sz="1050" dirty="0" smtClean="0">
-              <a:latin typeface="Courier New"/>
-              <a:cs typeface="Courier New"/>
-            </a:endParaRPr>
           </a:p>
           <a:p>
             <a:pPr algn="ctr"/>
@@ -5577,10 +5597,6 @@
               </a:rPr>
               <a:t> / 2</a:t>
             </a:r>
-            <a:endParaRPr lang="en-US" sz="1050" dirty="0" smtClean="0">
-              <a:latin typeface="Courier New"/>
-              <a:cs typeface="Courier New"/>
-            </a:endParaRPr>
           </a:p>
           <a:p>
             <a:pPr algn="ctr"/>
@@ -5624,6 +5640,56 @@
                 <a:cs typeface="Courier New"/>
               </a:rPr>
               <a:t>polygonPositionsByteLength</a:t>
+            </a:r>
+            <a:endParaRPr lang="en-US" sz="1050" dirty="0" smtClean="0">
+              <a:latin typeface="Courier New"/>
+              <a:cs typeface="Courier New"/>
+            </a:endParaRPr>
+          </a:p>
+          <a:p>
+            <a:pPr algn="ctr"/>
+            <a:endParaRPr lang="en-US" sz="1050" dirty="0" smtClean="0">
+              <a:latin typeface="Courier New"/>
+              <a:cs typeface="Courier New"/>
+            </a:endParaRPr>
+          </a:p>
+        </p:txBody>
+      </p:sp>
+      <p:sp>
+        <p:nvSpPr>
+          <p:cNvPr id="27" name="TextBox 26"/>
+          <p:cNvSpPr txBox="1"/>
+          <p:nvPr/>
+        </p:nvSpPr>
+        <p:spPr>
+          <a:xfrm>
+            <a:off x="5873265" y="670271"/>
+            <a:ext cx="1899136" cy="415498"/>
+          </a:xfrm>
+          <a:prstGeom prst="rect">
+            <a:avLst/>
+          </a:prstGeom>
+          <a:noFill/>
+          <a:ln w="12700" cmpd="sng">
+            <a:solidFill>
+              <a:schemeClr val="tx1"/>
+            </a:solidFill>
+            <a:prstDash val="solid"/>
+          </a:ln>
+        </p:spPr>
+        <p:txBody>
+          <a:bodyPr wrap="square" rtlCol="0">
+            <a:spAutoFit/>
+          </a:bodyPr>
+          <a:lstStyle/>
+          <a:p>
+            <a:pPr algn="ctr"/>
+            <a:r>
+              <a:rPr lang="en-US" sz="1050" dirty="0" smtClean="0">
+                <a:latin typeface="Courier New"/>
+                <a:cs typeface="Courier New"/>
+              </a:rPr>
+              <a:t>meshes</a:t>
             </a:r>
             <a:endParaRPr lang="en-US" sz="1050" dirty="0" smtClean="0">
               <a:latin typeface="Courier New"/>
@@ -5897,8 +5963,8 @@
         </p:nvSpPr>
         <p:spPr>
           <a:xfrm>
-            <a:off x="3833445" y="670241"/>
-            <a:ext cx="3938955" cy="415498"/>
+            <a:off x="3833445" y="664529"/>
+            <a:ext cx="1969479" cy="415498"/>
           </a:xfrm>
           <a:prstGeom prst="rect">
             <a:avLst/>
@@ -5943,8 +6009,8 @@
         </p:nvSpPr>
         <p:spPr>
           <a:xfrm rot="16200000">
-            <a:off x="5725198" y="-748128"/>
-            <a:ext cx="155448" cy="3938955"/>
+            <a:off x="4737949" y="238587"/>
+            <a:ext cx="155983" cy="1964991"/>
           </a:xfrm>
           <a:prstGeom prst="leftBrace">
             <a:avLst/>
@@ -6010,10 +6076,6 @@
               </a:rPr>
               <a:t>polygon positions</a:t>
             </a:r>
-            <a:endParaRPr lang="en-US" sz="1050" dirty="0" smtClean="0">
-              <a:latin typeface="Courier New"/>
-              <a:cs typeface="Courier New"/>
-            </a:endParaRPr>
           </a:p>
           <a:p>
             <a:pPr algn="ctr"/>
@@ -6067,10 +6129,6 @@
               </a:rPr>
               <a:t>olyline positions</a:t>
             </a:r>
-            <a:endParaRPr lang="en-US" sz="1050" dirty="0" smtClean="0">
-              <a:latin typeface="Courier New"/>
-              <a:cs typeface="Courier New"/>
-            </a:endParaRPr>
           </a:p>
           <a:p>
             <a:pPr algn="ctr"/>
@@ -6115,19 +6173,8 @@
                 <a:latin typeface="Courier New"/>
                 <a:cs typeface="Courier New"/>
               </a:rPr>
-              <a:t>p</a:t>
-            </a:r>
-            <a:r>
-              <a:rPr lang="en-US" sz="1050" dirty="0" smtClean="0">
-                <a:latin typeface="Courier New"/>
-                <a:cs typeface="Courier New"/>
-              </a:rPr>
-              <a:t>oint positions</a:t>
-            </a:r>
-            <a:endParaRPr lang="en-US" sz="1050" dirty="0" smtClean="0">
-              <a:latin typeface="Courier New"/>
-              <a:cs typeface="Courier New"/>
-            </a:endParaRPr>
+              <a:t>point positions</a:t>
+            </a:r>
           </a:p>
           <a:p>
             <a:pPr algn="ctr"/>
@@ -6188,12 +6235,12 @@
         </p:nvCxnSpPr>
         <p:spPr>
           <a:xfrm rot="5400000">
-            <a:off x="4681938" y="616055"/>
-            <a:ext cx="437967" cy="1804005"/>
+            <a:off x="4188447" y="1109546"/>
+            <a:ext cx="437967" cy="817023"/>
           </a:xfrm>
           <a:prstGeom prst="bentConnector3">
             <a:avLst>
-              <a:gd name="adj1" fmla="val 21242"/>
+              <a:gd name="adj1" fmla="val 35295"/>
             </a:avLst>
           </a:prstGeom>
           <a:ln>
@@ -6296,10 +6343,6 @@
               </a:rPr>
               <a:t> values</a:t>
             </a:r>
-            <a:endParaRPr lang="en-US" sz="1050" dirty="0" smtClean="0">
-              <a:latin typeface="Courier New"/>
-              <a:cs typeface="Courier New"/>
-            </a:endParaRPr>
           </a:p>
           <a:p>
             <a:pPr algn="ctr"/>
@@ -6346,10 +6389,6 @@
               </a:rPr>
               <a:t>v values</a:t>
             </a:r>
-            <a:endParaRPr lang="en-US" sz="1050" dirty="0" smtClean="0">
-              <a:latin typeface="Courier New"/>
-              <a:cs typeface="Courier New"/>
-            </a:endParaRPr>
           </a:p>
           <a:p>
             <a:pPr algn="ctr"/>
@@ -6571,10 +6610,6 @@
               </a:rPr>
               <a:t>0</a:t>
             </a:r>
-            <a:endParaRPr lang="en-US" sz="1050" dirty="0" smtClean="0">
-              <a:latin typeface="Courier New"/>
-              <a:cs typeface="Courier New"/>
-            </a:endParaRPr>
           </a:p>
           <a:p>
             <a:pPr algn="ctr"/>
@@ -6626,10 +6661,6 @@
               </a:rPr>
               <a:t> / 2</a:t>
             </a:r>
-            <a:endParaRPr lang="en-US" sz="1050" dirty="0" smtClean="0">
-              <a:latin typeface="Courier New"/>
-              <a:cs typeface="Courier New"/>
-            </a:endParaRPr>
           </a:p>
           <a:p>
             <a:pPr algn="ctr"/>
@@ -6688,10 +6719,6 @@
               </a:rPr>
               <a:t> / 3</a:t>
             </a:r>
-            <a:endParaRPr lang="en-US" sz="1050" dirty="0" smtClean="0">
-              <a:latin typeface="Courier New"/>
-              <a:cs typeface="Courier New"/>
-            </a:endParaRPr>
           </a:p>
           <a:p>
             <a:pPr algn="ctr"/>
@@ -6736,19 +6763,8 @@
                 <a:latin typeface="Courier New"/>
                 <a:cs typeface="Courier New"/>
               </a:rPr>
-              <a:t>height</a:t>
-            </a:r>
-            <a:r>
-              <a:rPr lang="en-US" sz="1050" dirty="0" smtClean="0">
-                <a:latin typeface="Courier New"/>
-                <a:cs typeface="Courier New"/>
-              </a:rPr>
-              <a:t> values</a:t>
-            </a:r>
-            <a:endParaRPr lang="en-US" sz="1050" dirty="0" smtClean="0">
-              <a:latin typeface="Courier New"/>
-              <a:cs typeface="Courier New"/>
-            </a:endParaRPr>
+              <a:t>height values</a:t>
+            </a:r>
           </a:p>
           <a:p>
             <a:pPr algn="ctr"/>
@@ -6906,6 +6922,56 @@
                 <a:cs typeface="Courier New"/>
               </a:rPr>
               <a:t>polygonPositionsByteLength</a:t>
+            </a:r>
+            <a:endParaRPr lang="en-US" sz="1050" dirty="0" smtClean="0">
+              <a:latin typeface="Courier New"/>
+              <a:cs typeface="Courier New"/>
+            </a:endParaRPr>
+          </a:p>
+          <a:p>
+            <a:pPr algn="ctr"/>
+            <a:endParaRPr lang="en-US" sz="1050" dirty="0" smtClean="0">
+              <a:latin typeface="Courier New"/>
+              <a:cs typeface="Courier New"/>
+            </a:endParaRPr>
+          </a:p>
+        </p:txBody>
+      </p:sp>
+      <p:sp>
+        <p:nvSpPr>
+          <p:cNvPr id="31" name="TextBox 30"/>
+          <p:cNvSpPr txBox="1"/>
+          <p:nvPr/>
+        </p:nvSpPr>
+        <p:spPr>
+          <a:xfrm>
+            <a:off x="5802924" y="664529"/>
+            <a:ext cx="1964990" cy="415498"/>
+          </a:xfrm>
+          <a:prstGeom prst="rect">
+            <a:avLst/>
+          </a:prstGeom>
+          <a:noFill/>
+          <a:ln w="12700" cmpd="sng">
+            <a:solidFill>
+              <a:schemeClr val="tx1"/>
+            </a:solidFill>
+            <a:prstDash val="solid"/>
+          </a:ln>
+        </p:spPr>
+        <p:txBody>
+          <a:bodyPr wrap="square" rtlCol="0">
+            <a:spAutoFit/>
+          </a:bodyPr>
+          <a:lstStyle/>
+          <a:p>
+            <a:pPr algn="ctr"/>
+            <a:r>
+              <a:rPr lang="en-US" sz="1050" dirty="0" smtClean="0">
+                <a:latin typeface="Courier New"/>
+                <a:cs typeface="Courier New"/>
+              </a:rPr>
+              <a:t>meshes</a:t>
             </a:r>
             <a:endParaRPr lang="en-US" sz="1050" dirty="0" smtClean="0">
               <a:latin typeface="Courier New"/>
@@ -7180,7 +7246,7 @@
         <p:spPr>
           <a:xfrm>
             <a:off x="3833445" y="670241"/>
-            <a:ext cx="3938955" cy="415498"/>
+            <a:ext cx="1969479" cy="415498"/>
           </a:xfrm>
           <a:prstGeom prst="rect">
             <a:avLst/>
@@ -7225,8 +7291,8 @@
         </p:nvSpPr>
         <p:spPr>
           <a:xfrm rot="16200000">
-            <a:off x="5725198" y="-748128"/>
-            <a:ext cx="155448" cy="3938955"/>
+            <a:off x="4730524" y="226672"/>
+            <a:ext cx="175324" cy="1969481"/>
           </a:xfrm>
           <a:prstGeom prst="leftBrace">
             <a:avLst/>
@@ -7292,10 +7358,6 @@
               </a:rPr>
               <a:t>polygon positions</a:t>
             </a:r>
-            <a:endParaRPr lang="en-US" sz="1050" dirty="0" smtClean="0">
-              <a:latin typeface="Courier New"/>
-              <a:cs typeface="Courier New"/>
-            </a:endParaRPr>
           </a:p>
           <a:p>
             <a:pPr algn="ctr"/>
@@ -7349,10 +7411,6 @@
               </a:rPr>
               <a:t>olyline positions</a:t>
             </a:r>
-            <a:endParaRPr lang="en-US" sz="1050" dirty="0" smtClean="0">
-              <a:latin typeface="Courier New"/>
-              <a:cs typeface="Courier New"/>
-            </a:endParaRPr>
           </a:p>
           <a:p>
             <a:pPr algn="ctr"/>
@@ -7397,19 +7455,8 @@
                 <a:latin typeface="Courier New"/>
                 <a:cs typeface="Courier New"/>
               </a:rPr>
-              <a:t>p</a:t>
-            </a:r>
-            <a:r>
-              <a:rPr lang="en-US" sz="1050" dirty="0" smtClean="0">
-                <a:latin typeface="Courier New"/>
-                <a:cs typeface="Courier New"/>
-              </a:rPr>
-              <a:t>oint positions</a:t>
-            </a:r>
-            <a:endParaRPr lang="en-US" sz="1050" dirty="0" smtClean="0">
-              <a:latin typeface="Courier New"/>
-              <a:cs typeface="Courier New"/>
-            </a:endParaRPr>
+              <a:t>point positions</a:t>
+            </a:r>
           </a:p>
           <a:p>
             <a:pPr algn="ctr"/>
@@ -7470,12 +7517,12 @@
         </p:nvCxnSpPr>
         <p:spPr>
           <a:xfrm rot="5400000">
-            <a:off x="4681938" y="616055"/>
-            <a:ext cx="437967" cy="1804005"/>
+            <a:off x="4189570" y="1108424"/>
+            <a:ext cx="437966" cy="819269"/>
           </a:xfrm>
           <a:prstGeom prst="bentConnector3">
             <a:avLst>
-              <a:gd name="adj1" fmla="val 21242"/>
+              <a:gd name="adj1" fmla="val 35294"/>
             </a:avLst>
           </a:prstGeom>
           <a:ln>
@@ -7578,10 +7625,6 @@
               </a:rPr>
               <a:t> values</a:t>
             </a:r>
-            <a:endParaRPr lang="en-US" sz="1050" dirty="0" smtClean="0">
-              <a:latin typeface="Courier New"/>
-              <a:cs typeface="Courier New"/>
-            </a:endParaRPr>
           </a:p>
           <a:p>
             <a:pPr algn="ctr"/>
@@ -7628,10 +7671,6 @@
               </a:rPr>
               <a:t>v values</a:t>
             </a:r>
-            <a:endParaRPr lang="en-US" sz="1050" dirty="0" smtClean="0">
-              <a:latin typeface="Courier New"/>
-              <a:cs typeface="Courier New"/>
-            </a:endParaRPr>
           </a:p>
           <a:p>
             <a:pPr algn="ctr"/>
@@ -7853,10 +7892,6 @@
               </a:rPr>
               <a:t>0</a:t>
             </a:r>
-            <a:endParaRPr lang="en-US" sz="1050" dirty="0" smtClean="0">
-              <a:latin typeface="Courier New"/>
-              <a:cs typeface="Courier New"/>
-            </a:endParaRPr>
           </a:p>
           <a:p>
             <a:pPr algn="ctr"/>
@@ -7908,10 +7943,6 @@
               </a:rPr>
               <a:t> / 2</a:t>
             </a:r>
-            <a:endParaRPr lang="en-US" sz="1050" dirty="0" smtClean="0">
-              <a:latin typeface="Courier New"/>
-              <a:cs typeface="Courier New"/>
-            </a:endParaRPr>
           </a:p>
           <a:p>
             <a:pPr algn="ctr"/>
@@ -7970,10 +8001,6 @@
               </a:rPr>
               <a:t> / 3</a:t>
             </a:r>
-            <a:endParaRPr lang="en-US" sz="1050" dirty="0" smtClean="0">
-              <a:latin typeface="Courier New"/>
-              <a:cs typeface="Courier New"/>
-            </a:endParaRPr>
           </a:p>
           <a:p>
             <a:pPr algn="ctr"/>
@@ -8018,19 +8045,8 @@
                 <a:latin typeface="Courier New"/>
                 <a:cs typeface="Courier New"/>
               </a:rPr>
-              <a:t>height</a:t>
-            </a:r>
-            <a:r>
-              <a:rPr lang="en-US" sz="1050" dirty="0" smtClean="0">
-                <a:latin typeface="Courier New"/>
-                <a:cs typeface="Courier New"/>
-              </a:rPr>
-              <a:t> values</a:t>
-            </a:r>
-            <a:endParaRPr lang="en-US" sz="1050" dirty="0" smtClean="0">
-              <a:latin typeface="Courier New"/>
-              <a:cs typeface="Courier New"/>
-            </a:endParaRPr>
+              <a:t>height values</a:t>
+            </a:r>
           </a:p>
           <a:p>
             <a:pPr algn="ctr"/>
@@ -8202,6 +8218,56 @@
                 <a:cs typeface="Courier New"/>
               </a:rPr>
               <a:t>polylinePositionsByteLength</a:t>
+            </a:r>
+            <a:endParaRPr lang="en-US" sz="1050" dirty="0" smtClean="0">
+              <a:latin typeface="Courier New"/>
+              <a:cs typeface="Courier New"/>
+            </a:endParaRPr>
+          </a:p>
+          <a:p>
+            <a:pPr algn="ctr"/>
+            <a:endParaRPr lang="en-US" sz="1050" dirty="0" smtClean="0">
+              <a:latin typeface="Courier New"/>
+              <a:cs typeface="Courier New"/>
+            </a:endParaRPr>
+          </a:p>
+        </p:txBody>
+      </p:sp>
+      <p:sp>
+        <p:nvSpPr>
+          <p:cNvPr id="30" name="TextBox 29"/>
+          <p:cNvSpPr txBox="1"/>
+          <p:nvPr/>
+        </p:nvSpPr>
+        <p:spPr>
+          <a:xfrm>
+            <a:off x="5802924" y="665063"/>
+            <a:ext cx="1969479" cy="415498"/>
+          </a:xfrm>
+          <a:prstGeom prst="rect">
+            <a:avLst/>
+          </a:prstGeom>
+          <a:noFill/>
+          <a:ln w="12700" cmpd="sng">
+            <a:solidFill>
+              <a:schemeClr val="tx1"/>
+            </a:solidFill>
+            <a:prstDash val="solid"/>
+          </a:ln>
+        </p:spPr>
+        <p:txBody>
+          <a:bodyPr wrap="square" rtlCol="0">
+            <a:spAutoFit/>
+          </a:bodyPr>
+          <a:lstStyle/>
+          <a:p>
+            <a:pPr algn="ctr"/>
+            <a:r>
+              <a:rPr lang="en-US" sz="1050" dirty="0" smtClean="0">
+                <a:latin typeface="Courier New"/>
+                <a:cs typeface="Courier New"/>
+              </a:rPr>
+              <a:t>meshes</a:t>
             </a:r>
             <a:endParaRPr lang="en-US" sz="1050" dirty="0" smtClean="0">
               <a:latin typeface="Courier New"/>
@@ -9606,6 +9672,1274 @@
     <p:extLst>
       <p:ext uri="{BB962C8B-B14F-4D97-AF65-F5344CB8AC3E}">
         <p14:creationId xmlns:p14="http://schemas.microsoft.com/office/powerpoint/2010/main" val="3916583805"/>
+      </p:ext>
+    </p:extLst>
+  </p:cSld>
+  <p:clrMapOvr>
+    <a:masterClrMapping/>
+  </p:clrMapOvr>
+</p:sld>
+</file>
+
+<file path=ppt/slides/slide6.xml><?xml version="1.0" encoding="utf-8"?>
+<p:sld xmlns:a="http://schemas.openxmlformats.org/drawingml/2006/main" xmlns:r="http://schemas.openxmlformats.org/officeDocument/2006/relationships" xmlns:p="http://schemas.openxmlformats.org/presentationml/2006/main">
+  <p:cSld>
+    <p:spTree>
+      <p:nvGrpSpPr>
+        <p:cNvPr id="1" name=""/>
+        <p:cNvGrpSpPr/>
+        <p:nvPr/>
+      </p:nvGrpSpPr>
+      <p:grpSpPr>
+        <a:xfrm>
+          <a:off x="0" y="0"/>
+          <a:ext cx="0" cy="0"/>
+          <a:chOff x="0" y="0"/>
+          <a:chExt cx="0" cy="0"/>
+        </a:xfrm>
+      </p:grpSpPr>
+      <p:sp>
+        <p:nvSpPr>
+          <p:cNvPr id="2" name="TextBox 1"/>
+          <p:cNvSpPr txBox="1"/>
+          <p:nvPr/>
+        </p:nvSpPr>
+        <p:spPr>
+          <a:xfrm>
+            <a:off x="2367038" y="670241"/>
+            <a:ext cx="1466407" cy="415498"/>
+          </a:xfrm>
+          <a:prstGeom prst="rect">
+            <a:avLst/>
+          </a:prstGeom>
+          <a:noFill/>
+          <a:ln w="12700" cmpd="sng">
+            <a:solidFill>
+              <a:schemeClr val="tx1"/>
+            </a:solidFill>
+            <a:prstDash val="solid"/>
+          </a:ln>
+        </p:spPr>
+        <p:txBody>
+          <a:bodyPr wrap="square" rtlCol="0">
+            <a:spAutoFit/>
+          </a:bodyPr>
+          <a:lstStyle/>
+          <a:p>
+            <a:pPr algn="ctr"/>
+            <a:r>
+              <a:rPr lang="en-US" sz="1050" dirty="0" smtClean="0">
+                <a:latin typeface="Courier New"/>
+                <a:cs typeface="Courier New"/>
+              </a:rPr>
+              <a:t>indices</a:t>
+            </a:r>
+          </a:p>
+          <a:p>
+            <a:pPr algn="ctr"/>
+            <a:endParaRPr lang="en-US" sz="1050" dirty="0" smtClean="0">
+              <a:latin typeface="Courier New"/>
+              <a:cs typeface="Courier New"/>
+            </a:endParaRPr>
+          </a:p>
+        </p:txBody>
+      </p:sp>
+      <p:sp>
+        <p:nvSpPr>
+          <p:cNvPr id="3" name="TextBox 2"/>
+          <p:cNvSpPr txBox="1"/>
+          <p:nvPr/>
+        </p:nvSpPr>
+        <p:spPr>
+          <a:xfrm>
+            <a:off x="1380872" y="670241"/>
+            <a:ext cx="986167" cy="415498"/>
+          </a:xfrm>
+          <a:prstGeom prst="rect">
+            <a:avLst/>
+          </a:prstGeom>
+          <a:noFill/>
+          <a:ln w="12700" cmpd="sng">
+            <a:solidFill>
+              <a:schemeClr val="tx1"/>
+            </a:solidFill>
+            <a:prstDash val="solid"/>
+          </a:ln>
+        </p:spPr>
+        <p:txBody>
+          <a:bodyPr wrap="none" rtlCol="0">
+            <a:spAutoFit/>
+          </a:bodyPr>
+          <a:lstStyle/>
+          <a:p>
+            <a:pPr algn="ctr"/>
+            <a:r>
+              <a:rPr lang="en-US" sz="1050" dirty="0" smtClean="0">
+                <a:latin typeface="Courier New"/>
+                <a:cs typeface="Courier New"/>
+              </a:rPr>
+              <a:t>batchTable</a:t>
+            </a:r>
+          </a:p>
+          <a:p>
+            <a:pPr algn="ctr"/>
+            <a:endParaRPr lang="en-US" sz="1050" dirty="0">
+              <a:latin typeface="Courier New"/>
+              <a:cs typeface="Courier New"/>
+            </a:endParaRPr>
+          </a:p>
+        </p:txBody>
+      </p:sp>
+      <p:sp>
+        <p:nvSpPr>
+          <p:cNvPr id="4" name="TextBox 3"/>
+          <p:cNvSpPr txBox="1"/>
+          <p:nvPr/>
+        </p:nvSpPr>
+        <p:spPr>
+          <a:xfrm>
+            <a:off x="234404" y="670241"/>
+            <a:ext cx="1146468" cy="415498"/>
+          </a:xfrm>
+          <a:prstGeom prst="rect">
+            <a:avLst/>
+          </a:prstGeom>
+          <a:noFill/>
+          <a:ln w="12700" cmpd="sng">
+            <a:solidFill>
+              <a:schemeClr val="tx1"/>
+            </a:solidFill>
+            <a:prstDash val="solid"/>
+          </a:ln>
+        </p:spPr>
+        <p:txBody>
+          <a:bodyPr wrap="none" rtlCol="0">
+            <a:spAutoFit/>
+          </a:bodyPr>
+          <a:lstStyle/>
+          <a:p>
+            <a:pPr algn="ctr"/>
+            <a:r>
+              <a:rPr lang="en-US" sz="1050" dirty="0" err="1" smtClean="0">
+                <a:latin typeface="Courier New"/>
+                <a:cs typeface="Courier New"/>
+              </a:rPr>
+              <a:t>featureTable</a:t>
+            </a:r>
+            <a:endParaRPr lang="en-US" sz="1050" dirty="0" smtClean="0">
+              <a:latin typeface="Courier New"/>
+              <a:cs typeface="Courier New"/>
+            </a:endParaRPr>
+          </a:p>
+          <a:p>
+            <a:pPr algn="ctr"/>
+            <a:endParaRPr lang="en-US" sz="1050" dirty="0" smtClean="0">
+              <a:latin typeface="Courier New"/>
+              <a:cs typeface="Courier New"/>
+            </a:endParaRPr>
+          </a:p>
+        </p:txBody>
+      </p:sp>
+      <p:cxnSp>
+        <p:nvCxnSpPr>
+          <p:cNvPr id="5" name="Straight Arrow Connector 4"/>
+          <p:cNvCxnSpPr/>
+          <p:nvPr/>
+        </p:nvCxnSpPr>
+        <p:spPr>
+          <a:xfrm>
+            <a:off x="229919" y="437606"/>
+            <a:ext cx="7542481" cy="0"/>
+          </a:xfrm>
+          <a:prstGeom prst="straightConnector1">
+            <a:avLst/>
+          </a:prstGeom>
+          <a:ln w="12700" cmpd="sng">
+            <a:solidFill>
+              <a:schemeClr val="tx1"/>
+            </a:solidFill>
+            <a:headEnd type="arrow"/>
+            <a:tailEnd type="arrow"/>
+          </a:ln>
+        </p:spPr>
+        <p:style>
+          <a:lnRef idx="2">
+            <a:schemeClr val="accent1"/>
+          </a:lnRef>
+          <a:fillRef idx="0">
+            <a:schemeClr val="accent1"/>
+          </a:fillRef>
+          <a:effectRef idx="1">
+            <a:schemeClr val="accent1"/>
+          </a:effectRef>
+          <a:fontRef idx="minor">
+            <a:schemeClr val="tx1"/>
+          </a:fontRef>
+        </p:style>
+      </p:cxnSp>
+      <p:sp>
+        <p:nvSpPr>
+          <p:cNvPr id="6" name="TextBox 5"/>
+          <p:cNvSpPr txBox="1"/>
+          <p:nvPr/>
+        </p:nvSpPr>
+        <p:spPr>
+          <a:xfrm>
+            <a:off x="3833445" y="210684"/>
+            <a:ext cx="492443" cy="246221"/>
+          </a:xfrm>
+          <a:prstGeom prst="rect">
+            <a:avLst/>
+          </a:prstGeom>
+          <a:noFill/>
+          <a:ln w="12700" cmpd="sng">
+            <a:noFill/>
+            <a:prstDash val="lgDash"/>
+          </a:ln>
+        </p:spPr>
+        <p:txBody>
+          <a:bodyPr wrap="none" rtlCol="0">
+            <a:spAutoFit/>
+          </a:bodyPr>
+          <a:lstStyle/>
+          <a:p>
+            <a:pPr algn="ctr"/>
+            <a:r>
+              <a:rPr lang="en-US" sz="1000" dirty="0" smtClean="0">
+                <a:latin typeface="Courier New"/>
+                <a:cs typeface="Courier New"/>
+              </a:rPr>
+              <a:t>body</a:t>
+            </a:r>
+            <a:endParaRPr lang="en-US" sz="1000" dirty="0">
+              <a:latin typeface="Courier New"/>
+              <a:cs typeface="Courier New"/>
+            </a:endParaRPr>
+          </a:p>
+        </p:txBody>
+      </p:sp>
+      <p:sp>
+        <p:nvSpPr>
+          <p:cNvPr id="7" name="TextBox 6"/>
+          <p:cNvSpPr txBox="1"/>
+          <p:nvPr/>
+        </p:nvSpPr>
+        <p:spPr>
+          <a:xfrm>
+            <a:off x="3833445" y="670241"/>
+            <a:ext cx="1969479" cy="415498"/>
+          </a:xfrm>
+          <a:prstGeom prst="rect">
+            <a:avLst/>
+          </a:prstGeom>
+          <a:noFill/>
+          <a:ln w="12700" cmpd="sng">
+            <a:solidFill>
+              <a:schemeClr val="tx1"/>
+            </a:solidFill>
+            <a:prstDash val="solid"/>
+          </a:ln>
+        </p:spPr>
+        <p:txBody>
+          <a:bodyPr wrap="square" rtlCol="0">
+            <a:spAutoFit/>
+          </a:bodyPr>
+          <a:lstStyle/>
+          <a:p>
+            <a:pPr algn="ctr"/>
+            <a:r>
+              <a:rPr lang="en-US" sz="1050" dirty="0" smtClean="0">
+                <a:latin typeface="Courier New"/>
+                <a:cs typeface="Courier New"/>
+              </a:rPr>
+              <a:t>positions</a:t>
+            </a:r>
+          </a:p>
+          <a:p>
+            <a:pPr algn="ctr"/>
+            <a:endParaRPr lang="en-US" sz="1050" dirty="0" smtClean="0">
+              <a:latin typeface="Courier New"/>
+              <a:cs typeface="Courier New"/>
+            </a:endParaRPr>
+          </a:p>
+        </p:txBody>
+      </p:sp>
+      <p:sp>
+        <p:nvSpPr>
+          <p:cNvPr id="8" name="Left Brace 7"/>
+          <p:cNvSpPr/>
+          <p:nvPr/>
+        </p:nvSpPr>
+        <p:spPr>
+          <a:xfrm rot="16200000">
+            <a:off x="6718744" y="246545"/>
+            <a:ext cx="175324" cy="1969481"/>
+          </a:xfrm>
+          <a:prstGeom prst="leftBrace">
+            <a:avLst/>
+          </a:prstGeom>
+          <a:ln/>
+        </p:spPr>
+        <p:style>
+          <a:lnRef idx="1">
+            <a:schemeClr val="dk1"/>
+          </a:lnRef>
+          <a:fillRef idx="0">
+            <a:schemeClr val="dk1"/>
+          </a:fillRef>
+          <a:effectRef idx="0">
+            <a:schemeClr val="dk1"/>
+          </a:effectRef>
+          <a:fontRef idx="minor">
+            <a:schemeClr val="tx1"/>
+          </a:fontRef>
+        </p:style>
+        <p:txBody>
+          <a:bodyPr rtlCol="0" anchor="ctr"/>
+          <a:lstStyle/>
+          <a:p>
+            <a:pPr algn="ctr"/>
+            <a:endParaRPr lang="en-US"/>
+          </a:p>
+        </p:txBody>
+      </p:sp>
+      <p:sp>
+        <p:nvSpPr>
+          <p:cNvPr id="9" name="TextBox 8"/>
+          <p:cNvSpPr txBox="1"/>
+          <p:nvPr/>
+        </p:nvSpPr>
+        <p:spPr>
+          <a:xfrm>
+            <a:off x="229917" y="1878299"/>
+            <a:ext cx="3769002" cy="415498"/>
+          </a:xfrm>
+          <a:prstGeom prst="rect">
+            <a:avLst/>
+          </a:prstGeom>
+          <a:noFill/>
+          <a:ln w="12700" cmpd="sng">
+            <a:solidFill>
+              <a:schemeClr val="tx1"/>
+            </a:solidFill>
+            <a:prstDash val="solid"/>
+          </a:ln>
+        </p:spPr>
+        <p:txBody>
+          <a:bodyPr wrap="square" rtlCol="0">
+            <a:spAutoFit/>
+          </a:bodyPr>
+          <a:lstStyle/>
+          <a:p>
+            <a:pPr algn="ctr"/>
+            <a:r>
+              <a:rPr lang="en-US" sz="1050" dirty="0" smtClean="0">
+                <a:latin typeface="Courier New"/>
+                <a:cs typeface="Courier New"/>
+              </a:rPr>
+              <a:t>indices</a:t>
+            </a:r>
+            <a:endParaRPr lang="en-US" sz="1050" dirty="0" smtClean="0">
+              <a:latin typeface="Courier New"/>
+              <a:cs typeface="Courier New"/>
+            </a:endParaRPr>
+          </a:p>
+          <a:p>
+            <a:pPr algn="ctr"/>
+            <a:endParaRPr lang="en-US" sz="1050" dirty="0" smtClean="0">
+              <a:latin typeface="Courier New"/>
+              <a:cs typeface="Courier New"/>
+            </a:endParaRPr>
+          </a:p>
+        </p:txBody>
+      </p:sp>
+      <p:sp>
+        <p:nvSpPr>
+          <p:cNvPr id="10" name="TextBox 9"/>
+          <p:cNvSpPr txBox="1"/>
+          <p:nvPr/>
+        </p:nvSpPr>
+        <p:spPr>
+          <a:xfrm>
+            <a:off x="3998916" y="1878299"/>
+            <a:ext cx="3768999" cy="415498"/>
+          </a:xfrm>
+          <a:prstGeom prst="rect">
+            <a:avLst/>
+          </a:prstGeom>
+          <a:noFill/>
+          <a:ln w="12700" cmpd="sng">
+            <a:solidFill>
+              <a:schemeClr val="tx1"/>
+            </a:solidFill>
+            <a:prstDash val="solid"/>
+          </a:ln>
+        </p:spPr>
+        <p:txBody>
+          <a:bodyPr wrap="square" rtlCol="0">
+            <a:spAutoFit/>
+          </a:bodyPr>
+          <a:lstStyle/>
+          <a:p>
+            <a:pPr algn="ctr"/>
+            <a:r>
+              <a:rPr lang="en-US" sz="1050" dirty="0" smtClean="0">
+                <a:latin typeface="Courier New"/>
+                <a:cs typeface="Courier New"/>
+              </a:rPr>
+              <a:t>positions</a:t>
+            </a:r>
+            <a:endParaRPr lang="en-US" sz="1050" dirty="0" smtClean="0">
+              <a:latin typeface="Courier New"/>
+              <a:cs typeface="Courier New"/>
+            </a:endParaRPr>
+          </a:p>
+          <a:p>
+            <a:pPr algn="ctr"/>
+            <a:endParaRPr lang="en-US" sz="1050" dirty="0" smtClean="0">
+              <a:latin typeface="Courier New"/>
+              <a:cs typeface="Courier New"/>
+            </a:endParaRPr>
+          </a:p>
+        </p:txBody>
+      </p:sp>
+      <p:sp>
+        <p:nvSpPr>
+          <p:cNvPr id="12" name="Right Brace 11"/>
+          <p:cNvSpPr/>
+          <p:nvPr/>
+        </p:nvSpPr>
+        <p:spPr>
+          <a:xfrm rot="16200000">
+            <a:off x="3962879" y="-1995920"/>
+            <a:ext cx="72076" cy="7537997"/>
+          </a:xfrm>
+          <a:prstGeom prst="rightBrace">
+            <a:avLst/>
+          </a:prstGeom>
+          <a:ln/>
+        </p:spPr>
+        <p:style>
+          <a:lnRef idx="1">
+            <a:schemeClr val="dk1"/>
+          </a:lnRef>
+          <a:fillRef idx="0">
+            <a:schemeClr val="dk1"/>
+          </a:fillRef>
+          <a:effectRef idx="0">
+            <a:schemeClr val="dk1"/>
+          </a:effectRef>
+          <a:fontRef idx="minor">
+            <a:schemeClr val="tx1"/>
+          </a:fontRef>
+        </p:style>
+        <p:txBody>
+          <a:bodyPr rtlCol="0" anchor="ctr"/>
+          <a:lstStyle/>
+          <a:p>
+            <a:pPr algn="ctr"/>
+            <a:endParaRPr lang="en-US"/>
+          </a:p>
+        </p:txBody>
+      </p:sp>
+      <p:cxnSp>
+        <p:nvCxnSpPr>
+          <p:cNvPr id="13" name="Elbow Connector 12"/>
+          <p:cNvCxnSpPr>
+            <a:stCxn id="8" idx="1"/>
+            <a:endCxn id="12" idx="1"/>
+          </p:cNvCxnSpPr>
+          <p:nvPr/>
+        </p:nvCxnSpPr>
+        <p:spPr>
+          <a:xfrm rot="5400000">
+            <a:off x="5193617" y="124250"/>
+            <a:ext cx="418093" cy="2807489"/>
+          </a:xfrm>
+          <a:prstGeom prst="bentConnector3">
+            <a:avLst>
+              <a:gd name="adj1" fmla="val 28013"/>
+            </a:avLst>
+          </a:prstGeom>
+          <a:ln>
+            <a:tailEnd type="triangle"/>
+          </a:ln>
+        </p:spPr>
+        <p:style>
+          <a:lnRef idx="1">
+            <a:schemeClr val="dk1"/>
+          </a:lnRef>
+          <a:fillRef idx="0">
+            <a:schemeClr val="dk1"/>
+          </a:fillRef>
+          <a:effectRef idx="0">
+            <a:schemeClr val="dk1"/>
+          </a:effectRef>
+          <a:fontRef idx="minor">
+            <a:schemeClr val="tx1"/>
+          </a:fontRef>
+        </p:style>
+      </p:cxnSp>
+      <p:sp>
+        <p:nvSpPr>
+          <p:cNvPr id="14" name="Right Brace 13"/>
+          <p:cNvSpPr/>
+          <p:nvPr/>
+        </p:nvSpPr>
+        <p:spPr>
+          <a:xfrm rot="5400000">
+            <a:off x="2033267" y="557999"/>
+            <a:ext cx="166789" cy="3764517"/>
+          </a:xfrm>
+          <a:prstGeom prst="rightBrace">
+            <a:avLst/>
+          </a:prstGeom>
+        </p:spPr>
+        <p:style>
+          <a:lnRef idx="1">
+            <a:schemeClr val="dk1"/>
+          </a:lnRef>
+          <a:fillRef idx="0">
+            <a:schemeClr val="dk1"/>
+          </a:fillRef>
+          <a:effectRef idx="0">
+            <a:schemeClr val="dk1"/>
+          </a:effectRef>
+          <a:fontRef idx="minor">
+            <a:schemeClr val="tx1"/>
+          </a:fontRef>
+        </p:style>
+        <p:txBody>
+          <a:bodyPr rtlCol="0" anchor="ctr"/>
+          <a:lstStyle/>
+          <a:p>
+            <a:pPr algn="ctr"/>
+            <a:endParaRPr lang="en-US"/>
+          </a:p>
+        </p:txBody>
+      </p:sp>
+      <p:sp>
+        <p:nvSpPr>
+          <p:cNvPr id="15" name="TextBox 14"/>
+          <p:cNvSpPr txBox="1"/>
+          <p:nvPr/>
+        </p:nvSpPr>
+        <p:spPr>
+          <a:xfrm>
+            <a:off x="197098" y="3670566"/>
+            <a:ext cx="2734010" cy="415498"/>
+          </a:xfrm>
+          <a:prstGeom prst="rect">
+            <a:avLst/>
+          </a:prstGeom>
+          <a:noFill/>
+          <a:ln w="12700" cmpd="sng">
+            <a:solidFill>
+              <a:schemeClr val="tx1"/>
+            </a:solidFill>
+            <a:prstDash val="solid"/>
+          </a:ln>
+        </p:spPr>
+        <p:txBody>
+          <a:bodyPr wrap="square" rtlCol="0">
+            <a:spAutoFit/>
+          </a:bodyPr>
+          <a:lstStyle/>
+          <a:p>
+            <a:pPr algn="ctr"/>
+            <a:r>
+              <a:rPr lang="en-US" sz="1050" dirty="0">
+                <a:latin typeface="Courier New"/>
+                <a:cs typeface="Courier New"/>
+              </a:rPr>
+              <a:t>o</a:t>
+            </a:r>
+            <a:r>
+              <a:rPr lang="en-US" sz="1050" dirty="0" smtClean="0">
+                <a:latin typeface="Courier New"/>
+                <a:cs typeface="Courier New"/>
+              </a:rPr>
+              <a:t>ther m</a:t>
+            </a:r>
+            <a:r>
+              <a:rPr lang="en-US" sz="1050" dirty="0" smtClean="0">
+                <a:latin typeface="Courier New"/>
+                <a:cs typeface="Courier New"/>
+              </a:rPr>
+              <a:t>esh indices</a:t>
+            </a:r>
+          </a:p>
+          <a:p>
+            <a:pPr algn="ctr"/>
+            <a:endParaRPr lang="en-US" sz="1050" dirty="0" smtClean="0">
+              <a:latin typeface="Courier New"/>
+              <a:cs typeface="Courier New"/>
+            </a:endParaRPr>
+          </a:p>
+        </p:txBody>
+      </p:sp>
+      <p:sp>
+        <p:nvSpPr>
+          <p:cNvPr id="16" name="TextBox 15"/>
+          <p:cNvSpPr txBox="1"/>
+          <p:nvPr/>
+        </p:nvSpPr>
+        <p:spPr>
+          <a:xfrm>
+            <a:off x="2931109" y="3670566"/>
+            <a:ext cx="2734010" cy="415498"/>
+          </a:xfrm>
+          <a:prstGeom prst="rect">
+            <a:avLst/>
+          </a:prstGeom>
+          <a:noFill/>
+          <a:ln w="12700" cmpd="sng">
+            <a:solidFill>
+              <a:schemeClr val="tx1"/>
+            </a:solidFill>
+            <a:prstDash val="solid"/>
+          </a:ln>
+        </p:spPr>
+        <p:txBody>
+          <a:bodyPr wrap="square" rtlCol="0">
+            <a:spAutoFit/>
+          </a:bodyPr>
+          <a:lstStyle/>
+          <a:p>
+            <a:pPr algn="ctr"/>
+            <a:r>
+              <a:rPr lang="en-US" sz="1050" dirty="0">
+                <a:latin typeface="Courier New"/>
+                <a:cs typeface="Courier New"/>
+              </a:rPr>
+              <a:t>m</a:t>
+            </a:r>
+            <a:r>
+              <a:rPr lang="en-US" sz="1050" dirty="0" smtClean="0">
+                <a:latin typeface="Courier New"/>
+                <a:cs typeface="Courier New"/>
+              </a:rPr>
+              <a:t>esh </a:t>
+            </a:r>
+            <a:r>
+              <a:rPr lang="en-US" sz="1050" dirty="0" err="1">
+                <a:latin typeface="Courier New"/>
+                <a:cs typeface="Courier New"/>
+              </a:rPr>
+              <a:t>i</a:t>
+            </a:r>
+            <a:r>
+              <a:rPr lang="en-US" sz="1050" dirty="0" smtClean="0">
+                <a:latin typeface="Courier New"/>
+                <a:cs typeface="Courier New"/>
+              </a:rPr>
+              <a:t> indices</a:t>
+            </a:r>
+            <a:endParaRPr lang="en-US" sz="1050" dirty="0" smtClean="0">
+              <a:latin typeface="Courier New"/>
+              <a:cs typeface="Courier New"/>
+            </a:endParaRPr>
+          </a:p>
+          <a:p>
+            <a:pPr algn="ctr"/>
+            <a:endParaRPr lang="en-US" sz="1050" dirty="0" smtClean="0">
+              <a:latin typeface="Courier New"/>
+              <a:cs typeface="Courier New"/>
+            </a:endParaRPr>
+          </a:p>
+        </p:txBody>
+      </p:sp>
+      <p:cxnSp>
+        <p:nvCxnSpPr>
+          <p:cNvPr id="18" name="Straight Arrow Connector 17"/>
+          <p:cNvCxnSpPr/>
+          <p:nvPr/>
+        </p:nvCxnSpPr>
+        <p:spPr>
+          <a:xfrm flipH="1">
+            <a:off x="2931108" y="4094856"/>
+            <a:ext cx="4488" cy="274229"/>
+          </a:xfrm>
+          <a:prstGeom prst="straightConnector1">
+            <a:avLst/>
+          </a:prstGeom>
+          <a:ln>
+            <a:tailEnd type="triangle"/>
+          </a:ln>
+        </p:spPr>
+        <p:style>
+          <a:lnRef idx="1">
+            <a:schemeClr val="dk1"/>
+          </a:lnRef>
+          <a:fillRef idx="0">
+            <a:schemeClr val="dk1"/>
+          </a:fillRef>
+          <a:effectRef idx="0">
+            <a:schemeClr val="dk1"/>
+          </a:effectRef>
+          <a:fontRef idx="minor">
+            <a:schemeClr val="tx1"/>
+          </a:fontRef>
+        </p:style>
+      </p:cxnSp>
+      <p:cxnSp>
+        <p:nvCxnSpPr>
+          <p:cNvPr id="19" name="Straight Arrow Connector 18"/>
+          <p:cNvCxnSpPr/>
+          <p:nvPr/>
+        </p:nvCxnSpPr>
+        <p:spPr>
+          <a:xfrm flipH="1">
+            <a:off x="5659314" y="4086064"/>
+            <a:ext cx="4488" cy="274229"/>
+          </a:xfrm>
+          <a:prstGeom prst="straightConnector1">
+            <a:avLst/>
+          </a:prstGeom>
+          <a:ln>
+            <a:tailEnd type="triangle"/>
+          </a:ln>
+        </p:spPr>
+        <p:style>
+          <a:lnRef idx="1">
+            <a:schemeClr val="dk1"/>
+          </a:lnRef>
+          <a:fillRef idx="0">
+            <a:schemeClr val="dk1"/>
+          </a:fillRef>
+          <a:effectRef idx="0">
+            <a:schemeClr val="dk1"/>
+          </a:effectRef>
+          <a:fontRef idx="minor">
+            <a:schemeClr val="tx1"/>
+          </a:fontRef>
+        </p:style>
+      </p:cxnSp>
+      <p:sp>
+        <p:nvSpPr>
+          <p:cNvPr id="20" name="Right Brace 19"/>
+          <p:cNvSpPr/>
+          <p:nvPr/>
+        </p:nvSpPr>
+        <p:spPr>
+          <a:xfrm rot="16200000">
+            <a:off x="4221660" y="-569970"/>
+            <a:ext cx="158709" cy="8196227"/>
+          </a:xfrm>
+          <a:prstGeom prst="rightBrace">
+            <a:avLst/>
+          </a:prstGeom>
+        </p:spPr>
+        <p:style>
+          <a:lnRef idx="1">
+            <a:schemeClr val="dk1"/>
+          </a:lnRef>
+          <a:fillRef idx="0">
+            <a:schemeClr val="dk1"/>
+          </a:fillRef>
+          <a:effectRef idx="0">
+            <a:schemeClr val="dk1"/>
+          </a:effectRef>
+          <a:fontRef idx="minor">
+            <a:schemeClr val="tx1"/>
+          </a:fontRef>
+        </p:style>
+        <p:txBody>
+          <a:bodyPr rtlCol="0" anchor="ctr"/>
+          <a:lstStyle/>
+          <a:p>
+            <a:pPr algn="ctr"/>
+            <a:endParaRPr lang="en-US"/>
+          </a:p>
+        </p:txBody>
+      </p:sp>
+      <p:cxnSp>
+        <p:nvCxnSpPr>
+          <p:cNvPr id="21" name="Elbow Connector 20"/>
+          <p:cNvCxnSpPr>
+            <a:stCxn id="14" idx="1"/>
+            <a:endCxn id="20" idx="1"/>
+          </p:cNvCxnSpPr>
+          <p:nvPr/>
+        </p:nvCxnSpPr>
+        <p:spPr>
+          <a:xfrm rot="16200000" flipH="1">
+            <a:off x="2746269" y="1894043"/>
+            <a:ext cx="925137" cy="2184354"/>
+          </a:xfrm>
+          <a:prstGeom prst="bentConnector5">
+            <a:avLst>
+              <a:gd name="adj1" fmla="val 72229"/>
+              <a:gd name="adj2" fmla="val 50092"/>
+              <a:gd name="adj3" fmla="val 72439"/>
+            </a:avLst>
+          </a:prstGeom>
+          <a:ln>
+            <a:tailEnd type="triangle"/>
+          </a:ln>
+        </p:spPr>
+        <p:style>
+          <a:lnRef idx="1">
+            <a:schemeClr val="dk1"/>
+          </a:lnRef>
+          <a:fillRef idx="0">
+            <a:schemeClr val="dk1"/>
+          </a:fillRef>
+          <a:effectRef idx="0">
+            <a:schemeClr val="dk1"/>
+          </a:effectRef>
+          <a:fontRef idx="minor">
+            <a:schemeClr val="tx1"/>
+          </a:fontRef>
+        </p:style>
+      </p:cxnSp>
+      <p:sp>
+        <p:nvSpPr>
+          <p:cNvPr id="23" name="TextBox 22"/>
+          <p:cNvSpPr txBox="1"/>
+          <p:nvPr/>
+        </p:nvSpPr>
+        <p:spPr>
+          <a:xfrm>
+            <a:off x="1356471" y="4302162"/>
+            <a:ext cx="2734010" cy="415498"/>
+          </a:xfrm>
+          <a:prstGeom prst="rect">
+            <a:avLst/>
+          </a:prstGeom>
+          <a:noFill/>
+          <a:ln w="12700" cmpd="sng">
+            <a:noFill/>
+            <a:prstDash val="solid"/>
+          </a:ln>
+        </p:spPr>
+        <p:txBody>
+          <a:bodyPr wrap="square" rtlCol="0">
+            <a:spAutoFit/>
+          </a:bodyPr>
+          <a:lstStyle/>
+          <a:p>
+            <a:pPr algn="ctr"/>
+            <a:r>
+              <a:rPr lang="en-US" sz="1050" dirty="0" smtClean="0">
+                <a:latin typeface="Courier New"/>
+                <a:cs typeface="Courier New"/>
+              </a:rPr>
+              <a:t>MESH_INDEX_OFFSET[</a:t>
+            </a:r>
+            <a:r>
+              <a:rPr lang="en-US" sz="1050" dirty="0" err="1" smtClean="0">
+                <a:latin typeface="Courier New"/>
+                <a:cs typeface="Courier New"/>
+              </a:rPr>
+              <a:t>i</a:t>
+            </a:r>
+            <a:r>
+              <a:rPr lang="en-US" sz="1050" dirty="0" smtClean="0">
+                <a:latin typeface="Courier New"/>
+                <a:cs typeface="Courier New"/>
+              </a:rPr>
+              <a:t>]</a:t>
+            </a:r>
+            <a:endParaRPr lang="en-US" sz="1050" dirty="0" smtClean="0">
+              <a:latin typeface="Courier New"/>
+              <a:cs typeface="Courier New"/>
+            </a:endParaRPr>
+          </a:p>
+          <a:p>
+            <a:pPr algn="ctr"/>
+            <a:endParaRPr lang="en-US" sz="1050" dirty="0" smtClean="0">
+              <a:latin typeface="Courier New"/>
+              <a:cs typeface="Courier New"/>
+            </a:endParaRPr>
+          </a:p>
+        </p:txBody>
+      </p:sp>
+      <p:sp>
+        <p:nvSpPr>
+          <p:cNvPr id="24" name="TextBox 23"/>
+          <p:cNvSpPr txBox="1"/>
+          <p:nvPr/>
+        </p:nvSpPr>
+        <p:spPr>
+          <a:xfrm>
+            <a:off x="4273243" y="4302162"/>
+            <a:ext cx="3039820" cy="577081"/>
+          </a:xfrm>
+          <a:prstGeom prst="rect">
+            <a:avLst/>
+          </a:prstGeom>
+          <a:noFill/>
+          <a:ln w="12700" cmpd="sng">
+            <a:noFill/>
+            <a:prstDash val="solid"/>
+          </a:ln>
+        </p:spPr>
+        <p:txBody>
+          <a:bodyPr wrap="square" rtlCol="0">
+            <a:spAutoFit/>
+          </a:bodyPr>
+          <a:lstStyle/>
+          <a:p>
+            <a:pPr algn="ctr"/>
+            <a:r>
+              <a:rPr lang="en-US" sz="1050" dirty="0" smtClean="0">
+                <a:latin typeface="Courier New"/>
+                <a:cs typeface="Courier New"/>
+              </a:rPr>
+              <a:t>MESH_INDEX_OFFSET[</a:t>
+            </a:r>
+            <a:r>
+              <a:rPr lang="en-US" sz="1050" dirty="0" err="1" smtClean="0">
+                <a:latin typeface="Courier New"/>
+                <a:cs typeface="Courier New"/>
+              </a:rPr>
+              <a:t>i</a:t>
+            </a:r>
+            <a:r>
+              <a:rPr lang="en-US" sz="1050" dirty="0" smtClean="0">
+                <a:latin typeface="Courier New"/>
+                <a:cs typeface="Courier New"/>
+              </a:rPr>
+              <a:t>] + MESH_INDEX_COUNT[</a:t>
+            </a:r>
+            <a:r>
+              <a:rPr lang="en-US" sz="1050" dirty="0" err="1" smtClean="0">
+                <a:latin typeface="Courier New"/>
+                <a:cs typeface="Courier New"/>
+              </a:rPr>
+              <a:t>i</a:t>
+            </a:r>
+            <a:r>
+              <a:rPr lang="en-US" sz="1050" dirty="0" smtClean="0">
+                <a:latin typeface="Courier New"/>
+                <a:cs typeface="Courier New"/>
+              </a:rPr>
+              <a:t>]</a:t>
+            </a:r>
+            <a:endParaRPr lang="en-US" sz="1050" dirty="0" smtClean="0">
+              <a:latin typeface="Courier New"/>
+              <a:cs typeface="Courier New"/>
+            </a:endParaRPr>
+          </a:p>
+          <a:p>
+            <a:pPr algn="ctr"/>
+            <a:endParaRPr lang="en-US" sz="1050" dirty="0" smtClean="0">
+              <a:latin typeface="Courier New"/>
+              <a:cs typeface="Courier New"/>
+            </a:endParaRPr>
+          </a:p>
+        </p:txBody>
+      </p:sp>
+      <p:sp>
+        <p:nvSpPr>
+          <p:cNvPr id="25" name="TextBox 24"/>
+          <p:cNvSpPr txBox="1"/>
+          <p:nvPr/>
+        </p:nvSpPr>
+        <p:spPr>
+          <a:xfrm>
+            <a:off x="5665120" y="3670566"/>
+            <a:ext cx="2734010" cy="415498"/>
+          </a:xfrm>
+          <a:prstGeom prst="rect">
+            <a:avLst/>
+          </a:prstGeom>
+          <a:noFill/>
+          <a:ln w="12700" cmpd="sng">
+            <a:solidFill>
+              <a:schemeClr val="tx1"/>
+            </a:solidFill>
+            <a:prstDash val="solid"/>
+          </a:ln>
+        </p:spPr>
+        <p:txBody>
+          <a:bodyPr wrap="square" rtlCol="0">
+            <a:spAutoFit/>
+          </a:bodyPr>
+          <a:lstStyle/>
+          <a:p>
+            <a:pPr algn="ctr"/>
+            <a:r>
+              <a:rPr lang="en-US" sz="1050" dirty="0" smtClean="0">
+                <a:latin typeface="Courier New"/>
+                <a:cs typeface="Courier New"/>
+              </a:rPr>
+              <a:t>Other mesh indices</a:t>
+            </a:r>
+            <a:endParaRPr lang="en-US" sz="1050" dirty="0" smtClean="0">
+              <a:latin typeface="Courier New"/>
+              <a:cs typeface="Courier New"/>
+            </a:endParaRPr>
+          </a:p>
+          <a:p>
+            <a:pPr algn="ctr"/>
+            <a:endParaRPr lang="en-US" sz="1050" dirty="0" smtClean="0">
+              <a:latin typeface="Courier New"/>
+              <a:cs typeface="Courier New"/>
+            </a:endParaRPr>
+          </a:p>
+        </p:txBody>
+      </p:sp>
+      <p:cxnSp>
+        <p:nvCxnSpPr>
+          <p:cNvPr id="28" name="Straight Arrow Connector 27"/>
+          <p:cNvCxnSpPr/>
+          <p:nvPr/>
+        </p:nvCxnSpPr>
+        <p:spPr>
+          <a:xfrm flipH="1">
+            <a:off x="3999421" y="2303261"/>
+            <a:ext cx="4488" cy="274229"/>
+          </a:xfrm>
+          <a:prstGeom prst="straightConnector1">
+            <a:avLst/>
+          </a:prstGeom>
+          <a:ln>
+            <a:tailEnd type="triangle"/>
+          </a:ln>
+        </p:spPr>
+        <p:style>
+          <a:lnRef idx="1">
+            <a:schemeClr val="dk1"/>
+          </a:lnRef>
+          <a:fillRef idx="0">
+            <a:schemeClr val="dk1"/>
+          </a:fillRef>
+          <a:effectRef idx="0">
+            <a:schemeClr val="dk1"/>
+          </a:effectRef>
+          <a:fontRef idx="minor">
+            <a:schemeClr val="tx1"/>
+          </a:fontRef>
+        </p:style>
+      </p:cxnSp>
+      <p:sp>
+        <p:nvSpPr>
+          <p:cNvPr id="29" name="TextBox 28"/>
+          <p:cNvSpPr txBox="1"/>
+          <p:nvPr/>
+        </p:nvSpPr>
+        <p:spPr>
+          <a:xfrm>
+            <a:off x="2233486" y="2582754"/>
+            <a:ext cx="3588179" cy="577081"/>
+          </a:xfrm>
+          <a:prstGeom prst="rect">
+            <a:avLst/>
+          </a:prstGeom>
+          <a:noFill/>
+          <a:ln w="12700" cmpd="sng">
+            <a:noFill/>
+            <a:prstDash val="solid"/>
+          </a:ln>
+        </p:spPr>
+        <p:txBody>
+          <a:bodyPr wrap="square" rtlCol="0">
+            <a:spAutoFit/>
+          </a:bodyPr>
+          <a:lstStyle/>
+          <a:p>
+            <a:pPr algn="ctr"/>
+            <a:r>
+              <a:rPr lang="en-US" sz="1050" dirty="0" smtClean="0">
+                <a:latin typeface="Courier New"/>
+                <a:cs typeface="Courier New"/>
+              </a:rPr>
+              <a:t>MESH_INDEX_COUNTS[0] + … + MESH_INDEX_COUNTS[n]</a:t>
+            </a:r>
+            <a:endParaRPr lang="en-US" sz="1050" dirty="0" smtClean="0">
+              <a:latin typeface="Courier New"/>
+              <a:cs typeface="Courier New"/>
+            </a:endParaRPr>
+          </a:p>
+          <a:p>
+            <a:pPr algn="ctr"/>
+            <a:endParaRPr lang="en-US" sz="1050" dirty="0" smtClean="0">
+              <a:latin typeface="Courier New"/>
+              <a:cs typeface="Courier New"/>
+            </a:endParaRPr>
+          </a:p>
+        </p:txBody>
+      </p:sp>
+      <p:sp>
+        <p:nvSpPr>
+          <p:cNvPr id="30" name="TextBox 29"/>
+          <p:cNvSpPr txBox="1"/>
+          <p:nvPr/>
+        </p:nvSpPr>
+        <p:spPr>
+          <a:xfrm>
+            <a:off x="5802924" y="665063"/>
+            <a:ext cx="1969479" cy="415498"/>
+          </a:xfrm>
+          <a:prstGeom prst="rect">
+            <a:avLst/>
+          </a:prstGeom>
+          <a:noFill/>
+          <a:ln w="12700" cmpd="sng">
+            <a:solidFill>
+              <a:schemeClr val="tx1"/>
+            </a:solidFill>
+            <a:prstDash val="solid"/>
+          </a:ln>
+        </p:spPr>
+        <p:txBody>
+          <a:bodyPr wrap="square" rtlCol="0">
+            <a:spAutoFit/>
+          </a:bodyPr>
+          <a:lstStyle/>
+          <a:p>
+            <a:pPr algn="ctr"/>
+            <a:r>
+              <a:rPr lang="en-US" sz="1050" dirty="0" smtClean="0">
+                <a:latin typeface="Courier New"/>
+                <a:cs typeface="Courier New"/>
+              </a:rPr>
+              <a:t>meshes</a:t>
+            </a:r>
+            <a:endParaRPr lang="en-US" sz="1050" dirty="0" smtClean="0">
+              <a:latin typeface="Courier New"/>
+              <a:cs typeface="Courier New"/>
+            </a:endParaRPr>
+          </a:p>
+          <a:p>
+            <a:pPr algn="ctr"/>
+            <a:endParaRPr lang="en-US" sz="1050" dirty="0" smtClean="0">
+              <a:latin typeface="Courier New"/>
+              <a:cs typeface="Courier New"/>
+            </a:endParaRPr>
+          </a:p>
+        </p:txBody>
+      </p:sp>
+      <p:sp>
+        <p:nvSpPr>
+          <p:cNvPr id="41" name="Right Brace 40"/>
+          <p:cNvSpPr/>
+          <p:nvPr/>
+        </p:nvSpPr>
+        <p:spPr>
+          <a:xfrm rot="5400000">
+            <a:off x="5806750" y="567419"/>
+            <a:ext cx="166789" cy="3764517"/>
+          </a:xfrm>
+          <a:prstGeom prst="rightBrace">
+            <a:avLst/>
+          </a:prstGeom>
+        </p:spPr>
+        <p:style>
+          <a:lnRef idx="1">
+            <a:schemeClr val="dk1"/>
+          </a:lnRef>
+          <a:fillRef idx="0">
+            <a:schemeClr val="dk1"/>
+          </a:fillRef>
+          <a:effectRef idx="0">
+            <a:schemeClr val="dk1"/>
+          </a:effectRef>
+          <a:fontRef idx="minor">
+            <a:schemeClr val="tx1"/>
+          </a:fontRef>
+        </p:style>
+        <p:txBody>
+          <a:bodyPr rtlCol="0" anchor="ctr"/>
+          <a:lstStyle/>
+          <a:p>
+            <a:pPr algn="ctr"/>
+            <a:endParaRPr lang="en-US"/>
+          </a:p>
+        </p:txBody>
+      </p:sp>
+      <p:cxnSp>
+        <p:nvCxnSpPr>
+          <p:cNvPr id="42" name="Elbow Connector 41"/>
+          <p:cNvCxnSpPr>
+            <a:stCxn id="41" idx="1"/>
+          </p:cNvCxnSpPr>
+          <p:nvPr/>
+        </p:nvCxnSpPr>
+        <p:spPr>
+          <a:xfrm rot="16200000" flipH="1">
+            <a:off x="5987653" y="2435562"/>
+            <a:ext cx="403559" cy="598579"/>
+          </a:xfrm>
+          <a:prstGeom prst="bentConnector4">
+            <a:avLst>
+              <a:gd name="adj1" fmla="val 100220"/>
+              <a:gd name="adj2" fmla="val 56966"/>
+            </a:avLst>
+          </a:prstGeom>
+          <a:ln>
+            <a:tailEnd type="triangle"/>
+          </a:ln>
+        </p:spPr>
+        <p:style>
+          <a:lnRef idx="1">
+            <a:schemeClr val="dk1"/>
+          </a:lnRef>
+          <a:fillRef idx="0">
+            <a:schemeClr val="dk1"/>
+          </a:fillRef>
+          <a:effectRef idx="0">
+            <a:schemeClr val="dk1"/>
+          </a:effectRef>
+          <a:fontRef idx="minor">
+            <a:schemeClr val="tx1"/>
+          </a:fontRef>
+        </p:style>
+      </p:cxnSp>
+      <p:sp>
+        <p:nvSpPr>
+          <p:cNvPr id="73" name="TextBox 72"/>
+          <p:cNvSpPr txBox="1"/>
+          <p:nvPr/>
+        </p:nvSpPr>
+        <p:spPr>
+          <a:xfrm>
+            <a:off x="6488722" y="2810086"/>
+            <a:ext cx="1710817" cy="415498"/>
+          </a:xfrm>
+          <a:prstGeom prst="rect">
+            <a:avLst/>
+          </a:prstGeom>
+          <a:noFill/>
+          <a:ln w="12700" cmpd="sng">
+            <a:noFill/>
+            <a:prstDash val="solid"/>
+          </a:ln>
+        </p:spPr>
+        <p:txBody>
+          <a:bodyPr wrap="square" rtlCol="0">
+            <a:spAutoFit/>
+          </a:bodyPr>
+          <a:lstStyle/>
+          <a:p>
+            <a:pPr algn="ctr"/>
+            <a:r>
+              <a:rPr lang="en-US" sz="1050" dirty="0" smtClean="0">
+                <a:latin typeface="Courier New"/>
+                <a:cs typeface="Courier New"/>
+              </a:rPr>
+              <a:t>MESH_POSITION_COUNT</a:t>
+            </a:r>
+            <a:endParaRPr lang="en-US" sz="1050" dirty="0" smtClean="0">
+              <a:latin typeface="Courier New"/>
+              <a:cs typeface="Courier New"/>
+            </a:endParaRPr>
+          </a:p>
+          <a:p>
+            <a:pPr algn="ctr"/>
+            <a:endParaRPr lang="en-US" sz="1050" dirty="0" smtClean="0">
+              <a:latin typeface="Courier New"/>
+              <a:cs typeface="Courier New"/>
+            </a:endParaRPr>
+          </a:p>
+        </p:txBody>
+      </p:sp>
+    </p:spTree>
+    <p:extLst>
+      <p:ext uri="{BB962C8B-B14F-4D97-AF65-F5344CB8AC3E}">
+        <p14:creationId xmlns:p14="http://schemas.microsoft.com/office/powerpoint/2010/main" val="1205424035"/>
       </p:ext>
     </p:extLst>
   </p:cSld>

--- a/TileFormats/VectorData/figures/figues.pptx
+++ b/TileFormats/VectorData/figures/figues.pptx
@@ -10,7 +10,6 @@
     <p:sldId id="259" r:id="rId4"/>
     <p:sldId id="260" r:id="rId5"/>
     <p:sldId id="257" r:id="rId6"/>
-    <p:sldId id="261" r:id="rId7"/>
   </p:sldIdLst>
   <p:sldSz cx="10972800" cy="6858000"/>
   <p:notesSz cx="6858000" cy="9144000"/>
@@ -309,7 +308,7 @@
           <a:p>
             <a:fld id="{E44376AC-B3C2-8643-B9A3-A6905164CDF3}" type="datetimeFigureOut">
               <a:rPr lang="en-US" smtClean="0"/>
-              <a:t>10/18/2017</a:t>
+              <a:t>12/11/2017</a:t>
             </a:fld>
             <a:endParaRPr lang="en-US"/>
           </a:p>
@@ -479,7 +478,7 @@
           <a:p>
             <a:fld id="{E44376AC-B3C2-8643-B9A3-A6905164CDF3}" type="datetimeFigureOut">
               <a:rPr lang="en-US" smtClean="0"/>
-              <a:t>10/18/2017</a:t>
+              <a:t>12/11/2017</a:t>
             </a:fld>
             <a:endParaRPr lang="en-US"/>
           </a:p>
@@ -659,7 +658,7 @@
           <a:p>
             <a:fld id="{E44376AC-B3C2-8643-B9A3-A6905164CDF3}" type="datetimeFigureOut">
               <a:rPr lang="en-US" smtClean="0"/>
-              <a:t>10/18/2017</a:t>
+              <a:t>12/11/2017</a:t>
             </a:fld>
             <a:endParaRPr lang="en-US"/>
           </a:p>
@@ -829,7 +828,7 @@
           <a:p>
             <a:fld id="{E44376AC-B3C2-8643-B9A3-A6905164CDF3}" type="datetimeFigureOut">
               <a:rPr lang="en-US" smtClean="0"/>
-              <a:t>10/18/2017</a:t>
+              <a:t>12/11/2017</a:t>
             </a:fld>
             <a:endParaRPr lang="en-US"/>
           </a:p>
@@ -1075,7 +1074,7 @@
           <a:p>
             <a:fld id="{E44376AC-B3C2-8643-B9A3-A6905164CDF3}" type="datetimeFigureOut">
               <a:rPr lang="en-US" smtClean="0"/>
-              <a:t>10/18/2017</a:t>
+              <a:t>12/11/2017</a:t>
             </a:fld>
             <a:endParaRPr lang="en-US"/>
           </a:p>
@@ -1363,7 +1362,7 @@
           <a:p>
             <a:fld id="{E44376AC-B3C2-8643-B9A3-A6905164CDF3}" type="datetimeFigureOut">
               <a:rPr lang="en-US" smtClean="0"/>
-              <a:t>10/18/2017</a:t>
+              <a:t>12/11/2017</a:t>
             </a:fld>
             <a:endParaRPr lang="en-US"/>
           </a:p>
@@ -1785,7 +1784,7 @@
           <a:p>
             <a:fld id="{E44376AC-B3C2-8643-B9A3-A6905164CDF3}" type="datetimeFigureOut">
               <a:rPr lang="en-US" smtClean="0"/>
-              <a:t>10/18/2017</a:t>
+              <a:t>12/11/2017</a:t>
             </a:fld>
             <a:endParaRPr lang="en-US"/>
           </a:p>
@@ -1903,7 +1902,7 @@
           <a:p>
             <a:fld id="{E44376AC-B3C2-8643-B9A3-A6905164CDF3}" type="datetimeFigureOut">
               <a:rPr lang="en-US" smtClean="0"/>
-              <a:t>10/18/2017</a:t>
+              <a:t>12/11/2017</a:t>
             </a:fld>
             <a:endParaRPr lang="en-US"/>
           </a:p>
@@ -1998,7 +1997,7 @@
           <a:p>
             <a:fld id="{E44376AC-B3C2-8643-B9A3-A6905164CDF3}" type="datetimeFigureOut">
               <a:rPr lang="en-US" smtClean="0"/>
-              <a:t>10/18/2017</a:t>
+              <a:t>12/11/2017</a:t>
             </a:fld>
             <a:endParaRPr lang="en-US"/>
           </a:p>
@@ -2275,7 +2274,7 @@
           <a:p>
             <a:fld id="{E44376AC-B3C2-8643-B9A3-A6905164CDF3}" type="datetimeFigureOut">
               <a:rPr lang="en-US" smtClean="0"/>
-              <a:t>10/18/2017</a:t>
+              <a:t>12/11/2017</a:t>
             </a:fld>
             <a:endParaRPr lang="en-US"/>
           </a:p>
@@ -2528,7 +2527,7 @@
           <a:p>
             <a:fld id="{E44376AC-B3C2-8643-B9A3-A6905164CDF3}" type="datetimeFigureOut">
               <a:rPr lang="en-US" smtClean="0"/>
-              <a:t>10/18/2017</a:t>
+              <a:t>12/11/2017</a:t>
             </a:fld>
             <a:endParaRPr lang="en-US"/>
           </a:p>
@@ -2741,7 +2740,7 @@
           <a:p>
             <a:fld id="{E44376AC-B3C2-8643-B9A3-A6905164CDF3}" type="datetimeFigureOut">
               <a:rPr lang="en-US" smtClean="0"/>
-              <a:t>10/18/2017</a:t>
+              <a:t>12/11/2017</a:t>
             </a:fld>
             <a:endParaRPr lang="en-US"/>
           </a:p>
@@ -3757,7 +3756,7 @@
         <p:spPr>
           <a:xfrm>
             <a:off x="229919" y="3646285"/>
-            <a:ext cx="8433079" cy="19299"/>
+            <a:ext cx="6247865" cy="19299"/>
           </a:xfrm>
           <a:prstGeom prst="straightConnector1">
             <a:avLst/>
@@ -3793,7 +3792,7 @@
         </p:nvSpPr>
         <p:spPr>
           <a:xfrm>
-            <a:off x="3833445" y="3419363"/>
+            <a:off x="2587210" y="3409713"/>
             <a:ext cx="492443" cy="246221"/>
           </a:xfrm>
           <a:prstGeom prst="rect">
@@ -4574,56 +4573,6 @@
               </a:rPr>
               <a:t>positions</a:t>
             </a:r>
-          </a:p>
-          <a:p>
-            <a:pPr algn="ctr"/>
-            <a:endParaRPr lang="en-US" sz="1050" dirty="0" smtClean="0">
-              <a:latin typeface="Courier New"/>
-              <a:cs typeface="Courier New"/>
-            </a:endParaRPr>
-          </a:p>
-        </p:txBody>
-      </p:sp>
-      <p:sp>
-        <p:nvSpPr>
-          <p:cNvPr id="28" name="TextBox 27"/>
-          <p:cNvSpPr txBox="1"/>
-          <p:nvPr/>
-        </p:nvSpPr>
-        <p:spPr>
-          <a:xfrm>
-            <a:off x="6477784" y="3878920"/>
-            <a:ext cx="2185214" cy="415498"/>
-          </a:xfrm>
-          <a:prstGeom prst="rect">
-            <a:avLst/>
-          </a:prstGeom>
-          <a:noFill/>
-          <a:ln w="12700" cmpd="sng">
-            <a:solidFill>
-              <a:schemeClr val="tx1"/>
-            </a:solidFill>
-            <a:prstDash val="solid"/>
-          </a:ln>
-        </p:spPr>
-        <p:txBody>
-          <a:bodyPr wrap="square" rtlCol="0">
-            <a:spAutoFit/>
-          </a:bodyPr>
-          <a:lstStyle/>
-          <a:p>
-            <a:pPr algn="ctr"/>
-            <a:r>
-              <a:rPr lang="en-US" sz="1050" dirty="0" smtClean="0">
-                <a:latin typeface="Courier New"/>
-                <a:cs typeface="Courier New"/>
-              </a:rPr>
-              <a:t>meshes</a:t>
-            </a:r>
-            <a:endParaRPr lang="en-US" sz="1050" dirty="0" smtClean="0">
-              <a:latin typeface="Courier New"/>
-              <a:cs typeface="Courier New"/>
-            </a:endParaRPr>
           </a:p>
           <a:p>
             <a:pPr algn="ctr"/>
@@ -4822,7 +4771,7 @@
         <p:spPr>
           <a:xfrm>
             <a:off x="229919" y="437606"/>
-            <a:ext cx="7542481" cy="0"/>
+            <a:ext cx="5643345" cy="19299"/>
           </a:xfrm>
           <a:prstGeom prst="straightConnector1">
             <a:avLst/>
@@ -4858,7 +4807,7 @@
         </p:nvSpPr>
         <p:spPr>
           <a:xfrm>
-            <a:off x="3833445" y="210684"/>
+            <a:off x="2607798" y="219145"/>
             <a:ext cx="492443" cy="246221"/>
           </a:xfrm>
           <a:prstGeom prst="rect">
@@ -5640,56 +5589,6 @@
                 <a:cs typeface="Courier New"/>
               </a:rPr>
               <a:t>polygonPositionsByteLength</a:t>
-            </a:r>
-            <a:endParaRPr lang="en-US" sz="1050" dirty="0" smtClean="0">
-              <a:latin typeface="Courier New"/>
-              <a:cs typeface="Courier New"/>
-            </a:endParaRPr>
-          </a:p>
-          <a:p>
-            <a:pPr algn="ctr"/>
-            <a:endParaRPr lang="en-US" sz="1050" dirty="0" smtClean="0">
-              <a:latin typeface="Courier New"/>
-              <a:cs typeface="Courier New"/>
-            </a:endParaRPr>
-          </a:p>
-        </p:txBody>
-      </p:sp>
-      <p:sp>
-        <p:nvSpPr>
-          <p:cNvPr id="27" name="TextBox 26"/>
-          <p:cNvSpPr txBox="1"/>
-          <p:nvPr/>
-        </p:nvSpPr>
-        <p:spPr>
-          <a:xfrm>
-            <a:off x="5873265" y="670271"/>
-            <a:ext cx="1899136" cy="415498"/>
-          </a:xfrm>
-          <a:prstGeom prst="rect">
-            <a:avLst/>
-          </a:prstGeom>
-          <a:noFill/>
-          <a:ln w="12700" cmpd="sng">
-            <a:solidFill>
-              <a:schemeClr val="tx1"/>
-            </a:solidFill>
-            <a:prstDash val="solid"/>
-          </a:ln>
-        </p:spPr>
-        <p:txBody>
-          <a:bodyPr wrap="square" rtlCol="0">
-            <a:spAutoFit/>
-          </a:bodyPr>
-          <a:lstStyle/>
-          <a:p>
-            <a:pPr algn="ctr"/>
-            <a:r>
-              <a:rPr lang="en-US" sz="1050" dirty="0" smtClean="0">
-                <a:latin typeface="Courier New"/>
-                <a:cs typeface="Courier New"/>
-              </a:rPr>
-              <a:t>meshes</a:t>
             </a:r>
             <a:endParaRPr lang="en-US" sz="1050" dirty="0" smtClean="0">
               <a:latin typeface="Courier New"/>
@@ -5886,7 +5785,7 @@
         <p:spPr>
           <a:xfrm>
             <a:off x="229919" y="437606"/>
-            <a:ext cx="7542481" cy="0"/>
+            <a:ext cx="5573005" cy="19299"/>
           </a:xfrm>
           <a:prstGeom prst="straightConnector1">
             <a:avLst/>
@@ -5922,7 +5821,7 @@
         </p:nvSpPr>
         <p:spPr>
           <a:xfrm>
-            <a:off x="3833445" y="210684"/>
+            <a:off x="2607798" y="252600"/>
             <a:ext cx="492443" cy="246221"/>
           </a:xfrm>
           <a:prstGeom prst="rect">
@@ -6922,56 +6821,6 @@
                 <a:cs typeface="Courier New"/>
               </a:rPr>
               <a:t>polygonPositionsByteLength</a:t>
-            </a:r>
-            <a:endParaRPr lang="en-US" sz="1050" dirty="0" smtClean="0">
-              <a:latin typeface="Courier New"/>
-              <a:cs typeface="Courier New"/>
-            </a:endParaRPr>
-          </a:p>
-          <a:p>
-            <a:pPr algn="ctr"/>
-            <a:endParaRPr lang="en-US" sz="1050" dirty="0" smtClean="0">
-              <a:latin typeface="Courier New"/>
-              <a:cs typeface="Courier New"/>
-            </a:endParaRPr>
-          </a:p>
-        </p:txBody>
-      </p:sp>
-      <p:sp>
-        <p:nvSpPr>
-          <p:cNvPr id="31" name="TextBox 30"/>
-          <p:cNvSpPr txBox="1"/>
-          <p:nvPr/>
-        </p:nvSpPr>
-        <p:spPr>
-          <a:xfrm>
-            <a:off x="5802924" y="664529"/>
-            <a:ext cx="1964990" cy="415498"/>
-          </a:xfrm>
-          <a:prstGeom prst="rect">
-            <a:avLst/>
-          </a:prstGeom>
-          <a:noFill/>
-          <a:ln w="12700" cmpd="sng">
-            <a:solidFill>
-              <a:schemeClr val="tx1"/>
-            </a:solidFill>
-            <a:prstDash val="solid"/>
-          </a:ln>
-        </p:spPr>
-        <p:txBody>
-          <a:bodyPr wrap="square" rtlCol="0">
-            <a:spAutoFit/>
-          </a:bodyPr>
-          <a:lstStyle/>
-          <a:p>
-            <a:pPr algn="ctr"/>
-            <a:r>
-              <a:rPr lang="en-US" sz="1050" dirty="0" smtClean="0">
-                <a:latin typeface="Courier New"/>
-                <a:cs typeface="Courier New"/>
-              </a:rPr>
-              <a:t>meshes</a:t>
             </a:r>
             <a:endParaRPr lang="en-US" sz="1050" dirty="0" smtClean="0">
               <a:latin typeface="Courier New"/>
@@ -7168,7 +7017,7 @@
         <p:spPr>
           <a:xfrm>
             <a:off x="229919" y="437606"/>
-            <a:ext cx="7542481" cy="0"/>
+            <a:ext cx="5573008" cy="0"/>
           </a:xfrm>
           <a:prstGeom prst="straightConnector1">
             <a:avLst/>
@@ -7204,7 +7053,7 @@
         </p:nvSpPr>
         <p:spPr>
           <a:xfrm>
-            <a:off x="3833445" y="210684"/>
+            <a:off x="2717887" y="245522"/>
             <a:ext cx="492443" cy="246221"/>
           </a:xfrm>
           <a:prstGeom prst="rect">
@@ -8218,56 +8067,6 @@
                 <a:cs typeface="Courier New"/>
               </a:rPr>
               <a:t>polylinePositionsByteLength</a:t>
-            </a:r>
-            <a:endParaRPr lang="en-US" sz="1050" dirty="0" smtClean="0">
-              <a:latin typeface="Courier New"/>
-              <a:cs typeface="Courier New"/>
-            </a:endParaRPr>
-          </a:p>
-          <a:p>
-            <a:pPr algn="ctr"/>
-            <a:endParaRPr lang="en-US" sz="1050" dirty="0" smtClean="0">
-              <a:latin typeface="Courier New"/>
-              <a:cs typeface="Courier New"/>
-            </a:endParaRPr>
-          </a:p>
-        </p:txBody>
-      </p:sp>
-      <p:sp>
-        <p:nvSpPr>
-          <p:cNvPr id="30" name="TextBox 29"/>
-          <p:cNvSpPr txBox="1"/>
-          <p:nvPr/>
-        </p:nvSpPr>
-        <p:spPr>
-          <a:xfrm>
-            <a:off x="5802924" y="665063"/>
-            <a:ext cx="1969479" cy="415498"/>
-          </a:xfrm>
-          <a:prstGeom prst="rect">
-            <a:avLst/>
-          </a:prstGeom>
-          <a:noFill/>
-          <a:ln w="12700" cmpd="sng">
-            <a:solidFill>
-              <a:schemeClr val="tx1"/>
-            </a:solidFill>
-            <a:prstDash val="solid"/>
-          </a:ln>
-        </p:spPr>
-        <p:txBody>
-          <a:bodyPr wrap="square" rtlCol="0">
-            <a:spAutoFit/>
-          </a:bodyPr>
-          <a:lstStyle/>
-          <a:p>
-            <a:pPr algn="ctr"/>
-            <a:r>
-              <a:rPr lang="en-US" sz="1050" dirty="0" smtClean="0">
-                <a:latin typeface="Courier New"/>
-                <a:cs typeface="Courier New"/>
-              </a:rPr>
-              <a:t>meshes</a:t>
             </a:r>
             <a:endParaRPr lang="en-US" sz="1050" dirty="0" smtClean="0">
               <a:latin typeface="Courier New"/>
@@ -9672,1274 +9471,6 @@
     <p:extLst>
       <p:ext uri="{BB962C8B-B14F-4D97-AF65-F5344CB8AC3E}">
         <p14:creationId xmlns:p14="http://schemas.microsoft.com/office/powerpoint/2010/main" val="3916583805"/>
-      </p:ext>
-    </p:extLst>
-  </p:cSld>
-  <p:clrMapOvr>
-    <a:masterClrMapping/>
-  </p:clrMapOvr>
-</p:sld>
-</file>
-
-<file path=ppt/slides/slide6.xml><?xml version="1.0" encoding="utf-8"?>
-<p:sld xmlns:a="http://schemas.openxmlformats.org/drawingml/2006/main" xmlns:r="http://schemas.openxmlformats.org/officeDocument/2006/relationships" xmlns:p="http://schemas.openxmlformats.org/presentationml/2006/main">
-  <p:cSld>
-    <p:spTree>
-      <p:nvGrpSpPr>
-        <p:cNvPr id="1" name=""/>
-        <p:cNvGrpSpPr/>
-        <p:nvPr/>
-      </p:nvGrpSpPr>
-      <p:grpSpPr>
-        <a:xfrm>
-          <a:off x="0" y="0"/>
-          <a:ext cx="0" cy="0"/>
-          <a:chOff x="0" y="0"/>
-          <a:chExt cx="0" cy="0"/>
-        </a:xfrm>
-      </p:grpSpPr>
-      <p:sp>
-        <p:nvSpPr>
-          <p:cNvPr id="2" name="TextBox 1"/>
-          <p:cNvSpPr txBox="1"/>
-          <p:nvPr/>
-        </p:nvSpPr>
-        <p:spPr>
-          <a:xfrm>
-            <a:off x="2367038" y="670241"/>
-            <a:ext cx="1466407" cy="415498"/>
-          </a:xfrm>
-          <a:prstGeom prst="rect">
-            <a:avLst/>
-          </a:prstGeom>
-          <a:noFill/>
-          <a:ln w="12700" cmpd="sng">
-            <a:solidFill>
-              <a:schemeClr val="tx1"/>
-            </a:solidFill>
-            <a:prstDash val="solid"/>
-          </a:ln>
-        </p:spPr>
-        <p:txBody>
-          <a:bodyPr wrap="square" rtlCol="0">
-            <a:spAutoFit/>
-          </a:bodyPr>
-          <a:lstStyle/>
-          <a:p>
-            <a:pPr algn="ctr"/>
-            <a:r>
-              <a:rPr lang="en-US" sz="1050" dirty="0" smtClean="0">
-                <a:latin typeface="Courier New"/>
-                <a:cs typeface="Courier New"/>
-              </a:rPr>
-              <a:t>indices</a:t>
-            </a:r>
-          </a:p>
-          <a:p>
-            <a:pPr algn="ctr"/>
-            <a:endParaRPr lang="en-US" sz="1050" dirty="0" smtClean="0">
-              <a:latin typeface="Courier New"/>
-              <a:cs typeface="Courier New"/>
-            </a:endParaRPr>
-          </a:p>
-        </p:txBody>
-      </p:sp>
-      <p:sp>
-        <p:nvSpPr>
-          <p:cNvPr id="3" name="TextBox 2"/>
-          <p:cNvSpPr txBox="1"/>
-          <p:nvPr/>
-        </p:nvSpPr>
-        <p:spPr>
-          <a:xfrm>
-            <a:off x="1380872" y="670241"/>
-            <a:ext cx="986167" cy="415498"/>
-          </a:xfrm>
-          <a:prstGeom prst="rect">
-            <a:avLst/>
-          </a:prstGeom>
-          <a:noFill/>
-          <a:ln w="12700" cmpd="sng">
-            <a:solidFill>
-              <a:schemeClr val="tx1"/>
-            </a:solidFill>
-            <a:prstDash val="solid"/>
-          </a:ln>
-        </p:spPr>
-        <p:txBody>
-          <a:bodyPr wrap="none" rtlCol="0">
-            <a:spAutoFit/>
-          </a:bodyPr>
-          <a:lstStyle/>
-          <a:p>
-            <a:pPr algn="ctr"/>
-            <a:r>
-              <a:rPr lang="en-US" sz="1050" dirty="0" smtClean="0">
-                <a:latin typeface="Courier New"/>
-                <a:cs typeface="Courier New"/>
-              </a:rPr>
-              <a:t>batchTable</a:t>
-            </a:r>
-          </a:p>
-          <a:p>
-            <a:pPr algn="ctr"/>
-            <a:endParaRPr lang="en-US" sz="1050" dirty="0">
-              <a:latin typeface="Courier New"/>
-              <a:cs typeface="Courier New"/>
-            </a:endParaRPr>
-          </a:p>
-        </p:txBody>
-      </p:sp>
-      <p:sp>
-        <p:nvSpPr>
-          <p:cNvPr id="4" name="TextBox 3"/>
-          <p:cNvSpPr txBox="1"/>
-          <p:nvPr/>
-        </p:nvSpPr>
-        <p:spPr>
-          <a:xfrm>
-            <a:off x="234404" y="670241"/>
-            <a:ext cx="1146468" cy="415498"/>
-          </a:xfrm>
-          <a:prstGeom prst="rect">
-            <a:avLst/>
-          </a:prstGeom>
-          <a:noFill/>
-          <a:ln w="12700" cmpd="sng">
-            <a:solidFill>
-              <a:schemeClr val="tx1"/>
-            </a:solidFill>
-            <a:prstDash val="solid"/>
-          </a:ln>
-        </p:spPr>
-        <p:txBody>
-          <a:bodyPr wrap="none" rtlCol="0">
-            <a:spAutoFit/>
-          </a:bodyPr>
-          <a:lstStyle/>
-          <a:p>
-            <a:pPr algn="ctr"/>
-            <a:r>
-              <a:rPr lang="en-US" sz="1050" dirty="0" err="1" smtClean="0">
-                <a:latin typeface="Courier New"/>
-                <a:cs typeface="Courier New"/>
-              </a:rPr>
-              <a:t>featureTable</a:t>
-            </a:r>
-            <a:endParaRPr lang="en-US" sz="1050" dirty="0" smtClean="0">
-              <a:latin typeface="Courier New"/>
-              <a:cs typeface="Courier New"/>
-            </a:endParaRPr>
-          </a:p>
-          <a:p>
-            <a:pPr algn="ctr"/>
-            <a:endParaRPr lang="en-US" sz="1050" dirty="0" smtClean="0">
-              <a:latin typeface="Courier New"/>
-              <a:cs typeface="Courier New"/>
-            </a:endParaRPr>
-          </a:p>
-        </p:txBody>
-      </p:sp>
-      <p:cxnSp>
-        <p:nvCxnSpPr>
-          <p:cNvPr id="5" name="Straight Arrow Connector 4"/>
-          <p:cNvCxnSpPr/>
-          <p:nvPr/>
-        </p:nvCxnSpPr>
-        <p:spPr>
-          <a:xfrm>
-            <a:off x="229919" y="437606"/>
-            <a:ext cx="7542481" cy="0"/>
-          </a:xfrm>
-          <a:prstGeom prst="straightConnector1">
-            <a:avLst/>
-          </a:prstGeom>
-          <a:ln w="12700" cmpd="sng">
-            <a:solidFill>
-              <a:schemeClr val="tx1"/>
-            </a:solidFill>
-            <a:headEnd type="arrow"/>
-            <a:tailEnd type="arrow"/>
-          </a:ln>
-        </p:spPr>
-        <p:style>
-          <a:lnRef idx="2">
-            <a:schemeClr val="accent1"/>
-          </a:lnRef>
-          <a:fillRef idx="0">
-            <a:schemeClr val="accent1"/>
-          </a:fillRef>
-          <a:effectRef idx="1">
-            <a:schemeClr val="accent1"/>
-          </a:effectRef>
-          <a:fontRef idx="minor">
-            <a:schemeClr val="tx1"/>
-          </a:fontRef>
-        </p:style>
-      </p:cxnSp>
-      <p:sp>
-        <p:nvSpPr>
-          <p:cNvPr id="6" name="TextBox 5"/>
-          <p:cNvSpPr txBox="1"/>
-          <p:nvPr/>
-        </p:nvSpPr>
-        <p:spPr>
-          <a:xfrm>
-            <a:off x="3833445" y="210684"/>
-            <a:ext cx="492443" cy="246221"/>
-          </a:xfrm>
-          <a:prstGeom prst="rect">
-            <a:avLst/>
-          </a:prstGeom>
-          <a:noFill/>
-          <a:ln w="12700" cmpd="sng">
-            <a:noFill/>
-            <a:prstDash val="lgDash"/>
-          </a:ln>
-        </p:spPr>
-        <p:txBody>
-          <a:bodyPr wrap="none" rtlCol="0">
-            <a:spAutoFit/>
-          </a:bodyPr>
-          <a:lstStyle/>
-          <a:p>
-            <a:pPr algn="ctr"/>
-            <a:r>
-              <a:rPr lang="en-US" sz="1000" dirty="0" smtClean="0">
-                <a:latin typeface="Courier New"/>
-                <a:cs typeface="Courier New"/>
-              </a:rPr>
-              <a:t>body</a:t>
-            </a:r>
-            <a:endParaRPr lang="en-US" sz="1000" dirty="0">
-              <a:latin typeface="Courier New"/>
-              <a:cs typeface="Courier New"/>
-            </a:endParaRPr>
-          </a:p>
-        </p:txBody>
-      </p:sp>
-      <p:sp>
-        <p:nvSpPr>
-          <p:cNvPr id="7" name="TextBox 6"/>
-          <p:cNvSpPr txBox="1"/>
-          <p:nvPr/>
-        </p:nvSpPr>
-        <p:spPr>
-          <a:xfrm>
-            <a:off x="3833445" y="670241"/>
-            <a:ext cx="1969479" cy="415498"/>
-          </a:xfrm>
-          <a:prstGeom prst="rect">
-            <a:avLst/>
-          </a:prstGeom>
-          <a:noFill/>
-          <a:ln w="12700" cmpd="sng">
-            <a:solidFill>
-              <a:schemeClr val="tx1"/>
-            </a:solidFill>
-            <a:prstDash val="solid"/>
-          </a:ln>
-        </p:spPr>
-        <p:txBody>
-          <a:bodyPr wrap="square" rtlCol="0">
-            <a:spAutoFit/>
-          </a:bodyPr>
-          <a:lstStyle/>
-          <a:p>
-            <a:pPr algn="ctr"/>
-            <a:r>
-              <a:rPr lang="en-US" sz="1050" dirty="0" smtClean="0">
-                <a:latin typeface="Courier New"/>
-                <a:cs typeface="Courier New"/>
-              </a:rPr>
-              <a:t>positions</a:t>
-            </a:r>
-          </a:p>
-          <a:p>
-            <a:pPr algn="ctr"/>
-            <a:endParaRPr lang="en-US" sz="1050" dirty="0" smtClean="0">
-              <a:latin typeface="Courier New"/>
-              <a:cs typeface="Courier New"/>
-            </a:endParaRPr>
-          </a:p>
-        </p:txBody>
-      </p:sp>
-      <p:sp>
-        <p:nvSpPr>
-          <p:cNvPr id="8" name="Left Brace 7"/>
-          <p:cNvSpPr/>
-          <p:nvPr/>
-        </p:nvSpPr>
-        <p:spPr>
-          <a:xfrm rot="16200000">
-            <a:off x="6718744" y="246545"/>
-            <a:ext cx="175324" cy="1969481"/>
-          </a:xfrm>
-          <a:prstGeom prst="leftBrace">
-            <a:avLst/>
-          </a:prstGeom>
-          <a:ln/>
-        </p:spPr>
-        <p:style>
-          <a:lnRef idx="1">
-            <a:schemeClr val="dk1"/>
-          </a:lnRef>
-          <a:fillRef idx="0">
-            <a:schemeClr val="dk1"/>
-          </a:fillRef>
-          <a:effectRef idx="0">
-            <a:schemeClr val="dk1"/>
-          </a:effectRef>
-          <a:fontRef idx="minor">
-            <a:schemeClr val="tx1"/>
-          </a:fontRef>
-        </p:style>
-        <p:txBody>
-          <a:bodyPr rtlCol="0" anchor="ctr"/>
-          <a:lstStyle/>
-          <a:p>
-            <a:pPr algn="ctr"/>
-            <a:endParaRPr lang="en-US"/>
-          </a:p>
-        </p:txBody>
-      </p:sp>
-      <p:sp>
-        <p:nvSpPr>
-          <p:cNvPr id="9" name="TextBox 8"/>
-          <p:cNvSpPr txBox="1"/>
-          <p:nvPr/>
-        </p:nvSpPr>
-        <p:spPr>
-          <a:xfrm>
-            <a:off x="229917" y="1878299"/>
-            <a:ext cx="3769002" cy="415498"/>
-          </a:xfrm>
-          <a:prstGeom prst="rect">
-            <a:avLst/>
-          </a:prstGeom>
-          <a:noFill/>
-          <a:ln w="12700" cmpd="sng">
-            <a:solidFill>
-              <a:schemeClr val="tx1"/>
-            </a:solidFill>
-            <a:prstDash val="solid"/>
-          </a:ln>
-        </p:spPr>
-        <p:txBody>
-          <a:bodyPr wrap="square" rtlCol="0">
-            <a:spAutoFit/>
-          </a:bodyPr>
-          <a:lstStyle/>
-          <a:p>
-            <a:pPr algn="ctr"/>
-            <a:r>
-              <a:rPr lang="en-US" sz="1050" dirty="0" smtClean="0">
-                <a:latin typeface="Courier New"/>
-                <a:cs typeface="Courier New"/>
-              </a:rPr>
-              <a:t>indices</a:t>
-            </a:r>
-            <a:endParaRPr lang="en-US" sz="1050" dirty="0" smtClean="0">
-              <a:latin typeface="Courier New"/>
-              <a:cs typeface="Courier New"/>
-            </a:endParaRPr>
-          </a:p>
-          <a:p>
-            <a:pPr algn="ctr"/>
-            <a:endParaRPr lang="en-US" sz="1050" dirty="0" smtClean="0">
-              <a:latin typeface="Courier New"/>
-              <a:cs typeface="Courier New"/>
-            </a:endParaRPr>
-          </a:p>
-        </p:txBody>
-      </p:sp>
-      <p:sp>
-        <p:nvSpPr>
-          <p:cNvPr id="10" name="TextBox 9"/>
-          <p:cNvSpPr txBox="1"/>
-          <p:nvPr/>
-        </p:nvSpPr>
-        <p:spPr>
-          <a:xfrm>
-            <a:off x="3998916" y="1878299"/>
-            <a:ext cx="3768999" cy="415498"/>
-          </a:xfrm>
-          <a:prstGeom prst="rect">
-            <a:avLst/>
-          </a:prstGeom>
-          <a:noFill/>
-          <a:ln w="12700" cmpd="sng">
-            <a:solidFill>
-              <a:schemeClr val="tx1"/>
-            </a:solidFill>
-            <a:prstDash val="solid"/>
-          </a:ln>
-        </p:spPr>
-        <p:txBody>
-          <a:bodyPr wrap="square" rtlCol="0">
-            <a:spAutoFit/>
-          </a:bodyPr>
-          <a:lstStyle/>
-          <a:p>
-            <a:pPr algn="ctr"/>
-            <a:r>
-              <a:rPr lang="en-US" sz="1050" dirty="0" smtClean="0">
-                <a:latin typeface="Courier New"/>
-                <a:cs typeface="Courier New"/>
-              </a:rPr>
-              <a:t>positions</a:t>
-            </a:r>
-            <a:endParaRPr lang="en-US" sz="1050" dirty="0" smtClean="0">
-              <a:latin typeface="Courier New"/>
-              <a:cs typeface="Courier New"/>
-            </a:endParaRPr>
-          </a:p>
-          <a:p>
-            <a:pPr algn="ctr"/>
-            <a:endParaRPr lang="en-US" sz="1050" dirty="0" smtClean="0">
-              <a:latin typeface="Courier New"/>
-              <a:cs typeface="Courier New"/>
-            </a:endParaRPr>
-          </a:p>
-        </p:txBody>
-      </p:sp>
-      <p:sp>
-        <p:nvSpPr>
-          <p:cNvPr id="12" name="Right Brace 11"/>
-          <p:cNvSpPr/>
-          <p:nvPr/>
-        </p:nvSpPr>
-        <p:spPr>
-          <a:xfrm rot="16200000">
-            <a:off x="3962879" y="-1995920"/>
-            <a:ext cx="72076" cy="7537997"/>
-          </a:xfrm>
-          <a:prstGeom prst="rightBrace">
-            <a:avLst/>
-          </a:prstGeom>
-          <a:ln/>
-        </p:spPr>
-        <p:style>
-          <a:lnRef idx="1">
-            <a:schemeClr val="dk1"/>
-          </a:lnRef>
-          <a:fillRef idx="0">
-            <a:schemeClr val="dk1"/>
-          </a:fillRef>
-          <a:effectRef idx="0">
-            <a:schemeClr val="dk1"/>
-          </a:effectRef>
-          <a:fontRef idx="minor">
-            <a:schemeClr val="tx1"/>
-          </a:fontRef>
-        </p:style>
-        <p:txBody>
-          <a:bodyPr rtlCol="0" anchor="ctr"/>
-          <a:lstStyle/>
-          <a:p>
-            <a:pPr algn="ctr"/>
-            <a:endParaRPr lang="en-US"/>
-          </a:p>
-        </p:txBody>
-      </p:sp>
-      <p:cxnSp>
-        <p:nvCxnSpPr>
-          <p:cNvPr id="13" name="Elbow Connector 12"/>
-          <p:cNvCxnSpPr>
-            <a:stCxn id="8" idx="1"/>
-            <a:endCxn id="12" idx="1"/>
-          </p:cNvCxnSpPr>
-          <p:nvPr/>
-        </p:nvCxnSpPr>
-        <p:spPr>
-          <a:xfrm rot="5400000">
-            <a:off x="5193617" y="124250"/>
-            <a:ext cx="418093" cy="2807489"/>
-          </a:xfrm>
-          <a:prstGeom prst="bentConnector3">
-            <a:avLst>
-              <a:gd name="adj1" fmla="val 28013"/>
-            </a:avLst>
-          </a:prstGeom>
-          <a:ln>
-            <a:tailEnd type="triangle"/>
-          </a:ln>
-        </p:spPr>
-        <p:style>
-          <a:lnRef idx="1">
-            <a:schemeClr val="dk1"/>
-          </a:lnRef>
-          <a:fillRef idx="0">
-            <a:schemeClr val="dk1"/>
-          </a:fillRef>
-          <a:effectRef idx="0">
-            <a:schemeClr val="dk1"/>
-          </a:effectRef>
-          <a:fontRef idx="minor">
-            <a:schemeClr val="tx1"/>
-          </a:fontRef>
-        </p:style>
-      </p:cxnSp>
-      <p:sp>
-        <p:nvSpPr>
-          <p:cNvPr id="14" name="Right Brace 13"/>
-          <p:cNvSpPr/>
-          <p:nvPr/>
-        </p:nvSpPr>
-        <p:spPr>
-          <a:xfrm rot="5400000">
-            <a:off x="2033267" y="557999"/>
-            <a:ext cx="166789" cy="3764517"/>
-          </a:xfrm>
-          <a:prstGeom prst="rightBrace">
-            <a:avLst/>
-          </a:prstGeom>
-        </p:spPr>
-        <p:style>
-          <a:lnRef idx="1">
-            <a:schemeClr val="dk1"/>
-          </a:lnRef>
-          <a:fillRef idx="0">
-            <a:schemeClr val="dk1"/>
-          </a:fillRef>
-          <a:effectRef idx="0">
-            <a:schemeClr val="dk1"/>
-          </a:effectRef>
-          <a:fontRef idx="minor">
-            <a:schemeClr val="tx1"/>
-          </a:fontRef>
-        </p:style>
-        <p:txBody>
-          <a:bodyPr rtlCol="0" anchor="ctr"/>
-          <a:lstStyle/>
-          <a:p>
-            <a:pPr algn="ctr"/>
-            <a:endParaRPr lang="en-US"/>
-          </a:p>
-        </p:txBody>
-      </p:sp>
-      <p:sp>
-        <p:nvSpPr>
-          <p:cNvPr id="15" name="TextBox 14"/>
-          <p:cNvSpPr txBox="1"/>
-          <p:nvPr/>
-        </p:nvSpPr>
-        <p:spPr>
-          <a:xfrm>
-            <a:off x="197098" y="3670566"/>
-            <a:ext cx="2734010" cy="415498"/>
-          </a:xfrm>
-          <a:prstGeom prst="rect">
-            <a:avLst/>
-          </a:prstGeom>
-          <a:noFill/>
-          <a:ln w="12700" cmpd="sng">
-            <a:solidFill>
-              <a:schemeClr val="tx1"/>
-            </a:solidFill>
-            <a:prstDash val="solid"/>
-          </a:ln>
-        </p:spPr>
-        <p:txBody>
-          <a:bodyPr wrap="square" rtlCol="0">
-            <a:spAutoFit/>
-          </a:bodyPr>
-          <a:lstStyle/>
-          <a:p>
-            <a:pPr algn="ctr"/>
-            <a:r>
-              <a:rPr lang="en-US" sz="1050" dirty="0">
-                <a:latin typeface="Courier New"/>
-                <a:cs typeface="Courier New"/>
-              </a:rPr>
-              <a:t>o</a:t>
-            </a:r>
-            <a:r>
-              <a:rPr lang="en-US" sz="1050" dirty="0" smtClean="0">
-                <a:latin typeface="Courier New"/>
-                <a:cs typeface="Courier New"/>
-              </a:rPr>
-              <a:t>ther m</a:t>
-            </a:r>
-            <a:r>
-              <a:rPr lang="en-US" sz="1050" dirty="0" smtClean="0">
-                <a:latin typeface="Courier New"/>
-                <a:cs typeface="Courier New"/>
-              </a:rPr>
-              <a:t>esh indices</a:t>
-            </a:r>
-          </a:p>
-          <a:p>
-            <a:pPr algn="ctr"/>
-            <a:endParaRPr lang="en-US" sz="1050" dirty="0" smtClean="0">
-              <a:latin typeface="Courier New"/>
-              <a:cs typeface="Courier New"/>
-            </a:endParaRPr>
-          </a:p>
-        </p:txBody>
-      </p:sp>
-      <p:sp>
-        <p:nvSpPr>
-          <p:cNvPr id="16" name="TextBox 15"/>
-          <p:cNvSpPr txBox="1"/>
-          <p:nvPr/>
-        </p:nvSpPr>
-        <p:spPr>
-          <a:xfrm>
-            <a:off x="2931109" y="3670566"/>
-            <a:ext cx="2734010" cy="415498"/>
-          </a:xfrm>
-          <a:prstGeom prst="rect">
-            <a:avLst/>
-          </a:prstGeom>
-          <a:noFill/>
-          <a:ln w="12700" cmpd="sng">
-            <a:solidFill>
-              <a:schemeClr val="tx1"/>
-            </a:solidFill>
-            <a:prstDash val="solid"/>
-          </a:ln>
-        </p:spPr>
-        <p:txBody>
-          <a:bodyPr wrap="square" rtlCol="0">
-            <a:spAutoFit/>
-          </a:bodyPr>
-          <a:lstStyle/>
-          <a:p>
-            <a:pPr algn="ctr"/>
-            <a:r>
-              <a:rPr lang="en-US" sz="1050" dirty="0">
-                <a:latin typeface="Courier New"/>
-                <a:cs typeface="Courier New"/>
-              </a:rPr>
-              <a:t>m</a:t>
-            </a:r>
-            <a:r>
-              <a:rPr lang="en-US" sz="1050" dirty="0" smtClean="0">
-                <a:latin typeface="Courier New"/>
-                <a:cs typeface="Courier New"/>
-              </a:rPr>
-              <a:t>esh </a:t>
-            </a:r>
-            <a:r>
-              <a:rPr lang="en-US" sz="1050" dirty="0" err="1">
-                <a:latin typeface="Courier New"/>
-                <a:cs typeface="Courier New"/>
-              </a:rPr>
-              <a:t>i</a:t>
-            </a:r>
-            <a:r>
-              <a:rPr lang="en-US" sz="1050" dirty="0" smtClean="0">
-                <a:latin typeface="Courier New"/>
-                <a:cs typeface="Courier New"/>
-              </a:rPr>
-              <a:t> indices</a:t>
-            </a:r>
-            <a:endParaRPr lang="en-US" sz="1050" dirty="0" smtClean="0">
-              <a:latin typeface="Courier New"/>
-              <a:cs typeface="Courier New"/>
-            </a:endParaRPr>
-          </a:p>
-          <a:p>
-            <a:pPr algn="ctr"/>
-            <a:endParaRPr lang="en-US" sz="1050" dirty="0" smtClean="0">
-              <a:latin typeface="Courier New"/>
-              <a:cs typeface="Courier New"/>
-            </a:endParaRPr>
-          </a:p>
-        </p:txBody>
-      </p:sp>
-      <p:cxnSp>
-        <p:nvCxnSpPr>
-          <p:cNvPr id="18" name="Straight Arrow Connector 17"/>
-          <p:cNvCxnSpPr/>
-          <p:nvPr/>
-        </p:nvCxnSpPr>
-        <p:spPr>
-          <a:xfrm flipH="1">
-            <a:off x="2931108" y="4094856"/>
-            <a:ext cx="4488" cy="274229"/>
-          </a:xfrm>
-          <a:prstGeom prst="straightConnector1">
-            <a:avLst/>
-          </a:prstGeom>
-          <a:ln>
-            <a:tailEnd type="triangle"/>
-          </a:ln>
-        </p:spPr>
-        <p:style>
-          <a:lnRef idx="1">
-            <a:schemeClr val="dk1"/>
-          </a:lnRef>
-          <a:fillRef idx="0">
-            <a:schemeClr val="dk1"/>
-          </a:fillRef>
-          <a:effectRef idx="0">
-            <a:schemeClr val="dk1"/>
-          </a:effectRef>
-          <a:fontRef idx="minor">
-            <a:schemeClr val="tx1"/>
-          </a:fontRef>
-        </p:style>
-      </p:cxnSp>
-      <p:cxnSp>
-        <p:nvCxnSpPr>
-          <p:cNvPr id="19" name="Straight Arrow Connector 18"/>
-          <p:cNvCxnSpPr/>
-          <p:nvPr/>
-        </p:nvCxnSpPr>
-        <p:spPr>
-          <a:xfrm flipH="1">
-            <a:off x="5659314" y="4086064"/>
-            <a:ext cx="4488" cy="274229"/>
-          </a:xfrm>
-          <a:prstGeom prst="straightConnector1">
-            <a:avLst/>
-          </a:prstGeom>
-          <a:ln>
-            <a:tailEnd type="triangle"/>
-          </a:ln>
-        </p:spPr>
-        <p:style>
-          <a:lnRef idx="1">
-            <a:schemeClr val="dk1"/>
-          </a:lnRef>
-          <a:fillRef idx="0">
-            <a:schemeClr val="dk1"/>
-          </a:fillRef>
-          <a:effectRef idx="0">
-            <a:schemeClr val="dk1"/>
-          </a:effectRef>
-          <a:fontRef idx="minor">
-            <a:schemeClr val="tx1"/>
-          </a:fontRef>
-        </p:style>
-      </p:cxnSp>
-      <p:sp>
-        <p:nvSpPr>
-          <p:cNvPr id="20" name="Right Brace 19"/>
-          <p:cNvSpPr/>
-          <p:nvPr/>
-        </p:nvSpPr>
-        <p:spPr>
-          <a:xfrm rot="16200000">
-            <a:off x="4221660" y="-569970"/>
-            <a:ext cx="158709" cy="8196227"/>
-          </a:xfrm>
-          <a:prstGeom prst="rightBrace">
-            <a:avLst/>
-          </a:prstGeom>
-        </p:spPr>
-        <p:style>
-          <a:lnRef idx="1">
-            <a:schemeClr val="dk1"/>
-          </a:lnRef>
-          <a:fillRef idx="0">
-            <a:schemeClr val="dk1"/>
-          </a:fillRef>
-          <a:effectRef idx="0">
-            <a:schemeClr val="dk1"/>
-          </a:effectRef>
-          <a:fontRef idx="minor">
-            <a:schemeClr val="tx1"/>
-          </a:fontRef>
-        </p:style>
-        <p:txBody>
-          <a:bodyPr rtlCol="0" anchor="ctr"/>
-          <a:lstStyle/>
-          <a:p>
-            <a:pPr algn="ctr"/>
-            <a:endParaRPr lang="en-US"/>
-          </a:p>
-        </p:txBody>
-      </p:sp>
-      <p:cxnSp>
-        <p:nvCxnSpPr>
-          <p:cNvPr id="21" name="Elbow Connector 20"/>
-          <p:cNvCxnSpPr>
-            <a:stCxn id="14" idx="1"/>
-            <a:endCxn id="20" idx="1"/>
-          </p:cNvCxnSpPr>
-          <p:nvPr/>
-        </p:nvCxnSpPr>
-        <p:spPr>
-          <a:xfrm rot="16200000" flipH="1">
-            <a:off x="2746269" y="1894043"/>
-            <a:ext cx="925137" cy="2184354"/>
-          </a:xfrm>
-          <a:prstGeom prst="bentConnector5">
-            <a:avLst>
-              <a:gd name="adj1" fmla="val 72229"/>
-              <a:gd name="adj2" fmla="val 50092"/>
-              <a:gd name="adj3" fmla="val 72439"/>
-            </a:avLst>
-          </a:prstGeom>
-          <a:ln>
-            <a:tailEnd type="triangle"/>
-          </a:ln>
-        </p:spPr>
-        <p:style>
-          <a:lnRef idx="1">
-            <a:schemeClr val="dk1"/>
-          </a:lnRef>
-          <a:fillRef idx="0">
-            <a:schemeClr val="dk1"/>
-          </a:fillRef>
-          <a:effectRef idx="0">
-            <a:schemeClr val="dk1"/>
-          </a:effectRef>
-          <a:fontRef idx="minor">
-            <a:schemeClr val="tx1"/>
-          </a:fontRef>
-        </p:style>
-      </p:cxnSp>
-      <p:sp>
-        <p:nvSpPr>
-          <p:cNvPr id="23" name="TextBox 22"/>
-          <p:cNvSpPr txBox="1"/>
-          <p:nvPr/>
-        </p:nvSpPr>
-        <p:spPr>
-          <a:xfrm>
-            <a:off x="1356471" y="4302162"/>
-            <a:ext cx="2734010" cy="415498"/>
-          </a:xfrm>
-          <a:prstGeom prst="rect">
-            <a:avLst/>
-          </a:prstGeom>
-          <a:noFill/>
-          <a:ln w="12700" cmpd="sng">
-            <a:noFill/>
-            <a:prstDash val="solid"/>
-          </a:ln>
-        </p:spPr>
-        <p:txBody>
-          <a:bodyPr wrap="square" rtlCol="0">
-            <a:spAutoFit/>
-          </a:bodyPr>
-          <a:lstStyle/>
-          <a:p>
-            <a:pPr algn="ctr"/>
-            <a:r>
-              <a:rPr lang="en-US" sz="1050" dirty="0" smtClean="0">
-                <a:latin typeface="Courier New"/>
-                <a:cs typeface="Courier New"/>
-              </a:rPr>
-              <a:t>MESH_INDEX_OFFSET[</a:t>
-            </a:r>
-            <a:r>
-              <a:rPr lang="en-US" sz="1050" dirty="0" err="1" smtClean="0">
-                <a:latin typeface="Courier New"/>
-                <a:cs typeface="Courier New"/>
-              </a:rPr>
-              <a:t>i</a:t>
-            </a:r>
-            <a:r>
-              <a:rPr lang="en-US" sz="1050" dirty="0" smtClean="0">
-                <a:latin typeface="Courier New"/>
-                <a:cs typeface="Courier New"/>
-              </a:rPr>
-              <a:t>]</a:t>
-            </a:r>
-            <a:endParaRPr lang="en-US" sz="1050" dirty="0" smtClean="0">
-              <a:latin typeface="Courier New"/>
-              <a:cs typeface="Courier New"/>
-            </a:endParaRPr>
-          </a:p>
-          <a:p>
-            <a:pPr algn="ctr"/>
-            <a:endParaRPr lang="en-US" sz="1050" dirty="0" smtClean="0">
-              <a:latin typeface="Courier New"/>
-              <a:cs typeface="Courier New"/>
-            </a:endParaRPr>
-          </a:p>
-        </p:txBody>
-      </p:sp>
-      <p:sp>
-        <p:nvSpPr>
-          <p:cNvPr id="24" name="TextBox 23"/>
-          <p:cNvSpPr txBox="1"/>
-          <p:nvPr/>
-        </p:nvSpPr>
-        <p:spPr>
-          <a:xfrm>
-            <a:off x="4273243" y="4302162"/>
-            <a:ext cx="3039820" cy="577081"/>
-          </a:xfrm>
-          <a:prstGeom prst="rect">
-            <a:avLst/>
-          </a:prstGeom>
-          <a:noFill/>
-          <a:ln w="12700" cmpd="sng">
-            <a:noFill/>
-            <a:prstDash val="solid"/>
-          </a:ln>
-        </p:spPr>
-        <p:txBody>
-          <a:bodyPr wrap="square" rtlCol="0">
-            <a:spAutoFit/>
-          </a:bodyPr>
-          <a:lstStyle/>
-          <a:p>
-            <a:pPr algn="ctr"/>
-            <a:r>
-              <a:rPr lang="en-US" sz="1050" dirty="0" smtClean="0">
-                <a:latin typeface="Courier New"/>
-                <a:cs typeface="Courier New"/>
-              </a:rPr>
-              <a:t>MESH_INDEX_OFFSET[</a:t>
-            </a:r>
-            <a:r>
-              <a:rPr lang="en-US" sz="1050" dirty="0" err="1" smtClean="0">
-                <a:latin typeface="Courier New"/>
-                <a:cs typeface="Courier New"/>
-              </a:rPr>
-              <a:t>i</a:t>
-            </a:r>
-            <a:r>
-              <a:rPr lang="en-US" sz="1050" dirty="0" smtClean="0">
-                <a:latin typeface="Courier New"/>
-                <a:cs typeface="Courier New"/>
-              </a:rPr>
-              <a:t>] + MESH_INDEX_COUNT[</a:t>
-            </a:r>
-            <a:r>
-              <a:rPr lang="en-US" sz="1050" dirty="0" err="1" smtClean="0">
-                <a:latin typeface="Courier New"/>
-                <a:cs typeface="Courier New"/>
-              </a:rPr>
-              <a:t>i</a:t>
-            </a:r>
-            <a:r>
-              <a:rPr lang="en-US" sz="1050" dirty="0" smtClean="0">
-                <a:latin typeface="Courier New"/>
-                <a:cs typeface="Courier New"/>
-              </a:rPr>
-              <a:t>]</a:t>
-            </a:r>
-            <a:endParaRPr lang="en-US" sz="1050" dirty="0" smtClean="0">
-              <a:latin typeface="Courier New"/>
-              <a:cs typeface="Courier New"/>
-            </a:endParaRPr>
-          </a:p>
-          <a:p>
-            <a:pPr algn="ctr"/>
-            <a:endParaRPr lang="en-US" sz="1050" dirty="0" smtClean="0">
-              <a:latin typeface="Courier New"/>
-              <a:cs typeface="Courier New"/>
-            </a:endParaRPr>
-          </a:p>
-        </p:txBody>
-      </p:sp>
-      <p:sp>
-        <p:nvSpPr>
-          <p:cNvPr id="25" name="TextBox 24"/>
-          <p:cNvSpPr txBox="1"/>
-          <p:nvPr/>
-        </p:nvSpPr>
-        <p:spPr>
-          <a:xfrm>
-            <a:off x="5665120" y="3670566"/>
-            <a:ext cx="2734010" cy="415498"/>
-          </a:xfrm>
-          <a:prstGeom prst="rect">
-            <a:avLst/>
-          </a:prstGeom>
-          <a:noFill/>
-          <a:ln w="12700" cmpd="sng">
-            <a:solidFill>
-              <a:schemeClr val="tx1"/>
-            </a:solidFill>
-            <a:prstDash val="solid"/>
-          </a:ln>
-        </p:spPr>
-        <p:txBody>
-          <a:bodyPr wrap="square" rtlCol="0">
-            <a:spAutoFit/>
-          </a:bodyPr>
-          <a:lstStyle/>
-          <a:p>
-            <a:pPr algn="ctr"/>
-            <a:r>
-              <a:rPr lang="en-US" sz="1050" dirty="0" smtClean="0">
-                <a:latin typeface="Courier New"/>
-                <a:cs typeface="Courier New"/>
-              </a:rPr>
-              <a:t>Other mesh indices</a:t>
-            </a:r>
-            <a:endParaRPr lang="en-US" sz="1050" dirty="0" smtClean="0">
-              <a:latin typeface="Courier New"/>
-              <a:cs typeface="Courier New"/>
-            </a:endParaRPr>
-          </a:p>
-          <a:p>
-            <a:pPr algn="ctr"/>
-            <a:endParaRPr lang="en-US" sz="1050" dirty="0" smtClean="0">
-              <a:latin typeface="Courier New"/>
-              <a:cs typeface="Courier New"/>
-            </a:endParaRPr>
-          </a:p>
-        </p:txBody>
-      </p:sp>
-      <p:cxnSp>
-        <p:nvCxnSpPr>
-          <p:cNvPr id="28" name="Straight Arrow Connector 27"/>
-          <p:cNvCxnSpPr/>
-          <p:nvPr/>
-        </p:nvCxnSpPr>
-        <p:spPr>
-          <a:xfrm flipH="1">
-            <a:off x="3999421" y="2303261"/>
-            <a:ext cx="4488" cy="274229"/>
-          </a:xfrm>
-          <a:prstGeom prst="straightConnector1">
-            <a:avLst/>
-          </a:prstGeom>
-          <a:ln>
-            <a:tailEnd type="triangle"/>
-          </a:ln>
-        </p:spPr>
-        <p:style>
-          <a:lnRef idx="1">
-            <a:schemeClr val="dk1"/>
-          </a:lnRef>
-          <a:fillRef idx="0">
-            <a:schemeClr val="dk1"/>
-          </a:fillRef>
-          <a:effectRef idx="0">
-            <a:schemeClr val="dk1"/>
-          </a:effectRef>
-          <a:fontRef idx="minor">
-            <a:schemeClr val="tx1"/>
-          </a:fontRef>
-        </p:style>
-      </p:cxnSp>
-      <p:sp>
-        <p:nvSpPr>
-          <p:cNvPr id="29" name="TextBox 28"/>
-          <p:cNvSpPr txBox="1"/>
-          <p:nvPr/>
-        </p:nvSpPr>
-        <p:spPr>
-          <a:xfrm>
-            <a:off x="2233486" y="2582754"/>
-            <a:ext cx="3588179" cy="577081"/>
-          </a:xfrm>
-          <a:prstGeom prst="rect">
-            <a:avLst/>
-          </a:prstGeom>
-          <a:noFill/>
-          <a:ln w="12700" cmpd="sng">
-            <a:noFill/>
-            <a:prstDash val="solid"/>
-          </a:ln>
-        </p:spPr>
-        <p:txBody>
-          <a:bodyPr wrap="square" rtlCol="0">
-            <a:spAutoFit/>
-          </a:bodyPr>
-          <a:lstStyle/>
-          <a:p>
-            <a:pPr algn="ctr"/>
-            <a:r>
-              <a:rPr lang="en-US" sz="1050" dirty="0" smtClean="0">
-                <a:latin typeface="Courier New"/>
-                <a:cs typeface="Courier New"/>
-              </a:rPr>
-              <a:t>MESH_INDEX_COUNTS[0] + … + MESH_INDEX_COUNTS[n]</a:t>
-            </a:r>
-            <a:endParaRPr lang="en-US" sz="1050" dirty="0" smtClean="0">
-              <a:latin typeface="Courier New"/>
-              <a:cs typeface="Courier New"/>
-            </a:endParaRPr>
-          </a:p>
-          <a:p>
-            <a:pPr algn="ctr"/>
-            <a:endParaRPr lang="en-US" sz="1050" dirty="0" smtClean="0">
-              <a:latin typeface="Courier New"/>
-              <a:cs typeface="Courier New"/>
-            </a:endParaRPr>
-          </a:p>
-        </p:txBody>
-      </p:sp>
-      <p:sp>
-        <p:nvSpPr>
-          <p:cNvPr id="30" name="TextBox 29"/>
-          <p:cNvSpPr txBox="1"/>
-          <p:nvPr/>
-        </p:nvSpPr>
-        <p:spPr>
-          <a:xfrm>
-            <a:off x="5802924" y="665063"/>
-            <a:ext cx="1969479" cy="415498"/>
-          </a:xfrm>
-          <a:prstGeom prst="rect">
-            <a:avLst/>
-          </a:prstGeom>
-          <a:noFill/>
-          <a:ln w="12700" cmpd="sng">
-            <a:solidFill>
-              <a:schemeClr val="tx1"/>
-            </a:solidFill>
-            <a:prstDash val="solid"/>
-          </a:ln>
-        </p:spPr>
-        <p:txBody>
-          <a:bodyPr wrap="square" rtlCol="0">
-            <a:spAutoFit/>
-          </a:bodyPr>
-          <a:lstStyle/>
-          <a:p>
-            <a:pPr algn="ctr"/>
-            <a:r>
-              <a:rPr lang="en-US" sz="1050" dirty="0" smtClean="0">
-                <a:latin typeface="Courier New"/>
-                <a:cs typeface="Courier New"/>
-              </a:rPr>
-              <a:t>meshes</a:t>
-            </a:r>
-            <a:endParaRPr lang="en-US" sz="1050" dirty="0" smtClean="0">
-              <a:latin typeface="Courier New"/>
-              <a:cs typeface="Courier New"/>
-            </a:endParaRPr>
-          </a:p>
-          <a:p>
-            <a:pPr algn="ctr"/>
-            <a:endParaRPr lang="en-US" sz="1050" dirty="0" smtClean="0">
-              <a:latin typeface="Courier New"/>
-              <a:cs typeface="Courier New"/>
-            </a:endParaRPr>
-          </a:p>
-        </p:txBody>
-      </p:sp>
-      <p:sp>
-        <p:nvSpPr>
-          <p:cNvPr id="41" name="Right Brace 40"/>
-          <p:cNvSpPr/>
-          <p:nvPr/>
-        </p:nvSpPr>
-        <p:spPr>
-          <a:xfrm rot="5400000">
-            <a:off x="5806750" y="567419"/>
-            <a:ext cx="166789" cy="3764517"/>
-          </a:xfrm>
-          <a:prstGeom prst="rightBrace">
-            <a:avLst/>
-          </a:prstGeom>
-        </p:spPr>
-        <p:style>
-          <a:lnRef idx="1">
-            <a:schemeClr val="dk1"/>
-          </a:lnRef>
-          <a:fillRef idx="0">
-            <a:schemeClr val="dk1"/>
-          </a:fillRef>
-          <a:effectRef idx="0">
-            <a:schemeClr val="dk1"/>
-          </a:effectRef>
-          <a:fontRef idx="minor">
-            <a:schemeClr val="tx1"/>
-          </a:fontRef>
-        </p:style>
-        <p:txBody>
-          <a:bodyPr rtlCol="0" anchor="ctr"/>
-          <a:lstStyle/>
-          <a:p>
-            <a:pPr algn="ctr"/>
-            <a:endParaRPr lang="en-US"/>
-          </a:p>
-        </p:txBody>
-      </p:sp>
-      <p:cxnSp>
-        <p:nvCxnSpPr>
-          <p:cNvPr id="42" name="Elbow Connector 41"/>
-          <p:cNvCxnSpPr>
-            <a:stCxn id="41" idx="1"/>
-          </p:cNvCxnSpPr>
-          <p:nvPr/>
-        </p:nvCxnSpPr>
-        <p:spPr>
-          <a:xfrm rot="16200000" flipH="1">
-            <a:off x="5987653" y="2435562"/>
-            <a:ext cx="403559" cy="598579"/>
-          </a:xfrm>
-          <a:prstGeom prst="bentConnector4">
-            <a:avLst>
-              <a:gd name="adj1" fmla="val 100220"/>
-              <a:gd name="adj2" fmla="val 56966"/>
-            </a:avLst>
-          </a:prstGeom>
-          <a:ln>
-            <a:tailEnd type="triangle"/>
-          </a:ln>
-        </p:spPr>
-        <p:style>
-          <a:lnRef idx="1">
-            <a:schemeClr val="dk1"/>
-          </a:lnRef>
-          <a:fillRef idx="0">
-            <a:schemeClr val="dk1"/>
-          </a:fillRef>
-          <a:effectRef idx="0">
-            <a:schemeClr val="dk1"/>
-          </a:effectRef>
-          <a:fontRef idx="minor">
-            <a:schemeClr val="tx1"/>
-          </a:fontRef>
-        </p:style>
-      </p:cxnSp>
-      <p:sp>
-        <p:nvSpPr>
-          <p:cNvPr id="73" name="TextBox 72"/>
-          <p:cNvSpPr txBox="1"/>
-          <p:nvPr/>
-        </p:nvSpPr>
-        <p:spPr>
-          <a:xfrm>
-            <a:off x="6488722" y="2810086"/>
-            <a:ext cx="1710817" cy="415498"/>
-          </a:xfrm>
-          <a:prstGeom prst="rect">
-            <a:avLst/>
-          </a:prstGeom>
-          <a:noFill/>
-          <a:ln w="12700" cmpd="sng">
-            <a:noFill/>
-            <a:prstDash val="solid"/>
-          </a:ln>
-        </p:spPr>
-        <p:txBody>
-          <a:bodyPr wrap="square" rtlCol="0">
-            <a:spAutoFit/>
-          </a:bodyPr>
-          <a:lstStyle/>
-          <a:p>
-            <a:pPr algn="ctr"/>
-            <a:r>
-              <a:rPr lang="en-US" sz="1050" dirty="0" smtClean="0">
-                <a:latin typeface="Courier New"/>
-                <a:cs typeface="Courier New"/>
-              </a:rPr>
-              <a:t>MESH_POSITION_COUNT</a:t>
-            </a:r>
-            <a:endParaRPr lang="en-US" sz="1050" dirty="0" smtClean="0">
-              <a:latin typeface="Courier New"/>
-              <a:cs typeface="Courier New"/>
-            </a:endParaRPr>
-          </a:p>
-          <a:p>
-            <a:pPr algn="ctr"/>
-            <a:endParaRPr lang="en-US" sz="1050" dirty="0" smtClean="0">
-              <a:latin typeface="Courier New"/>
-              <a:cs typeface="Courier New"/>
-            </a:endParaRPr>
-          </a:p>
-        </p:txBody>
-      </p:sp>
-    </p:spTree>
-    <p:extLst>
-      <p:ext uri="{BB962C8B-B14F-4D97-AF65-F5344CB8AC3E}">
-        <p14:creationId xmlns:p14="http://schemas.microsoft.com/office/powerpoint/2010/main" val="1205424035"/>
       </p:ext>
     </p:extLst>
   </p:cSld>

--- a/TileFormats/VectorData/figures/figues.pptx
+++ b/TileFormats/VectorData/figures/figues.pptx
@@ -308,7 +308,7 @@
           <a:p>
             <a:fld id="{E44376AC-B3C2-8643-B9A3-A6905164CDF3}" type="datetimeFigureOut">
               <a:rPr lang="en-US" smtClean="0"/>
-              <a:t>12/11/2017</a:t>
+              <a:t>1/3/2018</a:t>
             </a:fld>
             <a:endParaRPr lang="en-US"/>
           </a:p>
@@ -478,7 +478,7 @@
           <a:p>
             <a:fld id="{E44376AC-B3C2-8643-B9A3-A6905164CDF3}" type="datetimeFigureOut">
               <a:rPr lang="en-US" smtClean="0"/>
-              <a:t>12/11/2017</a:t>
+              <a:t>1/3/2018</a:t>
             </a:fld>
             <a:endParaRPr lang="en-US"/>
           </a:p>
@@ -658,7 +658,7 @@
           <a:p>
             <a:fld id="{E44376AC-B3C2-8643-B9A3-A6905164CDF3}" type="datetimeFigureOut">
               <a:rPr lang="en-US" smtClean="0"/>
-              <a:t>12/11/2017</a:t>
+              <a:t>1/3/2018</a:t>
             </a:fld>
             <a:endParaRPr lang="en-US"/>
           </a:p>
@@ -828,7 +828,7 @@
           <a:p>
             <a:fld id="{E44376AC-B3C2-8643-B9A3-A6905164CDF3}" type="datetimeFigureOut">
               <a:rPr lang="en-US" smtClean="0"/>
-              <a:t>12/11/2017</a:t>
+              <a:t>1/3/2018</a:t>
             </a:fld>
             <a:endParaRPr lang="en-US"/>
           </a:p>
@@ -1074,7 +1074,7 @@
           <a:p>
             <a:fld id="{E44376AC-B3C2-8643-B9A3-A6905164CDF3}" type="datetimeFigureOut">
               <a:rPr lang="en-US" smtClean="0"/>
-              <a:t>12/11/2017</a:t>
+              <a:t>1/3/2018</a:t>
             </a:fld>
             <a:endParaRPr lang="en-US"/>
           </a:p>
@@ -1362,7 +1362,7 @@
           <a:p>
             <a:fld id="{E44376AC-B3C2-8643-B9A3-A6905164CDF3}" type="datetimeFigureOut">
               <a:rPr lang="en-US" smtClean="0"/>
-              <a:t>12/11/2017</a:t>
+              <a:t>1/3/2018</a:t>
             </a:fld>
             <a:endParaRPr lang="en-US"/>
           </a:p>
@@ -1784,7 +1784,7 @@
           <a:p>
             <a:fld id="{E44376AC-B3C2-8643-B9A3-A6905164CDF3}" type="datetimeFigureOut">
               <a:rPr lang="en-US" smtClean="0"/>
-              <a:t>12/11/2017</a:t>
+              <a:t>1/3/2018</a:t>
             </a:fld>
             <a:endParaRPr lang="en-US"/>
           </a:p>
@@ -1902,7 +1902,7 @@
           <a:p>
             <a:fld id="{E44376AC-B3C2-8643-B9A3-A6905164CDF3}" type="datetimeFigureOut">
               <a:rPr lang="en-US" smtClean="0"/>
-              <a:t>12/11/2017</a:t>
+              <a:t>1/3/2018</a:t>
             </a:fld>
             <a:endParaRPr lang="en-US"/>
           </a:p>
@@ -1997,7 +1997,7 @@
           <a:p>
             <a:fld id="{E44376AC-B3C2-8643-B9A3-A6905164CDF3}" type="datetimeFigureOut">
               <a:rPr lang="en-US" smtClean="0"/>
-              <a:t>12/11/2017</a:t>
+              <a:t>1/3/2018</a:t>
             </a:fld>
             <a:endParaRPr lang="en-US"/>
           </a:p>
@@ -2274,7 +2274,7 @@
           <a:p>
             <a:fld id="{E44376AC-B3C2-8643-B9A3-A6905164CDF3}" type="datetimeFigureOut">
               <a:rPr lang="en-US" smtClean="0"/>
-              <a:t>12/11/2017</a:t>
+              <a:t>1/3/2018</a:t>
             </a:fld>
             <a:endParaRPr lang="en-US"/>
           </a:p>
@@ -2527,7 +2527,7 @@
           <a:p>
             <a:fld id="{E44376AC-B3C2-8643-B9A3-A6905164CDF3}" type="datetimeFigureOut">
               <a:rPr lang="en-US" smtClean="0"/>
-              <a:t>12/11/2017</a:t>
+              <a:t>1/3/2018</a:t>
             </a:fld>
             <a:endParaRPr lang="en-US"/>
           </a:p>
@@ -2740,7 +2740,7 @@
           <a:p>
             <a:fld id="{E44376AC-B3C2-8643-B9A3-A6905164CDF3}" type="datetimeFigureOut">
               <a:rPr lang="en-US" smtClean="0"/>
-              <a:t>12/11/2017</a:t>
+              <a:t>1/3/2018</a:t>
             </a:fld>
             <a:endParaRPr lang="en-US"/>
           </a:p>
@@ -6558,8 +6558,19 @@
                 <a:latin typeface="Courier New"/>
                 <a:cs typeface="Courier New"/>
               </a:rPr>
-              <a:t> / 2</a:t>
-            </a:r>
+              <a:t> / </a:t>
+            </a:r>
+            <a:r>
+              <a:rPr lang="en-US" sz="1050" dirty="0" smtClean="0">
+                <a:latin typeface="Courier New"/>
+                <a:cs typeface="Courier New"/>
+              </a:rPr>
+              <a:t>3</a:t>
+            </a:r>
+            <a:endParaRPr lang="en-US" sz="1050" dirty="0" smtClean="0">
+              <a:latin typeface="Courier New"/>
+              <a:cs typeface="Courier New"/>
+            </a:endParaRPr>
           </a:p>
           <a:p>
             <a:pPr algn="ctr"/>
@@ -7790,8 +7801,19 @@
                 <a:latin typeface="Courier New"/>
                 <a:cs typeface="Courier New"/>
               </a:rPr>
-              <a:t> / 2</a:t>
-            </a:r>
+              <a:t> / </a:t>
+            </a:r>
+            <a:r>
+              <a:rPr lang="en-US" sz="1050" dirty="0" smtClean="0">
+                <a:latin typeface="Courier New"/>
+                <a:cs typeface="Courier New"/>
+              </a:rPr>
+              <a:t>3</a:t>
+            </a:r>
+            <a:endParaRPr lang="en-US" sz="1050" dirty="0" smtClean="0">
+              <a:latin typeface="Courier New"/>
+              <a:cs typeface="Courier New"/>
+            </a:endParaRPr>
           </a:p>
           <a:p>
             <a:pPr algn="ctr"/>
